--- a/ideas.pptx
+++ b/ideas.pptx
@@ -8,7 +8,8 @@
     <p:sldId id="256" r:id="rId2"/>
     <p:sldId id="257" r:id="rId3"/>
     <p:sldId id="258" r:id="rId4"/>
-    <p:sldId id="259" r:id="rId5"/>
+    <p:sldId id="260" r:id="rId5"/>
+    <p:sldId id="259" r:id="rId6"/>
   </p:sldIdLst>
   <p:sldSz cx="12192000" cy="6858000"/>
   <p:notesSz cx="6858000" cy="9144000"/>
@@ -107,6 +108,11 @@
       </a:defRPr>
     </a:lvl9pPr>
   </p:defaultTextStyle>
+  <p:extLst>
+    <p:ext uri="{EFAFB233-063F-42B5-8137-9DF3F51BA10A}">
+      <p15:sldGuideLst xmlns:p15="http://schemas.microsoft.com/office/powerpoint/2012/main"/>
+    </p:ext>
+  </p:extLst>
 </p:presentation>
 </file>
 
@@ -271,7 +277,7 @@
           <a:p>
             <a:fld id="{405FB4F6-89F7-48A8-82CD-5462414E042C}" type="datetimeFigureOut">
               <a:rPr lang="de-AT" smtClean="0"/>
-              <a:t>14.12.2020</a:t>
+              <a:t>18.12.2020</a:t>
             </a:fld>
             <a:endParaRPr lang="de-AT"/>
           </a:p>
@@ -471,7 +477,7 @@
           <a:p>
             <a:fld id="{405FB4F6-89F7-48A8-82CD-5462414E042C}" type="datetimeFigureOut">
               <a:rPr lang="de-AT" smtClean="0"/>
-              <a:t>14.12.2020</a:t>
+              <a:t>18.12.2020</a:t>
             </a:fld>
             <a:endParaRPr lang="de-AT"/>
           </a:p>
@@ -681,7 +687,7 @@
           <a:p>
             <a:fld id="{405FB4F6-89F7-48A8-82CD-5462414E042C}" type="datetimeFigureOut">
               <a:rPr lang="de-AT" smtClean="0"/>
-              <a:t>14.12.2020</a:t>
+              <a:t>18.12.2020</a:t>
             </a:fld>
             <a:endParaRPr lang="de-AT"/>
           </a:p>
@@ -881,7 +887,7 @@
           <a:p>
             <a:fld id="{405FB4F6-89F7-48A8-82CD-5462414E042C}" type="datetimeFigureOut">
               <a:rPr lang="de-AT" smtClean="0"/>
-              <a:t>14.12.2020</a:t>
+              <a:t>18.12.2020</a:t>
             </a:fld>
             <a:endParaRPr lang="de-AT"/>
           </a:p>
@@ -1157,7 +1163,7 @@
           <a:p>
             <a:fld id="{405FB4F6-89F7-48A8-82CD-5462414E042C}" type="datetimeFigureOut">
               <a:rPr lang="de-AT" smtClean="0"/>
-              <a:t>14.12.2020</a:t>
+              <a:t>18.12.2020</a:t>
             </a:fld>
             <a:endParaRPr lang="de-AT"/>
           </a:p>
@@ -1425,7 +1431,7 @@
           <a:p>
             <a:fld id="{405FB4F6-89F7-48A8-82CD-5462414E042C}" type="datetimeFigureOut">
               <a:rPr lang="de-AT" smtClean="0"/>
-              <a:t>14.12.2020</a:t>
+              <a:t>18.12.2020</a:t>
             </a:fld>
             <a:endParaRPr lang="de-AT"/>
           </a:p>
@@ -1840,7 +1846,7 @@
           <a:p>
             <a:fld id="{405FB4F6-89F7-48A8-82CD-5462414E042C}" type="datetimeFigureOut">
               <a:rPr lang="de-AT" smtClean="0"/>
-              <a:t>14.12.2020</a:t>
+              <a:t>18.12.2020</a:t>
             </a:fld>
             <a:endParaRPr lang="de-AT"/>
           </a:p>
@@ -1982,7 +1988,7 @@
           <a:p>
             <a:fld id="{405FB4F6-89F7-48A8-82CD-5462414E042C}" type="datetimeFigureOut">
               <a:rPr lang="de-AT" smtClean="0"/>
-              <a:t>14.12.2020</a:t>
+              <a:t>18.12.2020</a:t>
             </a:fld>
             <a:endParaRPr lang="de-AT"/>
           </a:p>
@@ -2095,7 +2101,7 @@
           <a:p>
             <a:fld id="{405FB4F6-89F7-48A8-82CD-5462414E042C}" type="datetimeFigureOut">
               <a:rPr lang="de-AT" smtClean="0"/>
-              <a:t>14.12.2020</a:t>
+              <a:t>18.12.2020</a:t>
             </a:fld>
             <a:endParaRPr lang="de-AT"/>
           </a:p>
@@ -2408,7 +2414,7 @@
           <a:p>
             <a:fld id="{405FB4F6-89F7-48A8-82CD-5462414E042C}" type="datetimeFigureOut">
               <a:rPr lang="de-AT" smtClean="0"/>
-              <a:t>14.12.2020</a:t>
+              <a:t>18.12.2020</a:t>
             </a:fld>
             <a:endParaRPr lang="de-AT"/>
           </a:p>
@@ -2697,7 +2703,7 @@
           <a:p>
             <a:fld id="{405FB4F6-89F7-48A8-82CD-5462414E042C}" type="datetimeFigureOut">
               <a:rPr lang="de-AT" smtClean="0"/>
-              <a:t>14.12.2020</a:t>
+              <a:t>18.12.2020</a:t>
             </a:fld>
             <a:endParaRPr lang="de-AT"/>
           </a:p>
@@ -2940,7 +2946,7 @@
           <a:p>
             <a:fld id="{405FB4F6-89F7-48A8-82CD-5462414E042C}" type="datetimeFigureOut">
               <a:rPr lang="de-AT" smtClean="0"/>
-              <a:t>14.12.2020</a:t>
+              <a:t>18.12.2020</a:t>
             </a:fld>
             <a:endParaRPr lang="de-AT"/>
           </a:p>
@@ -20345,6 +20351,6052 @@
           <a:chExt cx="0" cy="0"/>
         </a:xfrm>
       </p:grpSpPr>
+      <p:sp>
+        <p:nvSpPr>
+          <p:cNvPr id="3" name="Rechteck 2">
+            <a:extLst>
+              <a:ext uri="{FF2B5EF4-FFF2-40B4-BE49-F238E27FC236}">
+                <a16:creationId xmlns:a16="http://schemas.microsoft.com/office/drawing/2014/main" id="{52E1E840-AEFB-4142-869F-A16BC8F768CF}"/>
+              </a:ext>
+            </a:extLst>
+          </p:cNvPr>
+          <p:cNvSpPr/>
+          <p:nvPr/>
+        </p:nvSpPr>
+        <p:spPr>
+          <a:xfrm>
+            <a:off x="1220587" y="2545079"/>
+            <a:ext cx="390698" cy="390698"/>
+          </a:xfrm>
+          <a:prstGeom prst="rect">
+            <a:avLst/>
+          </a:prstGeom>
+        </p:spPr>
+        <p:style>
+          <a:lnRef idx="2">
+            <a:schemeClr val="accent1">
+              <a:shade val="50000"/>
+            </a:schemeClr>
+          </a:lnRef>
+          <a:fillRef idx="1">
+            <a:schemeClr val="accent1"/>
+          </a:fillRef>
+          <a:effectRef idx="0">
+            <a:schemeClr val="accent1"/>
+          </a:effectRef>
+          <a:fontRef idx="minor">
+            <a:schemeClr val="lt1"/>
+          </a:fontRef>
+        </p:style>
+        <p:txBody>
+          <a:bodyPr rtlCol="0" anchor="ctr"/>
+          <a:lstStyle/>
+          <a:p>
+            <a:pPr algn="ctr"/>
+            <a:endParaRPr lang="de-AT"/>
+          </a:p>
+        </p:txBody>
+      </p:sp>
+      <p:sp>
+        <p:nvSpPr>
+          <p:cNvPr id="4" name="Rechteck 3">
+            <a:extLst>
+              <a:ext uri="{FF2B5EF4-FFF2-40B4-BE49-F238E27FC236}">
+                <a16:creationId xmlns:a16="http://schemas.microsoft.com/office/drawing/2014/main" id="{D418CD3A-C0B7-40A1-83B5-7E4AFF396A8A}"/>
+              </a:ext>
+            </a:extLst>
+          </p:cNvPr>
+          <p:cNvSpPr/>
+          <p:nvPr/>
+        </p:nvSpPr>
+        <p:spPr>
+          <a:xfrm>
+            <a:off x="1611285" y="2545079"/>
+            <a:ext cx="390698" cy="390698"/>
+          </a:xfrm>
+          <a:prstGeom prst="rect">
+            <a:avLst/>
+          </a:prstGeom>
+          <a:solidFill>
+            <a:schemeClr val="bg1"/>
+          </a:solidFill>
+        </p:spPr>
+        <p:style>
+          <a:lnRef idx="2">
+            <a:schemeClr val="accent1">
+              <a:shade val="50000"/>
+            </a:schemeClr>
+          </a:lnRef>
+          <a:fillRef idx="1">
+            <a:schemeClr val="accent1"/>
+          </a:fillRef>
+          <a:effectRef idx="0">
+            <a:schemeClr val="accent1"/>
+          </a:effectRef>
+          <a:fontRef idx="minor">
+            <a:schemeClr val="lt1"/>
+          </a:fontRef>
+        </p:style>
+        <p:txBody>
+          <a:bodyPr rtlCol="0" anchor="ctr"/>
+          <a:lstStyle/>
+          <a:p>
+            <a:pPr algn="ctr"/>
+            <a:endParaRPr lang="de-AT"/>
+          </a:p>
+        </p:txBody>
+      </p:sp>
+      <p:sp>
+        <p:nvSpPr>
+          <p:cNvPr id="5" name="Rechteck 4">
+            <a:extLst>
+              <a:ext uri="{FF2B5EF4-FFF2-40B4-BE49-F238E27FC236}">
+                <a16:creationId xmlns:a16="http://schemas.microsoft.com/office/drawing/2014/main" id="{DF33BCF1-82FB-40D9-989E-528285DD80D4}"/>
+              </a:ext>
+            </a:extLst>
+          </p:cNvPr>
+          <p:cNvSpPr/>
+          <p:nvPr/>
+        </p:nvSpPr>
+        <p:spPr>
+          <a:xfrm>
+            <a:off x="2001983" y="2545079"/>
+            <a:ext cx="390698" cy="390698"/>
+          </a:xfrm>
+          <a:prstGeom prst="rect">
+            <a:avLst/>
+          </a:prstGeom>
+        </p:spPr>
+        <p:style>
+          <a:lnRef idx="2">
+            <a:schemeClr val="accent1">
+              <a:shade val="50000"/>
+            </a:schemeClr>
+          </a:lnRef>
+          <a:fillRef idx="1">
+            <a:schemeClr val="accent1"/>
+          </a:fillRef>
+          <a:effectRef idx="0">
+            <a:schemeClr val="accent1"/>
+          </a:effectRef>
+          <a:fontRef idx="minor">
+            <a:schemeClr val="lt1"/>
+          </a:fontRef>
+        </p:style>
+        <p:txBody>
+          <a:bodyPr rtlCol="0" anchor="ctr"/>
+          <a:lstStyle/>
+          <a:p>
+            <a:pPr algn="ctr"/>
+            <a:endParaRPr lang="de-AT"/>
+          </a:p>
+        </p:txBody>
+      </p:sp>
+      <p:sp>
+        <p:nvSpPr>
+          <p:cNvPr id="6" name="Rechteck 5">
+            <a:extLst>
+              <a:ext uri="{FF2B5EF4-FFF2-40B4-BE49-F238E27FC236}">
+                <a16:creationId xmlns:a16="http://schemas.microsoft.com/office/drawing/2014/main" id="{D396CD18-C91A-4D0C-AA14-52B90F13C8CC}"/>
+              </a:ext>
+            </a:extLst>
+          </p:cNvPr>
+          <p:cNvSpPr/>
+          <p:nvPr/>
+        </p:nvSpPr>
+        <p:spPr>
+          <a:xfrm>
+            <a:off x="2392681" y="2545079"/>
+            <a:ext cx="390698" cy="390698"/>
+          </a:xfrm>
+          <a:prstGeom prst="rect">
+            <a:avLst/>
+          </a:prstGeom>
+          <a:solidFill>
+            <a:schemeClr val="bg1"/>
+          </a:solidFill>
+        </p:spPr>
+        <p:style>
+          <a:lnRef idx="2">
+            <a:schemeClr val="accent1">
+              <a:shade val="50000"/>
+            </a:schemeClr>
+          </a:lnRef>
+          <a:fillRef idx="1">
+            <a:schemeClr val="accent1"/>
+          </a:fillRef>
+          <a:effectRef idx="0">
+            <a:schemeClr val="accent1"/>
+          </a:effectRef>
+          <a:fontRef idx="minor">
+            <a:schemeClr val="lt1"/>
+          </a:fontRef>
+        </p:style>
+        <p:txBody>
+          <a:bodyPr rtlCol="0" anchor="ctr"/>
+          <a:lstStyle/>
+          <a:p>
+            <a:pPr algn="ctr"/>
+            <a:endParaRPr lang="de-AT"/>
+          </a:p>
+        </p:txBody>
+      </p:sp>
+      <p:sp>
+        <p:nvSpPr>
+          <p:cNvPr id="7" name="Rechteck 6">
+            <a:extLst>
+              <a:ext uri="{FF2B5EF4-FFF2-40B4-BE49-F238E27FC236}">
+                <a16:creationId xmlns:a16="http://schemas.microsoft.com/office/drawing/2014/main" id="{CE8DBA36-F172-4C92-AC39-6DD684130ED9}"/>
+              </a:ext>
+            </a:extLst>
+          </p:cNvPr>
+          <p:cNvSpPr/>
+          <p:nvPr/>
+        </p:nvSpPr>
+        <p:spPr>
+          <a:xfrm>
+            <a:off x="2783379" y="2545079"/>
+            <a:ext cx="390698" cy="390698"/>
+          </a:xfrm>
+          <a:prstGeom prst="rect">
+            <a:avLst/>
+          </a:prstGeom>
+        </p:spPr>
+        <p:style>
+          <a:lnRef idx="2">
+            <a:schemeClr val="accent1">
+              <a:shade val="50000"/>
+            </a:schemeClr>
+          </a:lnRef>
+          <a:fillRef idx="1">
+            <a:schemeClr val="accent1"/>
+          </a:fillRef>
+          <a:effectRef idx="0">
+            <a:schemeClr val="accent1"/>
+          </a:effectRef>
+          <a:fontRef idx="minor">
+            <a:schemeClr val="lt1"/>
+          </a:fontRef>
+        </p:style>
+        <p:txBody>
+          <a:bodyPr rtlCol="0" anchor="ctr"/>
+          <a:lstStyle/>
+          <a:p>
+            <a:pPr algn="ctr"/>
+            <a:endParaRPr lang="de-AT"/>
+          </a:p>
+        </p:txBody>
+      </p:sp>
+      <p:sp>
+        <p:nvSpPr>
+          <p:cNvPr id="8" name="Rechteck 7">
+            <a:extLst>
+              <a:ext uri="{FF2B5EF4-FFF2-40B4-BE49-F238E27FC236}">
+                <a16:creationId xmlns:a16="http://schemas.microsoft.com/office/drawing/2014/main" id="{2CF59C3B-76B7-45AD-81E9-078058A43521}"/>
+              </a:ext>
+            </a:extLst>
+          </p:cNvPr>
+          <p:cNvSpPr/>
+          <p:nvPr/>
+        </p:nvSpPr>
+        <p:spPr>
+          <a:xfrm>
+            <a:off x="3174077" y="2545079"/>
+            <a:ext cx="390698" cy="390698"/>
+          </a:xfrm>
+          <a:prstGeom prst="rect">
+            <a:avLst/>
+          </a:prstGeom>
+          <a:solidFill>
+            <a:schemeClr val="bg1"/>
+          </a:solidFill>
+        </p:spPr>
+        <p:style>
+          <a:lnRef idx="2">
+            <a:schemeClr val="accent1">
+              <a:shade val="50000"/>
+            </a:schemeClr>
+          </a:lnRef>
+          <a:fillRef idx="1">
+            <a:schemeClr val="accent1"/>
+          </a:fillRef>
+          <a:effectRef idx="0">
+            <a:schemeClr val="accent1"/>
+          </a:effectRef>
+          <a:fontRef idx="minor">
+            <a:schemeClr val="lt1"/>
+          </a:fontRef>
+        </p:style>
+        <p:txBody>
+          <a:bodyPr rtlCol="0" anchor="ctr"/>
+          <a:lstStyle/>
+          <a:p>
+            <a:pPr algn="ctr"/>
+            <a:endParaRPr lang="de-AT"/>
+          </a:p>
+        </p:txBody>
+      </p:sp>
+      <p:sp>
+        <p:nvSpPr>
+          <p:cNvPr id="12" name="Rechteck 11">
+            <a:extLst>
+              <a:ext uri="{FF2B5EF4-FFF2-40B4-BE49-F238E27FC236}">
+                <a16:creationId xmlns:a16="http://schemas.microsoft.com/office/drawing/2014/main" id="{3FFDA2EA-51A3-4D78-AD94-662F3A22B81F}"/>
+              </a:ext>
+            </a:extLst>
+          </p:cNvPr>
+          <p:cNvSpPr/>
+          <p:nvPr/>
+        </p:nvSpPr>
+        <p:spPr>
+          <a:xfrm>
+            <a:off x="1220587" y="2935777"/>
+            <a:ext cx="390698" cy="390698"/>
+          </a:xfrm>
+          <a:prstGeom prst="rect">
+            <a:avLst/>
+          </a:prstGeom>
+          <a:solidFill>
+            <a:schemeClr val="bg1"/>
+          </a:solidFill>
+        </p:spPr>
+        <p:style>
+          <a:lnRef idx="2">
+            <a:schemeClr val="accent1">
+              <a:shade val="50000"/>
+            </a:schemeClr>
+          </a:lnRef>
+          <a:fillRef idx="1">
+            <a:schemeClr val="accent1"/>
+          </a:fillRef>
+          <a:effectRef idx="0">
+            <a:schemeClr val="accent1"/>
+          </a:effectRef>
+          <a:fontRef idx="minor">
+            <a:schemeClr val="lt1"/>
+          </a:fontRef>
+        </p:style>
+        <p:txBody>
+          <a:bodyPr rtlCol="0" anchor="ctr"/>
+          <a:lstStyle/>
+          <a:p>
+            <a:pPr algn="ctr"/>
+            <a:endParaRPr lang="de-AT"/>
+          </a:p>
+        </p:txBody>
+      </p:sp>
+      <p:sp>
+        <p:nvSpPr>
+          <p:cNvPr id="13" name="Rechteck 12">
+            <a:extLst>
+              <a:ext uri="{FF2B5EF4-FFF2-40B4-BE49-F238E27FC236}">
+                <a16:creationId xmlns:a16="http://schemas.microsoft.com/office/drawing/2014/main" id="{105BB062-1654-431F-9F26-8297A08BFB65}"/>
+              </a:ext>
+            </a:extLst>
+          </p:cNvPr>
+          <p:cNvSpPr/>
+          <p:nvPr/>
+        </p:nvSpPr>
+        <p:spPr>
+          <a:xfrm>
+            <a:off x="1611285" y="2935777"/>
+            <a:ext cx="390698" cy="390698"/>
+          </a:xfrm>
+          <a:prstGeom prst="rect">
+            <a:avLst/>
+          </a:prstGeom>
+        </p:spPr>
+        <p:style>
+          <a:lnRef idx="2">
+            <a:schemeClr val="accent1">
+              <a:shade val="50000"/>
+            </a:schemeClr>
+          </a:lnRef>
+          <a:fillRef idx="1">
+            <a:schemeClr val="accent1"/>
+          </a:fillRef>
+          <a:effectRef idx="0">
+            <a:schemeClr val="accent1"/>
+          </a:effectRef>
+          <a:fontRef idx="minor">
+            <a:schemeClr val="lt1"/>
+          </a:fontRef>
+        </p:style>
+        <p:txBody>
+          <a:bodyPr rtlCol="0" anchor="ctr"/>
+          <a:lstStyle/>
+          <a:p>
+            <a:pPr algn="ctr"/>
+            <a:endParaRPr lang="de-AT"/>
+          </a:p>
+        </p:txBody>
+      </p:sp>
+      <p:sp>
+        <p:nvSpPr>
+          <p:cNvPr id="14" name="Rechteck 13">
+            <a:extLst>
+              <a:ext uri="{FF2B5EF4-FFF2-40B4-BE49-F238E27FC236}">
+                <a16:creationId xmlns:a16="http://schemas.microsoft.com/office/drawing/2014/main" id="{5886FDC3-2990-4829-B848-B26588174464}"/>
+              </a:ext>
+            </a:extLst>
+          </p:cNvPr>
+          <p:cNvSpPr/>
+          <p:nvPr/>
+        </p:nvSpPr>
+        <p:spPr>
+          <a:xfrm>
+            <a:off x="2001983" y="2935777"/>
+            <a:ext cx="390698" cy="390698"/>
+          </a:xfrm>
+          <a:prstGeom prst="rect">
+            <a:avLst/>
+          </a:prstGeom>
+          <a:solidFill>
+            <a:schemeClr val="bg1"/>
+          </a:solidFill>
+        </p:spPr>
+        <p:style>
+          <a:lnRef idx="2">
+            <a:schemeClr val="accent1">
+              <a:shade val="50000"/>
+            </a:schemeClr>
+          </a:lnRef>
+          <a:fillRef idx="1">
+            <a:schemeClr val="accent1"/>
+          </a:fillRef>
+          <a:effectRef idx="0">
+            <a:schemeClr val="accent1"/>
+          </a:effectRef>
+          <a:fontRef idx="minor">
+            <a:schemeClr val="lt1"/>
+          </a:fontRef>
+        </p:style>
+        <p:txBody>
+          <a:bodyPr rtlCol="0" anchor="ctr"/>
+          <a:lstStyle/>
+          <a:p>
+            <a:pPr algn="ctr"/>
+            <a:endParaRPr lang="de-AT"/>
+          </a:p>
+        </p:txBody>
+      </p:sp>
+      <p:sp>
+        <p:nvSpPr>
+          <p:cNvPr id="15" name="Rechteck 14">
+            <a:extLst>
+              <a:ext uri="{FF2B5EF4-FFF2-40B4-BE49-F238E27FC236}">
+                <a16:creationId xmlns:a16="http://schemas.microsoft.com/office/drawing/2014/main" id="{07548095-1F65-4E12-A0E6-C7E175277552}"/>
+              </a:ext>
+            </a:extLst>
+          </p:cNvPr>
+          <p:cNvSpPr/>
+          <p:nvPr/>
+        </p:nvSpPr>
+        <p:spPr>
+          <a:xfrm>
+            <a:off x="2392681" y="2935777"/>
+            <a:ext cx="390698" cy="390698"/>
+          </a:xfrm>
+          <a:prstGeom prst="rect">
+            <a:avLst/>
+          </a:prstGeom>
+        </p:spPr>
+        <p:style>
+          <a:lnRef idx="2">
+            <a:schemeClr val="accent1">
+              <a:shade val="50000"/>
+            </a:schemeClr>
+          </a:lnRef>
+          <a:fillRef idx="1">
+            <a:schemeClr val="accent1"/>
+          </a:fillRef>
+          <a:effectRef idx="0">
+            <a:schemeClr val="accent1"/>
+          </a:effectRef>
+          <a:fontRef idx="minor">
+            <a:schemeClr val="lt1"/>
+          </a:fontRef>
+        </p:style>
+        <p:txBody>
+          <a:bodyPr rtlCol="0" anchor="ctr"/>
+          <a:lstStyle/>
+          <a:p>
+            <a:pPr algn="ctr"/>
+            <a:endParaRPr lang="de-AT"/>
+          </a:p>
+        </p:txBody>
+      </p:sp>
+      <p:sp>
+        <p:nvSpPr>
+          <p:cNvPr id="16" name="Rechteck 15">
+            <a:extLst>
+              <a:ext uri="{FF2B5EF4-FFF2-40B4-BE49-F238E27FC236}">
+                <a16:creationId xmlns:a16="http://schemas.microsoft.com/office/drawing/2014/main" id="{DCD60654-BC9F-4B2C-9ED5-1E69921181CC}"/>
+              </a:ext>
+            </a:extLst>
+          </p:cNvPr>
+          <p:cNvSpPr/>
+          <p:nvPr/>
+        </p:nvSpPr>
+        <p:spPr>
+          <a:xfrm>
+            <a:off x="2783379" y="2935777"/>
+            <a:ext cx="390698" cy="390698"/>
+          </a:xfrm>
+          <a:prstGeom prst="rect">
+            <a:avLst/>
+          </a:prstGeom>
+          <a:solidFill>
+            <a:schemeClr val="bg1"/>
+          </a:solidFill>
+        </p:spPr>
+        <p:style>
+          <a:lnRef idx="2">
+            <a:schemeClr val="accent1">
+              <a:shade val="50000"/>
+            </a:schemeClr>
+          </a:lnRef>
+          <a:fillRef idx="1">
+            <a:schemeClr val="accent1"/>
+          </a:fillRef>
+          <a:effectRef idx="0">
+            <a:schemeClr val="accent1"/>
+          </a:effectRef>
+          <a:fontRef idx="minor">
+            <a:schemeClr val="lt1"/>
+          </a:fontRef>
+        </p:style>
+        <p:txBody>
+          <a:bodyPr rtlCol="0" anchor="ctr"/>
+          <a:lstStyle/>
+          <a:p>
+            <a:pPr algn="ctr"/>
+            <a:endParaRPr lang="de-AT"/>
+          </a:p>
+        </p:txBody>
+      </p:sp>
+      <p:sp>
+        <p:nvSpPr>
+          <p:cNvPr id="19" name="Rechteck 18">
+            <a:extLst>
+              <a:ext uri="{FF2B5EF4-FFF2-40B4-BE49-F238E27FC236}">
+                <a16:creationId xmlns:a16="http://schemas.microsoft.com/office/drawing/2014/main" id="{3CE39AD4-8629-4706-B65E-7DE2A1DA9948}"/>
+              </a:ext>
+            </a:extLst>
+          </p:cNvPr>
+          <p:cNvSpPr/>
+          <p:nvPr/>
+        </p:nvSpPr>
+        <p:spPr>
+          <a:xfrm>
+            <a:off x="1220587" y="3326475"/>
+            <a:ext cx="390698" cy="390698"/>
+          </a:xfrm>
+          <a:prstGeom prst="rect">
+            <a:avLst/>
+          </a:prstGeom>
+        </p:spPr>
+        <p:style>
+          <a:lnRef idx="2">
+            <a:schemeClr val="accent1">
+              <a:shade val="50000"/>
+            </a:schemeClr>
+          </a:lnRef>
+          <a:fillRef idx="1">
+            <a:schemeClr val="accent1"/>
+          </a:fillRef>
+          <a:effectRef idx="0">
+            <a:schemeClr val="accent1"/>
+          </a:effectRef>
+          <a:fontRef idx="minor">
+            <a:schemeClr val="lt1"/>
+          </a:fontRef>
+        </p:style>
+        <p:txBody>
+          <a:bodyPr rtlCol="0" anchor="ctr"/>
+          <a:lstStyle/>
+          <a:p>
+            <a:pPr algn="ctr"/>
+            <a:endParaRPr lang="de-AT"/>
+          </a:p>
+        </p:txBody>
+      </p:sp>
+      <p:sp>
+        <p:nvSpPr>
+          <p:cNvPr id="20" name="Rechteck 19">
+            <a:extLst>
+              <a:ext uri="{FF2B5EF4-FFF2-40B4-BE49-F238E27FC236}">
+                <a16:creationId xmlns:a16="http://schemas.microsoft.com/office/drawing/2014/main" id="{444CCCD6-0307-492B-9038-7BD7D5F28E98}"/>
+              </a:ext>
+            </a:extLst>
+          </p:cNvPr>
+          <p:cNvSpPr/>
+          <p:nvPr/>
+        </p:nvSpPr>
+        <p:spPr>
+          <a:xfrm>
+            <a:off x="1611285" y="3326475"/>
+            <a:ext cx="390698" cy="390698"/>
+          </a:xfrm>
+          <a:prstGeom prst="rect">
+            <a:avLst/>
+          </a:prstGeom>
+          <a:solidFill>
+            <a:schemeClr val="bg1"/>
+          </a:solidFill>
+        </p:spPr>
+        <p:style>
+          <a:lnRef idx="2">
+            <a:schemeClr val="accent1">
+              <a:shade val="50000"/>
+            </a:schemeClr>
+          </a:lnRef>
+          <a:fillRef idx="1">
+            <a:schemeClr val="accent1"/>
+          </a:fillRef>
+          <a:effectRef idx="0">
+            <a:schemeClr val="accent1"/>
+          </a:effectRef>
+          <a:fontRef idx="minor">
+            <a:schemeClr val="lt1"/>
+          </a:fontRef>
+        </p:style>
+        <p:txBody>
+          <a:bodyPr rtlCol="0" anchor="ctr"/>
+          <a:lstStyle/>
+          <a:p>
+            <a:pPr algn="ctr"/>
+            <a:endParaRPr lang="de-AT"/>
+          </a:p>
+        </p:txBody>
+      </p:sp>
+      <p:sp>
+        <p:nvSpPr>
+          <p:cNvPr id="21" name="Rechteck 20">
+            <a:extLst>
+              <a:ext uri="{FF2B5EF4-FFF2-40B4-BE49-F238E27FC236}">
+                <a16:creationId xmlns:a16="http://schemas.microsoft.com/office/drawing/2014/main" id="{87D43127-03AB-4329-8D97-BB1023C92316}"/>
+              </a:ext>
+            </a:extLst>
+          </p:cNvPr>
+          <p:cNvSpPr/>
+          <p:nvPr/>
+        </p:nvSpPr>
+        <p:spPr>
+          <a:xfrm>
+            <a:off x="2001983" y="3326475"/>
+            <a:ext cx="390698" cy="390698"/>
+          </a:xfrm>
+          <a:prstGeom prst="rect">
+            <a:avLst/>
+          </a:prstGeom>
+        </p:spPr>
+        <p:style>
+          <a:lnRef idx="2">
+            <a:schemeClr val="accent1">
+              <a:shade val="50000"/>
+            </a:schemeClr>
+          </a:lnRef>
+          <a:fillRef idx="1">
+            <a:schemeClr val="accent1"/>
+          </a:fillRef>
+          <a:effectRef idx="0">
+            <a:schemeClr val="accent1"/>
+          </a:effectRef>
+          <a:fontRef idx="minor">
+            <a:schemeClr val="lt1"/>
+          </a:fontRef>
+        </p:style>
+        <p:txBody>
+          <a:bodyPr rtlCol="0" anchor="ctr"/>
+          <a:lstStyle/>
+          <a:p>
+            <a:pPr algn="ctr"/>
+            <a:endParaRPr lang="de-AT"/>
+          </a:p>
+        </p:txBody>
+      </p:sp>
+      <p:sp>
+        <p:nvSpPr>
+          <p:cNvPr id="22" name="Rechteck 21">
+            <a:extLst>
+              <a:ext uri="{FF2B5EF4-FFF2-40B4-BE49-F238E27FC236}">
+                <a16:creationId xmlns:a16="http://schemas.microsoft.com/office/drawing/2014/main" id="{99DB394D-0FD3-4DB8-828C-3C375240DB2B}"/>
+              </a:ext>
+            </a:extLst>
+          </p:cNvPr>
+          <p:cNvSpPr/>
+          <p:nvPr/>
+        </p:nvSpPr>
+        <p:spPr>
+          <a:xfrm>
+            <a:off x="2392681" y="3326475"/>
+            <a:ext cx="390698" cy="390698"/>
+          </a:xfrm>
+          <a:prstGeom prst="rect">
+            <a:avLst/>
+          </a:prstGeom>
+          <a:solidFill>
+            <a:schemeClr val="bg1"/>
+          </a:solidFill>
+        </p:spPr>
+        <p:style>
+          <a:lnRef idx="2">
+            <a:schemeClr val="accent1">
+              <a:shade val="50000"/>
+            </a:schemeClr>
+          </a:lnRef>
+          <a:fillRef idx="1">
+            <a:schemeClr val="accent1"/>
+          </a:fillRef>
+          <a:effectRef idx="0">
+            <a:schemeClr val="accent1"/>
+          </a:effectRef>
+          <a:fontRef idx="minor">
+            <a:schemeClr val="lt1"/>
+          </a:fontRef>
+        </p:style>
+        <p:txBody>
+          <a:bodyPr rtlCol="0" anchor="ctr"/>
+          <a:lstStyle/>
+          <a:p>
+            <a:pPr algn="ctr"/>
+            <a:endParaRPr lang="de-AT"/>
+          </a:p>
+        </p:txBody>
+      </p:sp>
+      <p:sp>
+        <p:nvSpPr>
+          <p:cNvPr id="23" name="Rechteck 22">
+            <a:extLst>
+              <a:ext uri="{FF2B5EF4-FFF2-40B4-BE49-F238E27FC236}">
+                <a16:creationId xmlns:a16="http://schemas.microsoft.com/office/drawing/2014/main" id="{D2A17DFE-F58E-4955-A176-99BF686FBCC0}"/>
+              </a:ext>
+            </a:extLst>
+          </p:cNvPr>
+          <p:cNvSpPr/>
+          <p:nvPr/>
+        </p:nvSpPr>
+        <p:spPr>
+          <a:xfrm>
+            <a:off x="2783379" y="3326475"/>
+            <a:ext cx="390698" cy="390698"/>
+          </a:xfrm>
+          <a:prstGeom prst="rect">
+            <a:avLst/>
+          </a:prstGeom>
+        </p:spPr>
+        <p:style>
+          <a:lnRef idx="2">
+            <a:schemeClr val="accent1">
+              <a:shade val="50000"/>
+            </a:schemeClr>
+          </a:lnRef>
+          <a:fillRef idx="1">
+            <a:schemeClr val="accent1"/>
+          </a:fillRef>
+          <a:effectRef idx="0">
+            <a:schemeClr val="accent1"/>
+          </a:effectRef>
+          <a:fontRef idx="minor">
+            <a:schemeClr val="lt1"/>
+          </a:fontRef>
+        </p:style>
+        <p:txBody>
+          <a:bodyPr rtlCol="0" anchor="ctr"/>
+          <a:lstStyle/>
+          <a:p>
+            <a:pPr algn="ctr"/>
+            <a:endParaRPr lang="de-AT"/>
+          </a:p>
+        </p:txBody>
+      </p:sp>
+      <p:sp>
+        <p:nvSpPr>
+          <p:cNvPr id="24" name="Rechteck 23">
+            <a:extLst>
+              <a:ext uri="{FF2B5EF4-FFF2-40B4-BE49-F238E27FC236}">
+                <a16:creationId xmlns:a16="http://schemas.microsoft.com/office/drawing/2014/main" id="{BCC3FC6C-E1D0-4817-B3F1-7C930790315D}"/>
+              </a:ext>
+            </a:extLst>
+          </p:cNvPr>
+          <p:cNvSpPr/>
+          <p:nvPr/>
+        </p:nvSpPr>
+        <p:spPr>
+          <a:xfrm>
+            <a:off x="3174077" y="3326475"/>
+            <a:ext cx="390698" cy="390698"/>
+          </a:xfrm>
+          <a:prstGeom prst="rect">
+            <a:avLst/>
+          </a:prstGeom>
+          <a:solidFill>
+            <a:schemeClr val="bg1"/>
+          </a:solidFill>
+        </p:spPr>
+        <p:style>
+          <a:lnRef idx="2">
+            <a:schemeClr val="accent1">
+              <a:shade val="50000"/>
+            </a:schemeClr>
+          </a:lnRef>
+          <a:fillRef idx="1">
+            <a:schemeClr val="accent1"/>
+          </a:fillRef>
+          <a:effectRef idx="0">
+            <a:schemeClr val="accent1"/>
+          </a:effectRef>
+          <a:fontRef idx="minor">
+            <a:schemeClr val="lt1"/>
+          </a:fontRef>
+        </p:style>
+        <p:txBody>
+          <a:bodyPr rtlCol="0" anchor="ctr"/>
+          <a:lstStyle/>
+          <a:p>
+            <a:pPr algn="ctr"/>
+            <a:endParaRPr lang="de-AT"/>
+          </a:p>
+        </p:txBody>
+      </p:sp>
+      <p:sp>
+        <p:nvSpPr>
+          <p:cNvPr id="69" name="Rechteck 68">
+            <a:extLst>
+              <a:ext uri="{FF2B5EF4-FFF2-40B4-BE49-F238E27FC236}">
+                <a16:creationId xmlns:a16="http://schemas.microsoft.com/office/drawing/2014/main" id="{18D3897A-C5DE-4016-AC17-66706E56CA6E}"/>
+              </a:ext>
+            </a:extLst>
+          </p:cNvPr>
+          <p:cNvSpPr/>
+          <p:nvPr/>
+        </p:nvSpPr>
+        <p:spPr>
+          <a:xfrm>
+            <a:off x="829889" y="3323703"/>
+            <a:ext cx="390698" cy="390698"/>
+          </a:xfrm>
+          <a:prstGeom prst="rect">
+            <a:avLst/>
+          </a:prstGeom>
+          <a:solidFill>
+            <a:schemeClr val="bg1"/>
+          </a:solidFill>
+        </p:spPr>
+        <p:style>
+          <a:lnRef idx="2">
+            <a:schemeClr val="accent1">
+              <a:shade val="50000"/>
+            </a:schemeClr>
+          </a:lnRef>
+          <a:fillRef idx="1">
+            <a:schemeClr val="accent1"/>
+          </a:fillRef>
+          <a:effectRef idx="0">
+            <a:schemeClr val="accent1"/>
+          </a:effectRef>
+          <a:fontRef idx="minor">
+            <a:schemeClr val="lt1"/>
+          </a:fontRef>
+        </p:style>
+        <p:txBody>
+          <a:bodyPr rtlCol="0" anchor="ctr"/>
+          <a:lstStyle/>
+          <a:p>
+            <a:pPr algn="ctr"/>
+            <a:endParaRPr lang="de-AT"/>
+          </a:p>
+        </p:txBody>
+      </p:sp>
+      <p:sp>
+        <p:nvSpPr>
+          <p:cNvPr id="71" name="Rechteck 70">
+            <a:extLst>
+              <a:ext uri="{FF2B5EF4-FFF2-40B4-BE49-F238E27FC236}">
+                <a16:creationId xmlns:a16="http://schemas.microsoft.com/office/drawing/2014/main" id="{DF23B713-6922-4378-8357-015F4DEA8DA6}"/>
+              </a:ext>
+            </a:extLst>
+          </p:cNvPr>
+          <p:cNvSpPr/>
+          <p:nvPr/>
+        </p:nvSpPr>
+        <p:spPr>
+          <a:xfrm>
+            <a:off x="1220587" y="2151609"/>
+            <a:ext cx="390698" cy="390698"/>
+          </a:xfrm>
+          <a:prstGeom prst="rect">
+            <a:avLst/>
+          </a:prstGeom>
+          <a:solidFill>
+            <a:schemeClr val="bg1"/>
+          </a:solidFill>
+        </p:spPr>
+        <p:style>
+          <a:lnRef idx="2">
+            <a:schemeClr val="accent1">
+              <a:shade val="50000"/>
+            </a:schemeClr>
+          </a:lnRef>
+          <a:fillRef idx="1">
+            <a:schemeClr val="accent1"/>
+          </a:fillRef>
+          <a:effectRef idx="0">
+            <a:schemeClr val="accent1"/>
+          </a:effectRef>
+          <a:fontRef idx="minor">
+            <a:schemeClr val="lt1"/>
+          </a:fontRef>
+        </p:style>
+        <p:txBody>
+          <a:bodyPr rtlCol="0" anchor="ctr"/>
+          <a:lstStyle/>
+          <a:p>
+            <a:pPr algn="ctr"/>
+            <a:endParaRPr lang="de-AT"/>
+          </a:p>
+        </p:txBody>
+      </p:sp>
+      <p:sp>
+        <p:nvSpPr>
+          <p:cNvPr id="72" name="Rechteck 71">
+            <a:extLst>
+              <a:ext uri="{FF2B5EF4-FFF2-40B4-BE49-F238E27FC236}">
+                <a16:creationId xmlns:a16="http://schemas.microsoft.com/office/drawing/2014/main" id="{C1345F46-F88A-43A2-8F9F-F6499A943898}"/>
+              </a:ext>
+            </a:extLst>
+          </p:cNvPr>
+          <p:cNvSpPr/>
+          <p:nvPr/>
+        </p:nvSpPr>
+        <p:spPr>
+          <a:xfrm>
+            <a:off x="1611285" y="2151609"/>
+            <a:ext cx="390698" cy="390698"/>
+          </a:xfrm>
+          <a:prstGeom prst="rect">
+            <a:avLst/>
+          </a:prstGeom>
+        </p:spPr>
+        <p:style>
+          <a:lnRef idx="2">
+            <a:schemeClr val="accent1">
+              <a:shade val="50000"/>
+            </a:schemeClr>
+          </a:lnRef>
+          <a:fillRef idx="1">
+            <a:schemeClr val="accent1"/>
+          </a:fillRef>
+          <a:effectRef idx="0">
+            <a:schemeClr val="accent1"/>
+          </a:effectRef>
+          <a:fontRef idx="minor">
+            <a:schemeClr val="lt1"/>
+          </a:fontRef>
+        </p:style>
+        <p:txBody>
+          <a:bodyPr rtlCol="0" anchor="ctr"/>
+          <a:lstStyle/>
+          <a:p>
+            <a:pPr algn="ctr"/>
+            <a:endParaRPr lang="de-AT"/>
+          </a:p>
+        </p:txBody>
+      </p:sp>
+      <p:sp>
+        <p:nvSpPr>
+          <p:cNvPr id="73" name="Rechteck 72">
+            <a:extLst>
+              <a:ext uri="{FF2B5EF4-FFF2-40B4-BE49-F238E27FC236}">
+                <a16:creationId xmlns:a16="http://schemas.microsoft.com/office/drawing/2014/main" id="{BB84DDF1-844F-4359-8B89-93C929F09754}"/>
+              </a:ext>
+            </a:extLst>
+          </p:cNvPr>
+          <p:cNvSpPr/>
+          <p:nvPr/>
+        </p:nvSpPr>
+        <p:spPr>
+          <a:xfrm>
+            <a:off x="2001983" y="2151609"/>
+            <a:ext cx="390698" cy="390698"/>
+          </a:xfrm>
+          <a:prstGeom prst="rect">
+            <a:avLst/>
+          </a:prstGeom>
+          <a:solidFill>
+            <a:schemeClr val="bg1"/>
+          </a:solidFill>
+        </p:spPr>
+        <p:style>
+          <a:lnRef idx="2">
+            <a:schemeClr val="accent1">
+              <a:shade val="50000"/>
+            </a:schemeClr>
+          </a:lnRef>
+          <a:fillRef idx="1">
+            <a:schemeClr val="accent1"/>
+          </a:fillRef>
+          <a:effectRef idx="0">
+            <a:schemeClr val="accent1"/>
+          </a:effectRef>
+          <a:fontRef idx="minor">
+            <a:schemeClr val="lt1"/>
+          </a:fontRef>
+        </p:style>
+        <p:txBody>
+          <a:bodyPr rtlCol="0" anchor="ctr"/>
+          <a:lstStyle/>
+          <a:p>
+            <a:pPr algn="ctr"/>
+            <a:endParaRPr lang="de-AT"/>
+          </a:p>
+        </p:txBody>
+      </p:sp>
+      <p:sp>
+        <p:nvSpPr>
+          <p:cNvPr id="74" name="Rechteck 73">
+            <a:extLst>
+              <a:ext uri="{FF2B5EF4-FFF2-40B4-BE49-F238E27FC236}">
+                <a16:creationId xmlns:a16="http://schemas.microsoft.com/office/drawing/2014/main" id="{1D5B0282-B8AC-4ADA-A62E-8F73B2C8A1FF}"/>
+              </a:ext>
+            </a:extLst>
+          </p:cNvPr>
+          <p:cNvSpPr/>
+          <p:nvPr/>
+        </p:nvSpPr>
+        <p:spPr>
+          <a:xfrm>
+            <a:off x="2392681" y="2151609"/>
+            <a:ext cx="390698" cy="390698"/>
+          </a:xfrm>
+          <a:prstGeom prst="rect">
+            <a:avLst/>
+          </a:prstGeom>
+        </p:spPr>
+        <p:style>
+          <a:lnRef idx="2">
+            <a:schemeClr val="accent1">
+              <a:shade val="50000"/>
+            </a:schemeClr>
+          </a:lnRef>
+          <a:fillRef idx="1">
+            <a:schemeClr val="accent1"/>
+          </a:fillRef>
+          <a:effectRef idx="0">
+            <a:schemeClr val="accent1"/>
+          </a:effectRef>
+          <a:fontRef idx="minor">
+            <a:schemeClr val="lt1"/>
+          </a:fontRef>
+        </p:style>
+        <p:txBody>
+          <a:bodyPr rtlCol="0" anchor="ctr"/>
+          <a:lstStyle/>
+          <a:p>
+            <a:pPr algn="ctr"/>
+            <a:endParaRPr lang="de-AT"/>
+          </a:p>
+        </p:txBody>
+      </p:sp>
+      <p:sp>
+        <p:nvSpPr>
+          <p:cNvPr id="75" name="Rechteck 74">
+            <a:extLst>
+              <a:ext uri="{FF2B5EF4-FFF2-40B4-BE49-F238E27FC236}">
+                <a16:creationId xmlns:a16="http://schemas.microsoft.com/office/drawing/2014/main" id="{8B1E89E4-ECA4-40D5-A825-CAFECB60AEF1}"/>
+              </a:ext>
+            </a:extLst>
+          </p:cNvPr>
+          <p:cNvSpPr/>
+          <p:nvPr/>
+        </p:nvSpPr>
+        <p:spPr>
+          <a:xfrm>
+            <a:off x="2783379" y="2151609"/>
+            <a:ext cx="390698" cy="390698"/>
+          </a:xfrm>
+          <a:prstGeom prst="rect">
+            <a:avLst/>
+          </a:prstGeom>
+          <a:solidFill>
+            <a:schemeClr val="bg1"/>
+          </a:solidFill>
+        </p:spPr>
+        <p:style>
+          <a:lnRef idx="2">
+            <a:schemeClr val="accent1">
+              <a:shade val="50000"/>
+            </a:schemeClr>
+          </a:lnRef>
+          <a:fillRef idx="1">
+            <a:schemeClr val="accent1"/>
+          </a:fillRef>
+          <a:effectRef idx="0">
+            <a:schemeClr val="accent1"/>
+          </a:effectRef>
+          <a:fontRef idx="minor">
+            <a:schemeClr val="lt1"/>
+          </a:fontRef>
+        </p:style>
+        <p:txBody>
+          <a:bodyPr rtlCol="0" anchor="ctr"/>
+          <a:lstStyle/>
+          <a:p>
+            <a:pPr algn="ctr"/>
+            <a:endParaRPr lang="de-AT"/>
+          </a:p>
+        </p:txBody>
+      </p:sp>
+      <p:sp>
+        <p:nvSpPr>
+          <p:cNvPr id="78" name="Rechteck 77">
+            <a:extLst>
+              <a:ext uri="{FF2B5EF4-FFF2-40B4-BE49-F238E27FC236}">
+                <a16:creationId xmlns:a16="http://schemas.microsoft.com/office/drawing/2014/main" id="{ED681070-328E-4FB7-8544-7FFA906290DB}"/>
+              </a:ext>
+            </a:extLst>
+          </p:cNvPr>
+          <p:cNvSpPr/>
+          <p:nvPr/>
+        </p:nvSpPr>
+        <p:spPr>
+          <a:xfrm>
+            <a:off x="829889" y="2543693"/>
+            <a:ext cx="390698" cy="390698"/>
+          </a:xfrm>
+          <a:prstGeom prst="rect">
+            <a:avLst/>
+          </a:prstGeom>
+          <a:solidFill>
+            <a:schemeClr val="bg1"/>
+          </a:solidFill>
+        </p:spPr>
+        <p:style>
+          <a:lnRef idx="2">
+            <a:schemeClr val="accent1">
+              <a:shade val="50000"/>
+            </a:schemeClr>
+          </a:lnRef>
+          <a:fillRef idx="1">
+            <a:schemeClr val="accent1"/>
+          </a:fillRef>
+          <a:effectRef idx="0">
+            <a:schemeClr val="accent1"/>
+          </a:effectRef>
+          <a:fontRef idx="minor">
+            <a:schemeClr val="lt1"/>
+          </a:fontRef>
+        </p:style>
+        <p:txBody>
+          <a:bodyPr rtlCol="0" anchor="ctr"/>
+          <a:lstStyle/>
+          <a:p>
+            <a:pPr algn="ctr"/>
+            <a:endParaRPr lang="de-AT"/>
+          </a:p>
+        </p:txBody>
+      </p:sp>
+      <p:sp>
+        <p:nvSpPr>
+          <p:cNvPr id="79" name="Rechteck 78">
+            <a:extLst>
+              <a:ext uri="{FF2B5EF4-FFF2-40B4-BE49-F238E27FC236}">
+                <a16:creationId xmlns:a16="http://schemas.microsoft.com/office/drawing/2014/main" id="{5E8A70DB-172A-4307-B912-486E653C097C}"/>
+              </a:ext>
+            </a:extLst>
+          </p:cNvPr>
+          <p:cNvSpPr/>
+          <p:nvPr/>
+        </p:nvSpPr>
+        <p:spPr>
+          <a:xfrm>
+            <a:off x="1610593" y="1762299"/>
+            <a:ext cx="390698" cy="390698"/>
+          </a:xfrm>
+          <a:prstGeom prst="rect">
+            <a:avLst/>
+          </a:prstGeom>
+          <a:solidFill>
+            <a:schemeClr val="bg1"/>
+          </a:solidFill>
+        </p:spPr>
+        <p:style>
+          <a:lnRef idx="2">
+            <a:schemeClr val="accent1">
+              <a:shade val="50000"/>
+            </a:schemeClr>
+          </a:lnRef>
+          <a:fillRef idx="1">
+            <a:schemeClr val="accent1"/>
+          </a:fillRef>
+          <a:effectRef idx="0">
+            <a:schemeClr val="accent1"/>
+          </a:effectRef>
+          <a:fontRef idx="minor">
+            <a:schemeClr val="lt1"/>
+          </a:fontRef>
+        </p:style>
+        <p:txBody>
+          <a:bodyPr rtlCol="0" anchor="ctr"/>
+          <a:lstStyle/>
+          <a:p>
+            <a:pPr algn="ctr"/>
+            <a:endParaRPr lang="de-AT"/>
+          </a:p>
+        </p:txBody>
+      </p:sp>
+      <p:sp>
+        <p:nvSpPr>
+          <p:cNvPr id="80" name="Rechteck 79">
+            <a:extLst>
+              <a:ext uri="{FF2B5EF4-FFF2-40B4-BE49-F238E27FC236}">
+                <a16:creationId xmlns:a16="http://schemas.microsoft.com/office/drawing/2014/main" id="{E1F2F4F0-1FBB-44A9-AB9D-488A85A56B9A}"/>
+              </a:ext>
+            </a:extLst>
+          </p:cNvPr>
+          <p:cNvSpPr/>
+          <p:nvPr/>
+        </p:nvSpPr>
+        <p:spPr>
+          <a:xfrm>
+            <a:off x="2391297" y="1760911"/>
+            <a:ext cx="390698" cy="390698"/>
+          </a:xfrm>
+          <a:prstGeom prst="rect">
+            <a:avLst/>
+          </a:prstGeom>
+          <a:solidFill>
+            <a:schemeClr val="bg1"/>
+          </a:solidFill>
+        </p:spPr>
+        <p:style>
+          <a:lnRef idx="2">
+            <a:schemeClr val="accent1">
+              <a:shade val="50000"/>
+            </a:schemeClr>
+          </a:lnRef>
+          <a:fillRef idx="1">
+            <a:schemeClr val="accent1"/>
+          </a:fillRef>
+          <a:effectRef idx="0">
+            <a:schemeClr val="accent1"/>
+          </a:effectRef>
+          <a:fontRef idx="minor">
+            <a:schemeClr val="lt1"/>
+          </a:fontRef>
+        </p:style>
+        <p:txBody>
+          <a:bodyPr rtlCol="0" anchor="ctr"/>
+          <a:lstStyle/>
+          <a:p>
+            <a:pPr algn="ctr"/>
+            <a:endParaRPr lang="de-AT"/>
+          </a:p>
+        </p:txBody>
+      </p:sp>
+      <p:sp>
+        <p:nvSpPr>
+          <p:cNvPr id="102" name="Rechteck 101">
+            <a:extLst>
+              <a:ext uri="{FF2B5EF4-FFF2-40B4-BE49-F238E27FC236}">
+                <a16:creationId xmlns:a16="http://schemas.microsoft.com/office/drawing/2014/main" id="{0E3F2B86-EB81-487D-A770-4AC3CA1816BA}"/>
+              </a:ext>
+            </a:extLst>
+          </p:cNvPr>
+          <p:cNvSpPr/>
+          <p:nvPr/>
+        </p:nvSpPr>
+        <p:spPr>
+          <a:xfrm>
+            <a:off x="7452358" y="2338645"/>
+            <a:ext cx="390698" cy="390698"/>
+          </a:xfrm>
+          <a:prstGeom prst="rect">
+            <a:avLst/>
+          </a:prstGeom>
+        </p:spPr>
+        <p:style>
+          <a:lnRef idx="2">
+            <a:schemeClr val="accent1">
+              <a:shade val="50000"/>
+            </a:schemeClr>
+          </a:lnRef>
+          <a:fillRef idx="1">
+            <a:schemeClr val="accent1"/>
+          </a:fillRef>
+          <a:effectRef idx="0">
+            <a:schemeClr val="accent1"/>
+          </a:effectRef>
+          <a:fontRef idx="minor">
+            <a:schemeClr val="lt1"/>
+          </a:fontRef>
+        </p:style>
+        <p:txBody>
+          <a:bodyPr rtlCol="0" anchor="ctr"/>
+          <a:lstStyle/>
+          <a:p>
+            <a:pPr algn="ctr"/>
+            <a:endParaRPr lang="de-AT"/>
+          </a:p>
+        </p:txBody>
+      </p:sp>
+      <p:sp>
+        <p:nvSpPr>
+          <p:cNvPr id="103" name="Rechteck 102">
+            <a:extLst>
+              <a:ext uri="{FF2B5EF4-FFF2-40B4-BE49-F238E27FC236}">
+                <a16:creationId xmlns:a16="http://schemas.microsoft.com/office/drawing/2014/main" id="{96284A41-AE72-4F54-9258-F83BB772235E}"/>
+              </a:ext>
+            </a:extLst>
+          </p:cNvPr>
+          <p:cNvSpPr/>
+          <p:nvPr/>
+        </p:nvSpPr>
+        <p:spPr>
+          <a:xfrm>
+            <a:off x="7843056" y="2338645"/>
+            <a:ext cx="390698" cy="390698"/>
+          </a:xfrm>
+          <a:prstGeom prst="rect">
+            <a:avLst/>
+          </a:prstGeom>
+          <a:solidFill>
+            <a:schemeClr val="bg1"/>
+          </a:solidFill>
+        </p:spPr>
+        <p:style>
+          <a:lnRef idx="2">
+            <a:schemeClr val="accent1">
+              <a:shade val="50000"/>
+            </a:schemeClr>
+          </a:lnRef>
+          <a:fillRef idx="1">
+            <a:schemeClr val="accent1"/>
+          </a:fillRef>
+          <a:effectRef idx="0">
+            <a:schemeClr val="accent1"/>
+          </a:effectRef>
+          <a:fontRef idx="minor">
+            <a:schemeClr val="lt1"/>
+          </a:fontRef>
+        </p:style>
+        <p:txBody>
+          <a:bodyPr rtlCol="0" anchor="ctr"/>
+          <a:lstStyle/>
+          <a:p>
+            <a:pPr algn="ctr"/>
+            <a:endParaRPr lang="de-AT"/>
+          </a:p>
+        </p:txBody>
+      </p:sp>
+      <p:sp>
+        <p:nvSpPr>
+          <p:cNvPr id="104" name="Rechteck 103">
+            <a:extLst>
+              <a:ext uri="{FF2B5EF4-FFF2-40B4-BE49-F238E27FC236}">
+                <a16:creationId xmlns:a16="http://schemas.microsoft.com/office/drawing/2014/main" id="{CC953C2C-F192-43A6-A87D-EF2786C6963E}"/>
+              </a:ext>
+            </a:extLst>
+          </p:cNvPr>
+          <p:cNvSpPr/>
+          <p:nvPr/>
+        </p:nvSpPr>
+        <p:spPr>
+          <a:xfrm>
+            <a:off x="8233754" y="2338645"/>
+            <a:ext cx="390698" cy="390698"/>
+          </a:xfrm>
+          <a:prstGeom prst="rect">
+            <a:avLst/>
+          </a:prstGeom>
+        </p:spPr>
+        <p:style>
+          <a:lnRef idx="2">
+            <a:schemeClr val="accent1">
+              <a:shade val="50000"/>
+            </a:schemeClr>
+          </a:lnRef>
+          <a:fillRef idx="1">
+            <a:schemeClr val="accent1"/>
+          </a:fillRef>
+          <a:effectRef idx="0">
+            <a:schemeClr val="accent1"/>
+          </a:effectRef>
+          <a:fontRef idx="minor">
+            <a:schemeClr val="lt1"/>
+          </a:fontRef>
+        </p:style>
+        <p:txBody>
+          <a:bodyPr rtlCol="0" anchor="ctr"/>
+          <a:lstStyle/>
+          <a:p>
+            <a:pPr algn="ctr"/>
+            <a:endParaRPr lang="de-AT"/>
+          </a:p>
+        </p:txBody>
+      </p:sp>
+      <p:sp>
+        <p:nvSpPr>
+          <p:cNvPr id="105" name="Rechteck 104">
+            <a:extLst>
+              <a:ext uri="{FF2B5EF4-FFF2-40B4-BE49-F238E27FC236}">
+                <a16:creationId xmlns:a16="http://schemas.microsoft.com/office/drawing/2014/main" id="{F72830B5-A706-4DE3-A46A-14135706A7E1}"/>
+              </a:ext>
+            </a:extLst>
+          </p:cNvPr>
+          <p:cNvSpPr/>
+          <p:nvPr/>
+        </p:nvSpPr>
+        <p:spPr>
+          <a:xfrm>
+            <a:off x="8624452" y="2338645"/>
+            <a:ext cx="390698" cy="390698"/>
+          </a:xfrm>
+          <a:prstGeom prst="rect">
+            <a:avLst/>
+          </a:prstGeom>
+          <a:solidFill>
+            <a:schemeClr val="bg1"/>
+          </a:solidFill>
+        </p:spPr>
+        <p:style>
+          <a:lnRef idx="2">
+            <a:schemeClr val="accent1">
+              <a:shade val="50000"/>
+            </a:schemeClr>
+          </a:lnRef>
+          <a:fillRef idx="1">
+            <a:schemeClr val="accent1"/>
+          </a:fillRef>
+          <a:effectRef idx="0">
+            <a:schemeClr val="accent1"/>
+          </a:effectRef>
+          <a:fontRef idx="minor">
+            <a:schemeClr val="lt1"/>
+          </a:fontRef>
+        </p:style>
+        <p:txBody>
+          <a:bodyPr rtlCol="0" anchor="ctr"/>
+          <a:lstStyle/>
+          <a:p>
+            <a:pPr algn="ctr"/>
+            <a:endParaRPr lang="de-AT"/>
+          </a:p>
+        </p:txBody>
+      </p:sp>
+      <p:sp>
+        <p:nvSpPr>
+          <p:cNvPr id="106" name="Rechteck 105">
+            <a:extLst>
+              <a:ext uri="{FF2B5EF4-FFF2-40B4-BE49-F238E27FC236}">
+                <a16:creationId xmlns:a16="http://schemas.microsoft.com/office/drawing/2014/main" id="{E75A7D9A-2483-4A05-B9D1-A2C1EFECE283}"/>
+              </a:ext>
+            </a:extLst>
+          </p:cNvPr>
+          <p:cNvSpPr/>
+          <p:nvPr/>
+        </p:nvSpPr>
+        <p:spPr>
+          <a:xfrm>
+            <a:off x="9015150" y="2338645"/>
+            <a:ext cx="390698" cy="390698"/>
+          </a:xfrm>
+          <a:prstGeom prst="rect">
+            <a:avLst/>
+          </a:prstGeom>
+        </p:spPr>
+        <p:style>
+          <a:lnRef idx="2">
+            <a:schemeClr val="accent1">
+              <a:shade val="50000"/>
+            </a:schemeClr>
+          </a:lnRef>
+          <a:fillRef idx="1">
+            <a:schemeClr val="accent1"/>
+          </a:fillRef>
+          <a:effectRef idx="0">
+            <a:schemeClr val="accent1"/>
+          </a:effectRef>
+          <a:fontRef idx="minor">
+            <a:schemeClr val="lt1"/>
+          </a:fontRef>
+        </p:style>
+        <p:txBody>
+          <a:bodyPr rtlCol="0" anchor="ctr"/>
+          <a:lstStyle/>
+          <a:p>
+            <a:pPr algn="ctr"/>
+            <a:endParaRPr lang="de-AT"/>
+          </a:p>
+        </p:txBody>
+      </p:sp>
+      <p:sp>
+        <p:nvSpPr>
+          <p:cNvPr id="107" name="Rechteck 106">
+            <a:extLst>
+              <a:ext uri="{FF2B5EF4-FFF2-40B4-BE49-F238E27FC236}">
+                <a16:creationId xmlns:a16="http://schemas.microsoft.com/office/drawing/2014/main" id="{3144C41A-822F-4A43-A6F1-8EB85CF6505A}"/>
+              </a:ext>
+            </a:extLst>
+          </p:cNvPr>
+          <p:cNvSpPr/>
+          <p:nvPr/>
+        </p:nvSpPr>
+        <p:spPr>
+          <a:xfrm>
+            <a:off x="9405848" y="2338645"/>
+            <a:ext cx="390698" cy="390698"/>
+          </a:xfrm>
+          <a:prstGeom prst="rect">
+            <a:avLst/>
+          </a:prstGeom>
+          <a:solidFill>
+            <a:schemeClr val="bg1"/>
+          </a:solidFill>
+        </p:spPr>
+        <p:style>
+          <a:lnRef idx="2">
+            <a:schemeClr val="accent1">
+              <a:shade val="50000"/>
+            </a:schemeClr>
+          </a:lnRef>
+          <a:fillRef idx="1">
+            <a:schemeClr val="accent1"/>
+          </a:fillRef>
+          <a:effectRef idx="0">
+            <a:schemeClr val="accent1"/>
+          </a:effectRef>
+          <a:fontRef idx="minor">
+            <a:schemeClr val="lt1"/>
+          </a:fontRef>
+        </p:style>
+        <p:txBody>
+          <a:bodyPr rtlCol="0" anchor="ctr"/>
+          <a:lstStyle/>
+          <a:p>
+            <a:pPr algn="ctr"/>
+            <a:endParaRPr lang="de-AT"/>
+          </a:p>
+        </p:txBody>
+      </p:sp>
+      <p:sp>
+        <p:nvSpPr>
+          <p:cNvPr id="108" name="Rechteck 107">
+            <a:extLst>
+              <a:ext uri="{FF2B5EF4-FFF2-40B4-BE49-F238E27FC236}">
+                <a16:creationId xmlns:a16="http://schemas.microsoft.com/office/drawing/2014/main" id="{4F8B4304-7896-4F9E-AA2A-21E633E91547}"/>
+              </a:ext>
+            </a:extLst>
+          </p:cNvPr>
+          <p:cNvSpPr/>
+          <p:nvPr/>
+        </p:nvSpPr>
+        <p:spPr>
+          <a:xfrm>
+            <a:off x="9796546" y="2338645"/>
+            <a:ext cx="390698" cy="390698"/>
+          </a:xfrm>
+          <a:prstGeom prst="rect">
+            <a:avLst/>
+          </a:prstGeom>
+        </p:spPr>
+        <p:style>
+          <a:lnRef idx="2">
+            <a:schemeClr val="accent1">
+              <a:shade val="50000"/>
+            </a:schemeClr>
+          </a:lnRef>
+          <a:fillRef idx="1">
+            <a:schemeClr val="accent1"/>
+          </a:fillRef>
+          <a:effectRef idx="0">
+            <a:schemeClr val="accent1"/>
+          </a:effectRef>
+          <a:fontRef idx="minor">
+            <a:schemeClr val="lt1"/>
+          </a:fontRef>
+        </p:style>
+        <p:txBody>
+          <a:bodyPr rtlCol="0" anchor="ctr"/>
+          <a:lstStyle/>
+          <a:p>
+            <a:pPr algn="ctr"/>
+            <a:endParaRPr lang="de-AT"/>
+          </a:p>
+        </p:txBody>
+      </p:sp>
+      <p:sp>
+        <p:nvSpPr>
+          <p:cNvPr id="109" name="Rechteck 108">
+            <a:extLst>
+              <a:ext uri="{FF2B5EF4-FFF2-40B4-BE49-F238E27FC236}">
+                <a16:creationId xmlns:a16="http://schemas.microsoft.com/office/drawing/2014/main" id="{E807EFE8-BA47-465D-AB3A-C972195EF745}"/>
+              </a:ext>
+            </a:extLst>
+          </p:cNvPr>
+          <p:cNvSpPr/>
+          <p:nvPr/>
+        </p:nvSpPr>
+        <p:spPr>
+          <a:xfrm>
+            <a:off x="10187244" y="2338645"/>
+            <a:ext cx="390698" cy="390698"/>
+          </a:xfrm>
+          <a:prstGeom prst="rect">
+            <a:avLst/>
+          </a:prstGeom>
+          <a:solidFill>
+            <a:schemeClr val="bg1"/>
+          </a:solidFill>
+        </p:spPr>
+        <p:style>
+          <a:lnRef idx="2">
+            <a:schemeClr val="accent1">
+              <a:shade val="50000"/>
+            </a:schemeClr>
+          </a:lnRef>
+          <a:fillRef idx="1">
+            <a:schemeClr val="accent1"/>
+          </a:fillRef>
+          <a:effectRef idx="0">
+            <a:schemeClr val="accent1"/>
+          </a:effectRef>
+          <a:fontRef idx="minor">
+            <a:schemeClr val="lt1"/>
+          </a:fontRef>
+        </p:style>
+        <p:txBody>
+          <a:bodyPr rtlCol="0" anchor="ctr"/>
+          <a:lstStyle/>
+          <a:p>
+            <a:pPr algn="ctr"/>
+            <a:endParaRPr lang="de-AT"/>
+          </a:p>
+        </p:txBody>
+      </p:sp>
+      <p:sp>
+        <p:nvSpPr>
+          <p:cNvPr id="110" name="Rechteck 109">
+            <a:extLst>
+              <a:ext uri="{FF2B5EF4-FFF2-40B4-BE49-F238E27FC236}">
+                <a16:creationId xmlns:a16="http://schemas.microsoft.com/office/drawing/2014/main" id="{357CAE21-49D3-4607-866B-F3320DBC0147}"/>
+              </a:ext>
+            </a:extLst>
+          </p:cNvPr>
+          <p:cNvSpPr/>
+          <p:nvPr/>
+        </p:nvSpPr>
+        <p:spPr>
+          <a:xfrm>
+            <a:off x="10187244" y="2729343"/>
+            <a:ext cx="390698" cy="390698"/>
+          </a:xfrm>
+          <a:prstGeom prst="rect">
+            <a:avLst/>
+          </a:prstGeom>
+        </p:spPr>
+        <p:style>
+          <a:lnRef idx="2">
+            <a:schemeClr val="accent1">
+              <a:shade val="50000"/>
+            </a:schemeClr>
+          </a:lnRef>
+          <a:fillRef idx="1">
+            <a:schemeClr val="accent1"/>
+          </a:fillRef>
+          <a:effectRef idx="0">
+            <a:schemeClr val="accent1"/>
+          </a:effectRef>
+          <a:fontRef idx="minor">
+            <a:schemeClr val="lt1"/>
+          </a:fontRef>
+        </p:style>
+        <p:txBody>
+          <a:bodyPr rtlCol="0" anchor="ctr"/>
+          <a:lstStyle/>
+          <a:p>
+            <a:pPr algn="ctr"/>
+            <a:endParaRPr lang="de-AT"/>
+          </a:p>
+        </p:txBody>
+      </p:sp>
+      <p:sp>
+        <p:nvSpPr>
+          <p:cNvPr id="111" name="Rechteck 110">
+            <a:extLst>
+              <a:ext uri="{FF2B5EF4-FFF2-40B4-BE49-F238E27FC236}">
+                <a16:creationId xmlns:a16="http://schemas.microsoft.com/office/drawing/2014/main" id="{902E2919-4483-423D-8C0C-488C85930072}"/>
+              </a:ext>
+            </a:extLst>
+          </p:cNvPr>
+          <p:cNvSpPr/>
+          <p:nvPr/>
+        </p:nvSpPr>
+        <p:spPr>
+          <a:xfrm>
+            <a:off x="7452358" y="2729343"/>
+            <a:ext cx="390698" cy="390698"/>
+          </a:xfrm>
+          <a:prstGeom prst="rect">
+            <a:avLst/>
+          </a:prstGeom>
+          <a:solidFill>
+            <a:schemeClr val="bg1"/>
+          </a:solidFill>
+        </p:spPr>
+        <p:style>
+          <a:lnRef idx="2">
+            <a:schemeClr val="accent1">
+              <a:shade val="50000"/>
+            </a:schemeClr>
+          </a:lnRef>
+          <a:fillRef idx="1">
+            <a:schemeClr val="accent1"/>
+          </a:fillRef>
+          <a:effectRef idx="0">
+            <a:schemeClr val="accent1"/>
+          </a:effectRef>
+          <a:fontRef idx="minor">
+            <a:schemeClr val="lt1"/>
+          </a:fontRef>
+        </p:style>
+        <p:txBody>
+          <a:bodyPr rtlCol="0" anchor="ctr"/>
+          <a:lstStyle/>
+          <a:p>
+            <a:pPr algn="ctr"/>
+            <a:endParaRPr lang="de-AT"/>
+          </a:p>
+        </p:txBody>
+      </p:sp>
+      <p:sp>
+        <p:nvSpPr>
+          <p:cNvPr id="112" name="Rechteck 111">
+            <a:extLst>
+              <a:ext uri="{FF2B5EF4-FFF2-40B4-BE49-F238E27FC236}">
+                <a16:creationId xmlns:a16="http://schemas.microsoft.com/office/drawing/2014/main" id="{70D80B26-DAD2-4AB2-8114-038DDB2C33DD}"/>
+              </a:ext>
+            </a:extLst>
+          </p:cNvPr>
+          <p:cNvSpPr/>
+          <p:nvPr/>
+        </p:nvSpPr>
+        <p:spPr>
+          <a:xfrm>
+            <a:off x="7843056" y="2729343"/>
+            <a:ext cx="390698" cy="390698"/>
+          </a:xfrm>
+          <a:prstGeom prst="rect">
+            <a:avLst/>
+          </a:prstGeom>
+        </p:spPr>
+        <p:style>
+          <a:lnRef idx="2">
+            <a:schemeClr val="accent1">
+              <a:shade val="50000"/>
+            </a:schemeClr>
+          </a:lnRef>
+          <a:fillRef idx="1">
+            <a:schemeClr val="accent1"/>
+          </a:fillRef>
+          <a:effectRef idx="0">
+            <a:schemeClr val="accent1"/>
+          </a:effectRef>
+          <a:fontRef idx="minor">
+            <a:schemeClr val="lt1"/>
+          </a:fontRef>
+        </p:style>
+        <p:txBody>
+          <a:bodyPr rtlCol="0" anchor="ctr"/>
+          <a:lstStyle/>
+          <a:p>
+            <a:pPr algn="ctr"/>
+            <a:endParaRPr lang="de-AT"/>
+          </a:p>
+        </p:txBody>
+      </p:sp>
+      <p:sp>
+        <p:nvSpPr>
+          <p:cNvPr id="113" name="Rechteck 112">
+            <a:extLst>
+              <a:ext uri="{FF2B5EF4-FFF2-40B4-BE49-F238E27FC236}">
+                <a16:creationId xmlns:a16="http://schemas.microsoft.com/office/drawing/2014/main" id="{6BDBA323-F38B-45E7-9ED2-3248FA297665}"/>
+              </a:ext>
+            </a:extLst>
+          </p:cNvPr>
+          <p:cNvSpPr/>
+          <p:nvPr/>
+        </p:nvSpPr>
+        <p:spPr>
+          <a:xfrm>
+            <a:off x="8233754" y="2729343"/>
+            <a:ext cx="390698" cy="390698"/>
+          </a:xfrm>
+          <a:prstGeom prst="rect">
+            <a:avLst/>
+          </a:prstGeom>
+          <a:solidFill>
+            <a:schemeClr val="bg1"/>
+          </a:solidFill>
+        </p:spPr>
+        <p:style>
+          <a:lnRef idx="2">
+            <a:schemeClr val="accent1">
+              <a:shade val="50000"/>
+            </a:schemeClr>
+          </a:lnRef>
+          <a:fillRef idx="1">
+            <a:schemeClr val="accent1"/>
+          </a:fillRef>
+          <a:effectRef idx="0">
+            <a:schemeClr val="accent1"/>
+          </a:effectRef>
+          <a:fontRef idx="minor">
+            <a:schemeClr val="lt1"/>
+          </a:fontRef>
+        </p:style>
+        <p:txBody>
+          <a:bodyPr rtlCol="0" anchor="ctr"/>
+          <a:lstStyle/>
+          <a:p>
+            <a:pPr algn="ctr"/>
+            <a:endParaRPr lang="de-AT"/>
+          </a:p>
+        </p:txBody>
+      </p:sp>
+      <p:sp>
+        <p:nvSpPr>
+          <p:cNvPr id="114" name="Rechteck 113">
+            <a:extLst>
+              <a:ext uri="{FF2B5EF4-FFF2-40B4-BE49-F238E27FC236}">
+                <a16:creationId xmlns:a16="http://schemas.microsoft.com/office/drawing/2014/main" id="{79FD02D8-BAB0-4DED-986B-AB5726219FE5}"/>
+              </a:ext>
+            </a:extLst>
+          </p:cNvPr>
+          <p:cNvSpPr/>
+          <p:nvPr/>
+        </p:nvSpPr>
+        <p:spPr>
+          <a:xfrm>
+            <a:off x="8624452" y="2729343"/>
+            <a:ext cx="390698" cy="390698"/>
+          </a:xfrm>
+          <a:prstGeom prst="rect">
+            <a:avLst/>
+          </a:prstGeom>
+        </p:spPr>
+        <p:style>
+          <a:lnRef idx="2">
+            <a:schemeClr val="accent1">
+              <a:shade val="50000"/>
+            </a:schemeClr>
+          </a:lnRef>
+          <a:fillRef idx="1">
+            <a:schemeClr val="accent1"/>
+          </a:fillRef>
+          <a:effectRef idx="0">
+            <a:schemeClr val="accent1"/>
+          </a:effectRef>
+          <a:fontRef idx="minor">
+            <a:schemeClr val="lt1"/>
+          </a:fontRef>
+        </p:style>
+        <p:txBody>
+          <a:bodyPr rtlCol="0" anchor="ctr"/>
+          <a:lstStyle/>
+          <a:p>
+            <a:pPr algn="ctr"/>
+            <a:endParaRPr lang="de-AT"/>
+          </a:p>
+        </p:txBody>
+      </p:sp>
+      <p:sp>
+        <p:nvSpPr>
+          <p:cNvPr id="115" name="Rechteck 114">
+            <a:extLst>
+              <a:ext uri="{FF2B5EF4-FFF2-40B4-BE49-F238E27FC236}">
+                <a16:creationId xmlns:a16="http://schemas.microsoft.com/office/drawing/2014/main" id="{AA965B05-3326-4C30-89FF-7CE914D84332}"/>
+              </a:ext>
+            </a:extLst>
+          </p:cNvPr>
+          <p:cNvSpPr/>
+          <p:nvPr/>
+        </p:nvSpPr>
+        <p:spPr>
+          <a:xfrm>
+            <a:off x="9015150" y="2729343"/>
+            <a:ext cx="390698" cy="390698"/>
+          </a:xfrm>
+          <a:prstGeom prst="rect">
+            <a:avLst/>
+          </a:prstGeom>
+          <a:solidFill>
+            <a:schemeClr val="bg1"/>
+          </a:solidFill>
+        </p:spPr>
+        <p:style>
+          <a:lnRef idx="2">
+            <a:schemeClr val="accent1">
+              <a:shade val="50000"/>
+            </a:schemeClr>
+          </a:lnRef>
+          <a:fillRef idx="1">
+            <a:schemeClr val="accent1"/>
+          </a:fillRef>
+          <a:effectRef idx="0">
+            <a:schemeClr val="accent1"/>
+          </a:effectRef>
+          <a:fontRef idx="minor">
+            <a:schemeClr val="lt1"/>
+          </a:fontRef>
+        </p:style>
+        <p:txBody>
+          <a:bodyPr rtlCol="0" anchor="ctr"/>
+          <a:lstStyle/>
+          <a:p>
+            <a:pPr algn="ctr"/>
+            <a:endParaRPr lang="de-AT"/>
+          </a:p>
+        </p:txBody>
+      </p:sp>
+      <p:sp>
+        <p:nvSpPr>
+          <p:cNvPr id="116" name="Rechteck 115">
+            <a:extLst>
+              <a:ext uri="{FF2B5EF4-FFF2-40B4-BE49-F238E27FC236}">
+                <a16:creationId xmlns:a16="http://schemas.microsoft.com/office/drawing/2014/main" id="{3F00CFC8-DE86-469D-BBC6-3A77C5488858}"/>
+              </a:ext>
+            </a:extLst>
+          </p:cNvPr>
+          <p:cNvSpPr/>
+          <p:nvPr/>
+        </p:nvSpPr>
+        <p:spPr>
+          <a:xfrm>
+            <a:off x="9405848" y="2729343"/>
+            <a:ext cx="390698" cy="390698"/>
+          </a:xfrm>
+          <a:prstGeom prst="rect">
+            <a:avLst/>
+          </a:prstGeom>
+        </p:spPr>
+        <p:style>
+          <a:lnRef idx="2">
+            <a:schemeClr val="accent1">
+              <a:shade val="50000"/>
+            </a:schemeClr>
+          </a:lnRef>
+          <a:fillRef idx="1">
+            <a:schemeClr val="accent1"/>
+          </a:fillRef>
+          <a:effectRef idx="0">
+            <a:schemeClr val="accent1"/>
+          </a:effectRef>
+          <a:fontRef idx="minor">
+            <a:schemeClr val="lt1"/>
+          </a:fontRef>
+        </p:style>
+        <p:txBody>
+          <a:bodyPr rtlCol="0" anchor="ctr"/>
+          <a:lstStyle/>
+          <a:p>
+            <a:pPr algn="ctr"/>
+            <a:endParaRPr lang="de-AT"/>
+          </a:p>
+        </p:txBody>
+      </p:sp>
+      <p:sp>
+        <p:nvSpPr>
+          <p:cNvPr id="117" name="Rechteck 116">
+            <a:extLst>
+              <a:ext uri="{FF2B5EF4-FFF2-40B4-BE49-F238E27FC236}">
+                <a16:creationId xmlns:a16="http://schemas.microsoft.com/office/drawing/2014/main" id="{C63AE3E9-67E8-4ABA-BD70-1A15C71190F5}"/>
+              </a:ext>
+            </a:extLst>
+          </p:cNvPr>
+          <p:cNvSpPr/>
+          <p:nvPr/>
+        </p:nvSpPr>
+        <p:spPr>
+          <a:xfrm>
+            <a:off x="9796546" y="2729343"/>
+            <a:ext cx="390698" cy="390698"/>
+          </a:xfrm>
+          <a:prstGeom prst="rect">
+            <a:avLst/>
+          </a:prstGeom>
+          <a:solidFill>
+            <a:schemeClr val="bg1"/>
+          </a:solidFill>
+        </p:spPr>
+        <p:style>
+          <a:lnRef idx="2">
+            <a:schemeClr val="accent1">
+              <a:shade val="50000"/>
+            </a:schemeClr>
+          </a:lnRef>
+          <a:fillRef idx="1">
+            <a:schemeClr val="accent1"/>
+          </a:fillRef>
+          <a:effectRef idx="0">
+            <a:schemeClr val="accent1"/>
+          </a:effectRef>
+          <a:fontRef idx="minor">
+            <a:schemeClr val="lt1"/>
+          </a:fontRef>
+        </p:style>
+        <p:txBody>
+          <a:bodyPr rtlCol="0" anchor="ctr"/>
+          <a:lstStyle/>
+          <a:p>
+            <a:pPr algn="ctr"/>
+            <a:endParaRPr lang="de-AT"/>
+          </a:p>
+        </p:txBody>
+      </p:sp>
+      <p:sp>
+        <p:nvSpPr>
+          <p:cNvPr id="118" name="Rechteck 117">
+            <a:extLst>
+              <a:ext uri="{FF2B5EF4-FFF2-40B4-BE49-F238E27FC236}">
+                <a16:creationId xmlns:a16="http://schemas.microsoft.com/office/drawing/2014/main" id="{18C48F62-9BA0-459C-80EF-536D8017DA8E}"/>
+              </a:ext>
+            </a:extLst>
+          </p:cNvPr>
+          <p:cNvSpPr/>
+          <p:nvPr/>
+        </p:nvSpPr>
+        <p:spPr>
+          <a:xfrm>
+            <a:off x="7452358" y="3120041"/>
+            <a:ext cx="390698" cy="390698"/>
+          </a:xfrm>
+          <a:prstGeom prst="rect">
+            <a:avLst/>
+          </a:prstGeom>
+        </p:spPr>
+        <p:style>
+          <a:lnRef idx="2">
+            <a:schemeClr val="accent1">
+              <a:shade val="50000"/>
+            </a:schemeClr>
+          </a:lnRef>
+          <a:fillRef idx="1">
+            <a:schemeClr val="accent1"/>
+          </a:fillRef>
+          <a:effectRef idx="0">
+            <a:schemeClr val="accent1"/>
+          </a:effectRef>
+          <a:fontRef idx="minor">
+            <a:schemeClr val="lt1"/>
+          </a:fontRef>
+        </p:style>
+        <p:txBody>
+          <a:bodyPr rtlCol="0" anchor="ctr"/>
+          <a:lstStyle/>
+          <a:p>
+            <a:pPr algn="ctr"/>
+            <a:endParaRPr lang="de-AT"/>
+          </a:p>
+        </p:txBody>
+      </p:sp>
+      <p:sp>
+        <p:nvSpPr>
+          <p:cNvPr id="119" name="Rechteck 118">
+            <a:extLst>
+              <a:ext uri="{FF2B5EF4-FFF2-40B4-BE49-F238E27FC236}">
+                <a16:creationId xmlns:a16="http://schemas.microsoft.com/office/drawing/2014/main" id="{9F6888A0-0FEE-44E1-845F-58FBCBA2718B}"/>
+              </a:ext>
+            </a:extLst>
+          </p:cNvPr>
+          <p:cNvSpPr/>
+          <p:nvPr/>
+        </p:nvSpPr>
+        <p:spPr>
+          <a:xfrm>
+            <a:off x="7843056" y="3120041"/>
+            <a:ext cx="390698" cy="390698"/>
+          </a:xfrm>
+          <a:prstGeom prst="rect">
+            <a:avLst/>
+          </a:prstGeom>
+          <a:solidFill>
+            <a:schemeClr val="bg1"/>
+          </a:solidFill>
+        </p:spPr>
+        <p:style>
+          <a:lnRef idx="2">
+            <a:schemeClr val="accent1">
+              <a:shade val="50000"/>
+            </a:schemeClr>
+          </a:lnRef>
+          <a:fillRef idx="1">
+            <a:schemeClr val="accent1"/>
+          </a:fillRef>
+          <a:effectRef idx="0">
+            <a:schemeClr val="accent1"/>
+          </a:effectRef>
+          <a:fontRef idx="minor">
+            <a:schemeClr val="lt1"/>
+          </a:fontRef>
+        </p:style>
+        <p:txBody>
+          <a:bodyPr rtlCol="0" anchor="ctr"/>
+          <a:lstStyle/>
+          <a:p>
+            <a:pPr algn="ctr"/>
+            <a:endParaRPr lang="de-AT"/>
+          </a:p>
+        </p:txBody>
+      </p:sp>
+      <p:sp>
+        <p:nvSpPr>
+          <p:cNvPr id="120" name="Rechteck 119">
+            <a:extLst>
+              <a:ext uri="{FF2B5EF4-FFF2-40B4-BE49-F238E27FC236}">
+                <a16:creationId xmlns:a16="http://schemas.microsoft.com/office/drawing/2014/main" id="{90FE5183-F3CB-49BA-8864-1CFC7770BA83}"/>
+              </a:ext>
+            </a:extLst>
+          </p:cNvPr>
+          <p:cNvSpPr/>
+          <p:nvPr/>
+        </p:nvSpPr>
+        <p:spPr>
+          <a:xfrm>
+            <a:off x="8233754" y="3120041"/>
+            <a:ext cx="390698" cy="390698"/>
+          </a:xfrm>
+          <a:prstGeom prst="rect">
+            <a:avLst/>
+          </a:prstGeom>
+        </p:spPr>
+        <p:style>
+          <a:lnRef idx="2">
+            <a:schemeClr val="accent1">
+              <a:shade val="50000"/>
+            </a:schemeClr>
+          </a:lnRef>
+          <a:fillRef idx="1">
+            <a:schemeClr val="accent1"/>
+          </a:fillRef>
+          <a:effectRef idx="0">
+            <a:schemeClr val="accent1"/>
+          </a:effectRef>
+          <a:fontRef idx="minor">
+            <a:schemeClr val="lt1"/>
+          </a:fontRef>
+        </p:style>
+        <p:txBody>
+          <a:bodyPr rtlCol="0" anchor="ctr"/>
+          <a:lstStyle/>
+          <a:p>
+            <a:pPr algn="ctr"/>
+            <a:endParaRPr lang="de-AT"/>
+          </a:p>
+        </p:txBody>
+      </p:sp>
+      <p:sp>
+        <p:nvSpPr>
+          <p:cNvPr id="122" name="Rechteck 121">
+            <a:extLst>
+              <a:ext uri="{FF2B5EF4-FFF2-40B4-BE49-F238E27FC236}">
+                <a16:creationId xmlns:a16="http://schemas.microsoft.com/office/drawing/2014/main" id="{C55564ED-8149-4CC5-9674-0A1062EABB59}"/>
+              </a:ext>
+            </a:extLst>
+          </p:cNvPr>
+          <p:cNvSpPr/>
+          <p:nvPr/>
+        </p:nvSpPr>
+        <p:spPr>
+          <a:xfrm>
+            <a:off x="9015150" y="3120041"/>
+            <a:ext cx="390698" cy="390698"/>
+          </a:xfrm>
+          <a:prstGeom prst="rect">
+            <a:avLst/>
+          </a:prstGeom>
+        </p:spPr>
+        <p:style>
+          <a:lnRef idx="2">
+            <a:schemeClr val="accent1">
+              <a:shade val="50000"/>
+            </a:schemeClr>
+          </a:lnRef>
+          <a:fillRef idx="1">
+            <a:schemeClr val="accent1"/>
+          </a:fillRef>
+          <a:effectRef idx="0">
+            <a:schemeClr val="accent1"/>
+          </a:effectRef>
+          <a:fontRef idx="minor">
+            <a:schemeClr val="lt1"/>
+          </a:fontRef>
+        </p:style>
+        <p:txBody>
+          <a:bodyPr rtlCol="0" anchor="ctr"/>
+          <a:lstStyle/>
+          <a:p>
+            <a:pPr algn="ctr"/>
+            <a:endParaRPr lang="de-AT"/>
+          </a:p>
+        </p:txBody>
+      </p:sp>
+      <p:sp>
+        <p:nvSpPr>
+          <p:cNvPr id="124" name="Rechteck 123">
+            <a:extLst>
+              <a:ext uri="{FF2B5EF4-FFF2-40B4-BE49-F238E27FC236}">
+                <a16:creationId xmlns:a16="http://schemas.microsoft.com/office/drawing/2014/main" id="{F6D46509-4880-48EB-9CBA-A856C28E9F97}"/>
+              </a:ext>
+            </a:extLst>
+          </p:cNvPr>
+          <p:cNvSpPr/>
+          <p:nvPr/>
+        </p:nvSpPr>
+        <p:spPr>
+          <a:xfrm>
+            <a:off x="9796546" y="3120041"/>
+            <a:ext cx="390698" cy="390698"/>
+          </a:xfrm>
+          <a:prstGeom prst="rect">
+            <a:avLst/>
+          </a:prstGeom>
+        </p:spPr>
+        <p:style>
+          <a:lnRef idx="2">
+            <a:schemeClr val="accent1">
+              <a:shade val="50000"/>
+            </a:schemeClr>
+          </a:lnRef>
+          <a:fillRef idx="1">
+            <a:schemeClr val="accent1"/>
+          </a:fillRef>
+          <a:effectRef idx="0">
+            <a:schemeClr val="accent1"/>
+          </a:effectRef>
+          <a:fontRef idx="minor">
+            <a:schemeClr val="lt1"/>
+          </a:fontRef>
+        </p:style>
+        <p:txBody>
+          <a:bodyPr rtlCol="0" anchor="ctr"/>
+          <a:lstStyle/>
+          <a:p>
+            <a:pPr algn="ctr"/>
+            <a:endParaRPr lang="de-AT"/>
+          </a:p>
+        </p:txBody>
+      </p:sp>
+      <p:sp>
+        <p:nvSpPr>
+          <p:cNvPr id="125" name="Rechteck 124">
+            <a:extLst>
+              <a:ext uri="{FF2B5EF4-FFF2-40B4-BE49-F238E27FC236}">
+                <a16:creationId xmlns:a16="http://schemas.microsoft.com/office/drawing/2014/main" id="{D5F14A2B-6D89-4114-86B3-FE7D203184B0}"/>
+              </a:ext>
+            </a:extLst>
+          </p:cNvPr>
+          <p:cNvSpPr/>
+          <p:nvPr/>
+        </p:nvSpPr>
+        <p:spPr>
+          <a:xfrm>
+            <a:off x="10187244" y="3120041"/>
+            <a:ext cx="390698" cy="390698"/>
+          </a:xfrm>
+          <a:prstGeom prst="rect">
+            <a:avLst/>
+          </a:prstGeom>
+          <a:solidFill>
+            <a:schemeClr val="bg1"/>
+          </a:solidFill>
+        </p:spPr>
+        <p:style>
+          <a:lnRef idx="2">
+            <a:schemeClr val="accent1">
+              <a:shade val="50000"/>
+            </a:schemeClr>
+          </a:lnRef>
+          <a:fillRef idx="1">
+            <a:schemeClr val="accent1"/>
+          </a:fillRef>
+          <a:effectRef idx="0">
+            <a:schemeClr val="accent1"/>
+          </a:effectRef>
+          <a:fontRef idx="minor">
+            <a:schemeClr val="lt1"/>
+          </a:fontRef>
+        </p:style>
+        <p:txBody>
+          <a:bodyPr rtlCol="0" anchor="ctr"/>
+          <a:lstStyle/>
+          <a:p>
+            <a:pPr algn="ctr"/>
+            <a:endParaRPr lang="de-AT"/>
+          </a:p>
+        </p:txBody>
+      </p:sp>
+      <p:sp>
+        <p:nvSpPr>
+          <p:cNvPr id="126" name="Rechteck 125">
+            <a:extLst>
+              <a:ext uri="{FF2B5EF4-FFF2-40B4-BE49-F238E27FC236}">
+                <a16:creationId xmlns:a16="http://schemas.microsoft.com/office/drawing/2014/main" id="{E2F89C81-7E30-43DD-B34E-7ECC073F0D0F}"/>
+              </a:ext>
+            </a:extLst>
+          </p:cNvPr>
+          <p:cNvSpPr/>
+          <p:nvPr/>
+        </p:nvSpPr>
+        <p:spPr>
+          <a:xfrm>
+            <a:off x="10187244" y="3510739"/>
+            <a:ext cx="390698" cy="390698"/>
+          </a:xfrm>
+          <a:prstGeom prst="rect">
+            <a:avLst/>
+          </a:prstGeom>
+        </p:spPr>
+        <p:style>
+          <a:lnRef idx="2">
+            <a:schemeClr val="accent1">
+              <a:shade val="50000"/>
+            </a:schemeClr>
+          </a:lnRef>
+          <a:fillRef idx="1">
+            <a:schemeClr val="accent1"/>
+          </a:fillRef>
+          <a:effectRef idx="0">
+            <a:schemeClr val="accent1"/>
+          </a:effectRef>
+          <a:fontRef idx="minor">
+            <a:schemeClr val="lt1"/>
+          </a:fontRef>
+        </p:style>
+        <p:txBody>
+          <a:bodyPr rtlCol="0" anchor="ctr"/>
+          <a:lstStyle/>
+          <a:p>
+            <a:pPr algn="ctr"/>
+            <a:endParaRPr lang="de-AT"/>
+          </a:p>
+        </p:txBody>
+      </p:sp>
+      <p:sp>
+        <p:nvSpPr>
+          <p:cNvPr id="127" name="Rechteck 126">
+            <a:extLst>
+              <a:ext uri="{FF2B5EF4-FFF2-40B4-BE49-F238E27FC236}">
+                <a16:creationId xmlns:a16="http://schemas.microsoft.com/office/drawing/2014/main" id="{1E75C580-35C1-44AB-8DF0-365B0B5C9F9E}"/>
+              </a:ext>
+            </a:extLst>
+          </p:cNvPr>
+          <p:cNvSpPr/>
+          <p:nvPr/>
+        </p:nvSpPr>
+        <p:spPr>
+          <a:xfrm>
+            <a:off x="7452358" y="3510739"/>
+            <a:ext cx="390698" cy="390698"/>
+          </a:xfrm>
+          <a:prstGeom prst="rect">
+            <a:avLst/>
+          </a:prstGeom>
+          <a:solidFill>
+            <a:schemeClr val="bg1"/>
+          </a:solidFill>
+        </p:spPr>
+        <p:style>
+          <a:lnRef idx="2">
+            <a:schemeClr val="accent1">
+              <a:shade val="50000"/>
+            </a:schemeClr>
+          </a:lnRef>
+          <a:fillRef idx="1">
+            <a:schemeClr val="accent1"/>
+          </a:fillRef>
+          <a:effectRef idx="0">
+            <a:schemeClr val="accent1"/>
+          </a:effectRef>
+          <a:fontRef idx="minor">
+            <a:schemeClr val="lt1"/>
+          </a:fontRef>
+        </p:style>
+        <p:txBody>
+          <a:bodyPr rtlCol="0" anchor="ctr"/>
+          <a:lstStyle/>
+          <a:p>
+            <a:pPr algn="ctr"/>
+            <a:endParaRPr lang="de-AT"/>
+          </a:p>
+        </p:txBody>
+      </p:sp>
+      <p:sp>
+        <p:nvSpPr>
+          <p:cNvPr id="128" name="Rechteck 127">
+            <a:extLst>
+              <a:ext uri="{FF2B5EF4-FFF2-40B4-BE49-F238E27FC236}">
+                <a16:creationId xmlns:a16="http://schemas.microsoft.com/office/drawing/2014/main" id="{B5BA53EC-96DF-4B7C-BB9C-1431A0E75264}"/>
+              </a:ext>
+            </a:extLst>
+          </p:cNvPr>
+          <p:cNvSpPr/>
+          <p:nvPr/>
+        </p:nvSpPr>
+        <p:spPr>
+          <a:xfrm>
+            <a:off x="7843056" y="3510739"/>
+            <a:ext cx="390698" cy="390698"/>
+          </a:xfrm>
+          <a:prstGeom prst="rect">
+            <a:avLst/>
+          </a:prstGeom>
+        </p:spPr>
+        <p:style>
+          <a:lnRef idx="2">
+            <a:schemeClr val="accent1">
+              <a:shade val="50000"/>
+            </a:schemeClr>
+          </a:lnRef>
+          <a:fillRef idx="1">
+            <a:schemeClr val="accent1"/>
+          </a:fillRef>
+          <a:effectRef idx="0">
+            <a:schemeClr val="accent1"/>
+          </a:effectRef>
+          <a:fontRef idx="minor">
+            <a:schemeClr val="lt1"/>
+          </a:fontRef>
+        </p:style>
+        <p:txBody>
+          <a:bodyPr rtlCol="0" anchor="ctr"/>
+          <a:lstStyle/>
+          <a:p>
+            <a:pPr algn="ctr"/>
+            <a:endParaRPr lang="de-AT"/>
+          </a:p>
+        </p:txBody>
+      </p:sp>
+      <p:sp>
+        <p:nvSpPr>
+          <p:cNvPr id="129" name="Rechteck 128">
+            <a:extLst>
+              <a:ext uri="{FF2B5EF4-FFF2-40B4-BE49-F238E27FC236}">
+                <a16:creationId xmlns:a16="http://schemas.microsoft.com/office/drawing/2014/main" id="{9C76DC1E-6892-4559-B8F6-0C7275E2ACC0}"/>
+              </a:ext>
+            </a:extLst>
+          </p:cNvPr>
+          <p:cNvSpPr/>
+          <p:nvPr/>
+        </p:nvSpPr>
+        <p:spPr>
+          <a:xfrm>
+            <a:off x="8233754" y="3510739"/>
+            <a:ext cx="390698" cy="390698"/>
+          </a:xfrm>
+          <a:prstGeom prst="rect">
+            <a:avLst/>
+          </a:prstGeom>
+          <a:solidFill>
+            <a:schemeClr val="bg1"/>
+          </a:solidFill>
+        </p:spPr>
+        <p:style>
+          <a:lnRef idx="2">
+            <a:schemeClr val="accent1">
+              <a:shade val="50000"/>
+            </a:schemeClr>
+          </a:lnRef>
+          <a:fillRef idx="1">
+            <a:schemeClr val="accent1"/>
+          </a:fillRef>
+          <a:effectRef idx="0">
+            <a:schemeClr val="accent1"/>
+          </a:effectRef>
+          <a:fontRef idx="minor">
+            <a:schemeClr val="lt1"/>
+          </a:fontRef>
+        </p:style>
+        <p:txBody>
+          <a:bodyPr rtlCol="0" anchor="ctr"/>
+          <a:lstStyle/>
+          <a:p>
+            <a:pPr algn="ctr"/>
+            <a:endParaRPr lang="de-AT"/>
+          </a:p>
+        </p:txBody>
+      </p:sp>
+      <p:sp>
+        <p:nvSpPr>
+          <p:cNvPr id="130" name="Rechteck 129">
+            <a:extLst>
+              <a:ext uri="{FF2B5EF4-FFF2-40B4-BE49-F238E27FC236}">
+                <a16:creationId xmlns:a16="http://schemas.microsoft.com/office/drawing/2014/main" id="{7250F8E0-5648-43B7-80A6-D5D961599560}"/>
+              </a:ext>
+            </a:extLst>
+          </p:cNvPr>
+          <p:cNvSpPr/>
+          <p:nvPr/>
+        </p:nvSpPr>
+        <p:spPr>
+          <a:xfrm>
+            <a:off x="8624452" y="3510739"/>
+            <a:ext cx="390698" cy="390698"/>
+          </a:xfrm>
+          <a:prstGeom prst="rect">
+            <a:avLst/>
+          </a:prstGeom>
+        </p:spPr>
+        <p:style>
+          <a:lnRef idx="2">
+            <a:schemeClr val="accent1">
+              <a:shade val="50000"/>
+            </a:schemeClr>
+          </a:lnRef>
+          <a:fillRef idx="1">
+            <a:schemeClr val="accent1"/>
+          </a:fillRef>
+          <a:effectRef idx="0">
+            <a:schemeClr val="accent1"/>
+          </a:effectRef>
+          <a:fontRef idx="minor">
+            <a:schemeClr val="lt1"/>
+          </a:fontRef>
+        </p:style>
+        <p:txBody>
+          <a:bodyPr rtlCol="0" anchor="ctr"/>
+          <a:lstStyle/>
+          <a:p>
+            <a:pPr algn="ctr"/>
+            <a:endParaRPr lang="de-AT"/>
+          </a:p>
+        </p:txBody>
+      </p:sp>
+      <p:sp>
+        <p:nvSpPr>
+          <p:cNvPr id="131" name="Rechteck 130">
+            <a:extLst>
+              <a:ext uri="{FF2B5EF4-FFF2-40B4-BE49-F238E27FC236}">
+                <a16:creationId xmlns:a16="http://schemas.microsoft.com/office/drawing/2014/main" id="{9A14A9FB-0DB1-4DFB-A318-D5F83D1D7532}"/>
+              </a:ext>
+            </a:extLst>
+          </p:cNvPr>
+          <p:cNvSpPr/>
+          <p:nvPr/>
+        </p:nvSpPr>
+        <p:spPr>
+          <a:xfrm>
+            <a:off x="9405848" y="3510739"/>
+            <a:ext cx="390698" cy="390698"/>
+          </a:xfrm>
+          <a:prstGeom prst="rect">
+            <a:avLst/>
+          </a:prstGeom>
+        </p:spPr>
+        <p:style>
+          <a:lnRef idx="2">
+            <a:schemeClr val="accent1">
+              <a:shade val="50000"/>
+            </a:schemeClr>
+          </a:lnRef>
+          <a:fillRef idx="1">
+            <a:schemeClr val="accent1"/>
+          </a:fillRef>
+          <a:effectRef idx="0">
+            <a:schemeClr val="accent1"/>
+          </a:effectRef>
+          <a:fontRef idx="minor">
+            <a:schemeClr val="lt1"/>
+          </a:fontRef>
+        </p:style>
+        <p:txBody>
+          <a:bodyPr rtlCol="0" anchor="ctr"/>
+          <a:lstStyle/>
+          <a:p>
+            <a:pPr algn="ctr"/>
+            <a:endParaRPr lang="de-AT"/>
+          </a:p>
+        </p:txBody>
+      </p:sp>
+      <p:sp>
+        <p:nvSpPr>
+          <p:cNvPr id="132" name="Rechteck 131">
+            <a:extLst>
+              <a:ext uri="{FF2B5EF4-FFF2-40B4-BE49-F238E27FC236}">
+                <a16:creationId xmlns:a16="http://schemas.microsoft.com/office/drawing/2014/main" id="{52EE4E31-42F3-420A-AF8E-7CAA4FF72517}"/>
+              </a:ext>
+            </a:extLst>
+          </p:cNvPr>
+          <p:cNvSpPr/>
+          <p:nvPr/>
+        </p:nvSpPr>
+        <p:spPr>
+          <a:xfrm>
+            <a:off x="9796546" y="3510739"/>
+            <a:ext cx="390698" cy="390698"/>
+          </a:xfrm>
+          <a:prstGeom prst="rect">
+            <a:avLst/>
+          </a:prstGeom>
+          <a:solidFill>
+            <a:schemeClr val="bg1"/>
+          </a:solidFill>
+        </p:spPr>
+        <p:style>
+          <a:lnRef idx="2">
+            <a:schemeClr val="accent1">
+              <a:shade val="50000"/>
+            </a:schemeClr>
+          </a:lnRef>
+          <a:fillRef idx="1">
+            <a:schemeClr val="accent1"/>
+          </a:fillRef>
+          <a:effectRef idx="0">
+            <a:schemeClr val="accent1"/>
+          </a:effectRef>
+          <a:fontRef idx="minor">
+            <a:schemeClr val="lt1"/>
+          </a:fontRef>
+        </p:style>
+        <p:txBody>
+          <a:bodyPr rtlCol="0" anchor="ctr"/>
+          <a:lstStyle/>
+          <a:p>
+            <a:pPr algn="ctr"/>
+            <a:endParaRPr lang="de-AT"/>
+          </a:p>
+        </p:txBody>
+      </p:sp>
+      <p:sp>
+        <p:nvSpPr>
+          <p:cNvPr id="133" name="Rechteck 132">
+            <a:extLst>
+              <a:ext uri="{FF2B5EF4-FFF2-40B4-BE49-F238E27FC236}">
+                <a16:creationId xmlns:a16="http://schemas.microsoft.com/office/drawing/2014/main" id="{E3BBD7F5-0829-49E3-8CCF-5642F0F2D3EC}"/>
+              </a:ext>
+            </a:extLst>
+          </p:cNvPr>
+          <p:cNvSpPr/>
+          <p:nvPr/>
+        </p:nvSpPr>
+        <p:spPr>
+          <a:xfrm>
+            <a:off x="7452358" y="3895896"/>
+            <a:ext cx="390698" cy="390698"/>
+          </a:xfrm>
+          <a:prstGeom prst="rect">
+            <a:avLst/>
+          </a:prstGeom>
+        </p:spPr>
+        <p:style>
+          <a:lnRef idx="2">
+            <a:schemeClr val="accent1">
+              <a:shade val="50000"/>
+            </a:schemeClr>
+          </a:lnRef>
+          <a:fillRef idx="1">
+            <a:schemeClr val="accent1"/>
+          </a:fillRef>
+          <a:effectRef idx="0">
+            <a:schemeClr val="accent1"/>
+          </a:effectRef>
+          <a:fontRef idx="minor">
+            <a:schemeClr val="lt1"/>
+          </a:fontRef>
+        </p:style>
+        <p:txBody>
+          <a:bodyPr rtlCol="0" anchor="ctr"/>
+          <a:lstStyle/>
+          <a:p>
+            <a:pPr algn="ctr"/>
+            <a:endParaRPr lang="de-AT"/>
+          </a:p>
+        </p:txBody>
+      </p:sp>
+      <p:sp>
+        <p:nvSpPr>
+          <p:cNvPr id="134" name="Rechteck 133">
+            <a:extLst>
+              <a:ext uri="{FF2B5EF4-FFF2-40B4-BE49-F238E27FC236}">
+                <a16:creationId xmlns:a16="http://schemas.microsoft.com/office/drawing/2014/main" id="{C29A5FD8-D46F-4D09-B5F1-C29443B7629B}"/>
+              </a:ext>
+            </a:extLst>
+          </p:cNvPr>
+          <p:cNvSpPr/>
+          <p:nvPr/>
+        </p:nvSpPr>
+        <p:spPr>
+          <a:xfrm>
+            <a:off x="7843056" y="3895896"/>
+            <a:ext cx="390698" cy="390698"/>
+          </a:xfrm>
+          <a:prstGeom prst="rect">
+            <a:avLst/>
+          </a:prstGeom>
+          <a:solidFill>
+            <a:schemeClr val="bg1"/>
+          </a:solidFill>
+        </p:spPr>
+        <p:style>
+          <a:lnRef idx="2">
+            <a:schemeClr val="accent1">
+              <a:shade val="50000"/>
+            </a:schemeClr>
+          </a:lnRef>
+          <a:fillRef idx="1">
+            <a:schemeClr val="accent1"/>
+          </a:fillRef>
+          <a:effectRef idx="0">
+            <a:schemeClr val="accent1"/>
+          </a:effectRef>
+          <a:fontRef idx="minor">
+            <a:schemeClr val="lt1"/>
+          </a:fontRef>
+        </p:style>
+        <p:txBody>
+          <a:bodyPr rtlCol="0" anchor="ctr"/>
+          <a:lstStyle/>
+          <a:p>
+            <a:pPr algn="ctr"/>
+            <a:endParaRPr lang="de-AT"/>
+          </a:p>
+        </p:txBody>
+      </p:sp>
+      <p:sp>
+        <p:nvSpPr>
+          <p:cNvPr id="135" name="Rechteck 134">
+            <a:extLst>
+              <a:ext uri="{FF2B5EF4-FFF2-40B4-BE49-F238E27FC236}">
+                <a16:creationId xmlns:a16="http://schemas.microsoft.com/office/drawing/2014/main" id="{7871B386-A983-4BF2-ADFD-67CA6829A407}"/>
+              </a:ext>
+            </a:extLst>
+          </p:cNvPr>
+          <p:cNvSpPr/>
+          <p:nvPr/>
+        </p:nvSpPr>
+        <p:spPr>
+          <a:xfrm>
+            <a:off x="8233754" y="3895896"/>
+            <a:ext cx="390698" cy="390698"/>
+          </a:xfrm>
+          <a:prstGeom prst="rect">
+            <a:avLst/>
+          </a:prstGeom>
+        </p:spPr>
+        <p:style>
+          <a:lnRef idx="2">
+            <a:schemeClr val="accent1">
+              <a:shade val="50000"/>
+            </a:schemeClr>
+          </a:lnRef>
+          <a:fillRef idx="1">
+            <a:schemeClr val="accent1"/>
+          </a:fillRef>
+          <a:effectRef idx="0">
+            <a:schemeClr val="accent1"/>
+          </a:effectRef>
+          <a:fontRef idx="minor">
+            <a:schemeClr val="lt1"/>
+          </a:fontRef>
+        </p:style>
+        <p:txBody>
+          <a:bodyPr rtlCol="0" anchor="ctr"/>
+          <a:lstStyle/>
+          <a:p>
+            <a:pPr algn="ctr"/>
+            <a:endParaRPr lang="de-AT"/>
+          </a:p>
+        </p:txBody>
+      </p:sp>
+      <p:sp>
+        <p:nvSpPr>
+          <p:cNvPr id="137" name="Rechteck 136">
+            <a:extLst>
+              <a:ext uri="{FF2B5EF4-FFF2-40B4-BE49-F238E27FC236}">
+                <a16:creationId xmlns:a16="http://schemas.microsoft.com/office/drawing/2014/main" id="{CCA30F13-6F4C-4BCA-836A-A44E29C03F32}"/>
+              </a:ext>
+            </a:extLst>
+          </p:cNvPr>
+          <p:cNvSpPr/>
+          <p:nvPr/>
+        </p:nvSpPr>
+        <p:spPr>
+          <a:xfrm>
+            <a:off x="9015150" y="3895896"/>
+            <a:ext cx="390698" cy="390698"/>
+          </a:xfrm>
+          <a:prstGeom prst="rect">
+            <a:avLst/>
+          </a:prstGeom>
+        </p:spPr>
+        <p:style>
+          <a:lnRef idx="2">
+            <a:schemeClr val="accent1">
+              <a:shade val="50000"/>
+            </a:schemeClr>
+          </a:lnRef>
+          <a:fillRef idx="1">
+            <a:schemeClr val="accent1"/>
+          </a:fillRef>
+          <a:effectRef idx="0">
+            <a:schemeClr val="accent1"/>
+          </a:effectRef>
+          <a:fontRef idx="minor">
+            <a:schemeClr val="lt1"/>
+          </a:fontRef>
+        </p:style>
+        <p:txBody>
+          <a:bodyPr rtlCol="0" anchor="ctr"/>
+          <a:lstStyle/>
+          <a:p>
+            <a:pPr algn="ctr"/>
+            <a:endParaRPr lang="de-AT"/>
+          </a:p>
+        </p:txBody>
+      </p:sp>
+      <p:sp>
+        <p:nvSpPr>
+          <p:cNvPr id="139" name="Rechteck 138">
+            <a:extLst>
+              <a:ext uri="{FF2B5EF4-FFF2-40B4-BE49-F238E27FC236}">
+                <a16:creationId xmlns:a16="http://schemas.microsoft.com/office/drawing/2014/main" id="{AC81081F-3D27-4E96-8F7D-EC152AA655C4}"/>
+              </a:ext>
+            </a:extLst>
+          </p:cNvPr>
+          <p:cNvSpPr/>
+          <p:nvPr/>
+        </p:nvSpPr>
+        <p:spPr>
+          <a:xfrm>
+            <a:off x="9796546" y="3895896"/>
+            <a:ext cx="390698" cy="390698"/>
+          </a:xfrm>
+          <a:prstGeom prst="rect">
+            <a:avLst/>
+          </a:prstGeom>
+        </p:spPr>
+        <p:style>
+          <a:lnRef idx="2">
+            <a:schemeClr val="accent1">
+              <a:shade val="50000"/>
+            </a:schemeClr>
+          </a:lnRef>
+          <a:fillRef idx="1">
+            <a:schemeClr val="accent1"/>
+          </a:fillRef>
+          <a:effectRef idx="0">
+            <a:schemeClr val="accent1"/>
+          </a:effectRef>
+          <a:fontRef idx="minor">
+            <a:schemeClr val="lt1"/>
+          </a:fontRef>
+        </p:style>
+        <p:txBody>
+          <a:bodyPr rtlCol="0" anchor="ctr"/>
+          <a:lstStyle/>
+          <a:p>
+            <a:pPr algn="ctr"/>
+            <a:endParaRPr lang="de-AT"/>
+          </a:p>
+        </p:txBody>
+      </p:sp>
+      <p:sp>
+        <p:nvSpPr>
+          <p:cNvPr id="140" name="Rechteck 139">
+            <a:extLst>
+              <a:ext uri="{FF2B5EF4-FFF2-40B4-BE49-F238E27FC236}">
+                <a16:creationId xmlns:a16="http://schemas.microsoft.com/office/drawing/2014/main" id="{5E9DD174-4931-437A-891C-16492DCA1418}"/>
+              </a:ext>
+            </a:extLst>
+          </p:cNvPr>
+          <p:cNvSpPr/>
+          <p:nvPr/>
+        </p:nvSpPr>
+        <p:spPr>
+          <a:xfrm>
+            <a:off x="10187244" y="3895896"/>
+            <a:ext cx="390698" cy="390698"/>
+          </a:xfrm>
+          <a:prstGeom prst="rect">
+            <a:avLst/>
+          </a:prstGeom>
+          <a:solidFill>
+            <a:schemeClr val="bg1"/>
+          </a:solidFill>
+        </p:spPr>
+        <p:style>
+          <a:lnRef idx="2">
+            <a:schemeClr val="accent1">
+              <a:shade val="50000"/>
+            </a:schemeClr>
+          </a:lnRef>
+          <a:fillRef idx="1">
+            <a:schemeClr val="accent1"/>
+          </a:fillRef>
+          <a:effectRef idx="0">
+            <a:schemeClr val="accent1"/>
+          </a:effectRef>
+          <a:fontRef idx="minor">
+            <a:schemeClr val="lt1"/>
+          </a:fontRef>
+        </p:style>
+        <p:txBody>
+          <a:bodyPr rtlCol="0" anchor="ctr"/>
+          <a:lstStyle/>
+          <a:p>
+            <a:pPr algn="ctr"/>
+            <a:endParaRPr lang="de-AT"/>
+          </a:p>
+        </p:txBody>
+      </p:sp>
+      <p:sp>
+        <p:nvSpPr>
+          <p:cNvPr id="141" name="Rechteck 140">
+            <a:extLst>
+              <a:ext uri="{FF2B5EF4-FFF2-40B4-BE49-F238E27FC236}">
+                <a16:creationId xmlns:a16="http://schemas.microsoft.com/office/drawing/2014/main" id="{277B5E16-77DB-4EB4-B821-99BC134D1E9F}"/>
+              </a:ext>
+            </a:extLst>
+          </p:cNvPr>
+          <p:cNvSpPr/>
+          <p:nvPr/>
+        </p:nvSpPr>
+        <p:spPr>
+          <a:xfrm>
+            <a:off x="10187244" y="4286594"/>
+            <a:ext cx="390698" cy="390698"/>
+          </a:xfrm>
+          <a:prstGeom prst="rect">
+            <a:avLst/>
+          </a:prstGeom>
+        </p:spPr>
+        <p:style>
+          <a:lnRef idx="2">
+            <a:schemeClr val="accent1">
+              <a:shade val="50000"/>
+            </a:schemeClr>
+          </a:lnRef>
+          <a:fillRef idx="1">
+            <a:schemeClr val="accent1"/>
+          </a:fillRef>
+          <a:effectRef idx="0">
+            <a:schemeClr val="accent1"/>
+          </a:effectRef>
+          <a:fontRef idx="minor">
+            <a:schemeClr val="lt1"/>
+          </a:fontRef>
+        </p:style>
+        <p:txBody>
+          <a:bodyPr rtlCol="0" anchor="ctr"/>
+          <a:lstStyle/>
+          <a:p>
+            <a:pPr algn="ctr"/>
+            <a:endParaRPr lang="de-AT"/>
+          </a:p>
+        </p:txBody>
+      </p:sp>
+      <p:sp>
+        <p:nvSpPr>
+          <p:cNvPr id="142" name="Rechteck 141">
+            <a:extLst>
+              <a:ext uri="{FF2B5EF4-FFF2-40B4-BE49-F238E27FC236}">
+                <a16:creationId xmlns:a16="http://schemas.microsoft.com/office/drawing/2014/main" id="{0890635C-DCA4-4C0C-B79C-C640207F8220}"/>
+              </a:ext>
+            </a:extLst>
+          </p:cNvPr>
+          <p:cNvSpPr/>
+          <p:nvPr/>
+        </p:nvSpPr>
+        <p:spPr>
+          <a:xfrm>
+            <a:off x="7452358" y="4286594"/>
+            <a:ext cx="390698" cy="390698"/>
+          </a:xfrm>
+          <a:prstGeom prst="rect">
+            <a:avLst/>
+          </a:prstGeom>
+          <a:solidFill>
+            <a:schemeClr val="bg1"/>
+          </a:solidFill>
+        </p:spPr>
+        <p:style>
+          <a:lnRef idx="2">
+            <a:schemeClr val="accent1">
+              <a:shade val="50000"/>
+            </a:schemeClr>
+          </a:lnRef>
+          <a:fillRef idx="1">
+            <a:schemeClr val="accent1"/>
+          </a:fillRef>
+          <a:effectRef idx="0">
+            <a:schemeClr val="accent1"/>
+          </a:effectRef>
+          <a:fontRef idx="minor">
+            <a:schemeClr val="lt1"/>
+          </a:fontRef>
+        </p:style>
+        <p:txBody>
+          <a:bodyPr rtlCol="0" anchor="ctr"/>
+          <a:lstStyle/>
+          <a:p>
+            <a:pPr algn="ctr"/>
+            <a:endParaRPr lang="de-AT"/>
+          </a:p>
+        </p:txBody>
+      </p:sp>
+      <p:sp>
+        <p:nvSpPr>
+          <p:cNvPr id="143" name="Rechteck 142">
+            <a:extLst>
+              <a:ext uri="{FF2B5EF4-FFF2-40B4-BE49-F238E27FC236}">
+                <a16:creationId xmlns:a16="http://schemas.microsoft.com/office/drawing/2014/main" id="{9717D3E3-DEAA-41D7-9134-90E6A79C9030}"/>
+              </a:ext>
+            </a:extLst>
+          </p:cNvPr>
+          <p:cNvSpPr/>
+          <p:nvPr/>
+        </p:nvSpPr>
+        <p:spPr>
+          <a:xfrm>
+            <a:off x="7843056" y="4286594"/>
+            <a:ext cx="390698" cy="390698"/>
+          </a:xfrm>
+          <a:prstGeom prst="rect">
+            <a:avLst/>
+          </a:prstGeom>
+        </p:spPr>
+        <p:style>
+          <a:lnRef idx="2">
+            <a:schemeClr val="accent1">
+              <a:shade val="50000"/>
+            </a:schemeClr>
+          </a:lnRef>
+          <a:fillRef idx="1">
+            <a:schemeClr val="accent1"/>
+          </a:fillRef>
+          <a:effectRef idx="0">
+            <a:schemeClr val="accent1"/>
+          </a:effectRef>
+          <a:fontRef idx="minor">
+            <a:schemeClr val="lt1"/>
+          </a:fontRef>
+        </p:style>
+        <p:txBody>
+          <a:bodyPr rtlCol="0" anchor="ctr"/>
+          <a:lstStyle/>
+          <a:p>
+            <a:pPr algn="ctr"/>
+            <a:endParaRPr lang="de-AT"/>
+          </a:p>
+        </p:txBody>
+      </p:sp>
+      <p:sp>
+        <p:nvSpPr>
+          <p:cNvPr id="144" name="Rechteck 143">
+            <a:extLst>
+              <a:ext uri="{FF2B5EF4-FFF2-40B4-BE49-F238E27FC236}">
+                <a16:creationId xmlns:a16="http://schemas.microsoft.com/office/drawing/2014/main" id="{6CB93A98-1E47-4303-9148-88202384FEF8}"/>
+              </a:ext>
+            </a:extLst>
+          </p:cNvPr>
+          <p:cNvSpPr/>
+          <p:nvPr/>
+        </p:nvSpPr>
+        <p:spPr>
+          <a:xfrm>
+            <a:off x="8233754" y="4286594"/>
+            <a:ext cx="390698" cy="390698"/>
+          </a:xfrm>
+          <a:prstGeom prst="rect">
+            <a:avLst/>
+          </a:prstGeom>
+          <a:solidFill>
+            <a:schemeClr val="bg1"/>
+          </a:solidFill>
+        </p:spPr>
+        <p:style>
+          <a:lnRef idx="2">
+            <a:schemeClr val="accent1">
+              <a:shade val="50000"/>
+            </a:schemeClr>
+          </a:lnRef>
+          <a:fillRef idx="1">
+            <a:schemeClr val="accent1"/>
+          </a:fillRef>
+          <a:effectRef idx="0">
+            <a:schemeClr val="accent1"/>
+          </a:effectRef>
+          <a:fontRef idx="minor">
+            <a:schemeClr val="lt1"/>
+          </a:fontRef>
+        </p:style>
+        <p:txBody>
+          <a:bodyPr rtlCol="0" anchor="ctr"/>
+          <a:lstStyle/>
+          <a:p>
+            <a:pPr algn="ctr"/>
+            <a:endParaRPr lang="de-AT"/>
+          </a:p>
+        </p:txBody>
+      </p:sp>
+      <p:sp>
+        <p:nvSpPr>
+          <p:cNvPr id="145" name="Rechteck 144">
+            <a:extLst>
+              <a:ext uri="{FF2B5EF4-FFF2-40B4-BE49-F238E27FC236}">
+                <a16:creationId xmlns:a16="http://schemas.microsoft.com/office/drawing/2014/main" id="{318385C0-B807-48EE-B8B1-C2BF1793A2AF}"/>
+              </a:ext>
+            </a:extLst>
+          </p:cNvPr>
+          <p:cNvSpPr/>
+          <p:nvPr/>
+        </p:nvSpPr>
+        <p:spPr>
+          <a:xfrm>
+            <a:off x="8624452" y="4286594"/>
+            <a:ext cx="390698" cy="390698"/>
+          </a:xfrm>
+          <a:prstGeom prst="rect">
+            <a:avLst/>
+          </a:prstGeom>
+        </p:spPr>
+        <p:style>
+          <a:lnRef idx="2">
+            <a:schemeClr val="accent1">
+              <a:shade val="50000"/>
+            </a:schemeClr>
+          </a:lnRef>
+          <a:fillRef idx="1">
+            <a:schemeClr val="accent1"/>
+          </a:fillRef>
+          <a:effectRef idx="0">
+            <a:schemeClr val="accent1"/>
+          </a:effectRef>
+          <a:fontRef idx="minor">
+            <a:schemeClr val="lt1"/>
+          </a:fontRef>
+        </p:style>
+        <p:txBody>
+          <a:bodyPr rtlCol="0" anchor="ctr"/>
+          <a:lstStyle/>
+          <a:p>
+            <a:pPr algn="ctr"/>
+            <a:endParaRPr lang="de-AT"/>
+          </a:p>
+        </p:txBody>
+      </p:sp>
+      <p:sp>
+        <p:nvSpPr>
+          <p:cNvPr id="146" name="Rechteck 145">
+            <a:extLst>
+              <a:ext uri="{FF2B5EF4-FFF2-40B4-BE49-F238E27FC236}">
+                <a16:creationId xmlns:a16="http://schemas.microsoft.com/office/drawing/2014/main" id="{138ED538-BD14-4636-B32F-F2CAD5DB9C4B}"/>
+              </a:ext>
+            </a:extLst>
+          </p:cNvPr>
+          <p:cNvSpPr/>
+          <p:nvPr/>
+        </p:nvSpPr>
+        <p:spPr>
+          <a:xfrm>
+            <a:off x="9015150" y="4286594"/>
+            <a:ext cx="390698" cy="390698"/>
+          </a:xfrm>
+          <a:prstGeom prst="rect">
+            <a:avLst/>
+          </a:prstGeom>
+          <a:solidFill>
+            <a:schemeClr val="bg1"/>
+          </a:solidFill>
+        </p:spPr>
+        <p:style>
+          <a:lnRef idx="2">
+            <a:schemeClr val="accent1">
+              <a:shade val="50000"/>
+            </a:schemeClr>
+          </a:lnRef>
+          <a:fillRef idx="1">
+            <a:schemeClr val="accent1"/>
+          </a:fillRef>
+          <a:effectRef idx="0">
+            <a:schemeClr val="accent1"/>
+          </a:effectRef>
+          <a:fontRef idx="minor">
+            <a:schemeClr val="lt1"/>
+          </a:fontRef>
+        </p:style>
+        <p:txBody>
+          <a:bodyPr rtlCol="0" anchor="ctr"/>
+          <a:lstStyle/>
+          <a:p>
+            <a:pPr algn="ctr"/>
+            <a:endParaRPr lang="de-AT"/>
+          </a:p>
+        </p:txBody>
+      </p:sp>
+      <p:sp>
+        <p:nvSpPr>
+          <p:cNvPr id="147" name="Rechteck 146">
+            <a:extLst>
+              <a:ext uri="{FF2B5EF4-FFF2-40B4-BE49-F238E27FC236}">
+                <a16:creationId xmlns:a16="http://schemas.microsoft.com/office/drawing/2014/main" id="{4DC4EA08-E506-45C2-9E5D-78746D8E179E}"/>
+              </a:ext>
+            </a:extLst>
+          </p:cNvPr>
+          <p:cNvSpPr/>
+          <p:nvPr/>
+        </p:nvSpPr>
+        <p:spPr>
+          <a:xfrm>
+            <a:off x="9405848" y="4286594"/>
+            <a:ext cx="390698" cy="390698"/>
+          </a:xfrm>
+          <a:prstGeom prst="rect">
+            <a:avLst/>
+          </a:prstGeom>
+        </p:spPr>
+        <p:style>
+          <a:lnRef idx="2">
+            <a:schemeClr val="accent1">
+              <a:shade val="50000"/>
+            </a:schemeClr>
+          </a:lnRef>
+          <a:fillRef idx="1">
+            <a:schemeClr val="accent1"/>
+          </a:fillRef>
+          <a:effectRef idx="0">
+            <a:schemeClr val="accent1"/>
+          </a:effectRef>
+          <a:fontRef idx="minor">
+            <a:schemeClr val="lt1"/>
+          </a:fontRef>
+        </p:style>
+        <p:txBody>
+          <a:bodyPr rtlCol="0" anchor="ctr"/>
+          <a:lstStyle/>
+          <a:p>
+            <a:pPr algn="ctr"/>
+            <a:endParaRPr lang="de-AT"/>
+          </a:p>
+        </p:txBody>
+      </p:sp>
+      <p:sp>
+        <p:nvSpPr>
+          <p:cNvPr id="148" name="Rechteck 147">
+            <a:extLst>
+              <a:ext uri="{FF2B5EF4-FFF2-40B4-BE49-F238E27FC236}">
+                <a16:creationId xmlns:a16="http://schemas.microsoft.com/office/drawing/2014/main" id="{F06827C7-69FE-4838-B946-6269ACE91F31}"/>
+              </a:ext>
+            </a:extLst>
+          </p:cNvPr>
+          <p:cNvSpPr/>
+          <p:nvPr/>
+        </p:nvSpPr>
+        <p:spPr>
+          <a:xfrm>
+            <a:off x="9796546" y="4286594"/>
+            <a:ext cx="390698" cy="390698"/>
+          </a:xfrm>
+          <a:prstGeom prst="rect">
+            <a:avLst/>
+          </a:prstGeom>
+          <a:solidFill>
+            <a:schemeClr val="bg1"/>
+          </a:solidFill>
+        </p:spPr>
+        <p:style>
+          <a:lnRef idx="2">
+            <a:schemeClr val="accent1">
+              <a:shade val="50000"/>
+            </a:schemeClr>
+          </a:lnRef>
+          <a:fillRef idx="1">
+            <a:schemeClr val="accent1"/>
+          </a:fillRef>
+          <a:effectRef idx="0">
+            <a:schemeClr val="accent1"/>
+          </a:effectRef>
+          <a:fontRef idx="minor">
+            <a:schemeClr val="lt1"/>
+          </a:fontRef>
+        </p:style>
+        <p:txBody>
+          <a:bodyPr rtlCol="0" anchor="ctr"/>
+          <a:lstStyle/>
+          <a:p>
+            <a:pPr algn="ctr"/>
+            <a:endParaRPr lang="de-AT"/>
+          </a:p>
+        </p:txBody>
+      </p:sp>
+      <p:sp>
+        <p:nvSpPr>
+          <p:cNvPr id="149" name="Rechteck 148">
+            <a:extLst>
+              <a:ext uri="{FF2B5EF4-FFF2-40B4-BE49-F238E27FC236}">
+                <a16:creationId xmlns:a16="http://schemas.microsoft.com/office/drawing/2014/main" id="{D46EBB2F-0848-4FF5-BF09-A0D06136A871}"/>
+              </a:ext>
+            </a:extLst>
+          </p:cNvPr>
+          <p:cNvSpPr/>
+          <p:nvPr/>
+        </p:nvSpPr>
+        <p:spPr>
+          <a:xfrm>
+            <a:off x="7452358" y="4677292"/>
+            <a:ext cx="390698" cy="390698"/>
+          </a:xfrm>
+          <a:prstGeom prst="rect">
+            <a:avLst/>
+          </a:prstGeom>
+        </p:spPr>
+        <p:style>
+          <a:lnRef idx="2">
+            <a:schemeClr val="accent1">
+              <a:shade val="50000"/>
+            </a:schemeClr>
+          </a:lnRef>
+          <a:fillRef idx="1">
+            <a:schemeClr val="accent1"/>
+          </a:fillRef>
+          <a:effectRef idx="0">
+            <a:schemeClr val="accent1"/>
+          </a:effectRef>
+          <a:fontRef idx="minor">
+            <a:schemeClr val="lt1"/>
+          </a:fontRef>
+        </p:style>
+        <p:txBody>
+          <a:bodyPr rtlCol="0" anchor="ctr"/>
+          <a:lstStyle/>
+          <a:p>
+            <a:pPr algn="ctr"/>
+            <a:endParaRPr lang="de-AT"/>
+          </a:p>
+        </p:txBody>
+      </p:sp>
+      <p:sp>
+        <p:nvSpPr>
+          <p:cNvPr id="150" name="Rechteck 149">
+            <a:extLst>
+              <a:ext uri="{FF2B5EF4-FFF2-40B4-BE49-F238E27FC236}">
+                <a16:creationId xmlns:a16="http://schemas.microsoft.com/office/drawing/2014/main" id="{1EDE6C87-D1D1-410D-B391-795F0C252058}"/>
+              </a:ext>
+            </a:extLst>
+          </p:cNvPr>
+          <p:cNvSpPr/>
+          <p:nvPr/>
+        </p:nvSpPr>
+        <p:spPr>
+          <a:xfrm>
+            <a:off x="7843056" y="4677292"/>
+            <a:ext cx="390698" cy="390698"/>
+          </a:xfrm>
+          <a:prstGeom prst="rect">
+            <a:avLst/>
+          </a:prstGeom>
+          <a:solidFill>
+            <a:schemeClr val="bg1"/>
+          </a:solidFill>
+        </p:spPr>
+        <p:style>
+          <a:lnRef idx="2">
+            <a:schemeClr val="accent1">
+              <a:shade val="50000"/>
+            </a:schemeClr>
+          </a:lnRef>
+          <a:fillRef idx="1">
+            <a:schemeClr val="accent1"/>
+          </a:fillRef>
+          <a:effectRef idx="0">
+            <a:schemeClr val="accent1"/>
+          </a:effectRef>
+          <a:fontRef idx="minor">
+            <a:schemeClr val="lt1"/>
+          </a:fontRef>
+        </p:style>
+        <p:txBody>
+          <a:bodyPr rtlCol="0" anchor="ctr"/>
+          <a:lstStyle/>
+          <a:p>
+            <a:pPr algn="ctr"/>
+            <a:endParaRPr lang="de-AT"/>
+          </a:p>
+        </p:txBody>
+      </p:sp>
+      <p:sp>
+        <p:nvSpPr>
+          <p:cNvPr id="151" name="Rechteck 150">
+            <a:extLst>
+              <a:ext uri="{FF2B5EF4-FFF2-40B4-BE49-F238E27FC236}">
+                <a16:creationId xmlns:a16="http://schemas.microsoft.com/office/drawing/2014/main" id="{970C6A97-89CC-461F-A8E9-43550557749E}"/>
+              </a:ext>
+            </a:extLst>
+          </p:cNvPr>
+          <p:cNvSpPr/>
+          <p:nvPr/>
+        </p:nvSpPr>
+        <p:spPr>
+          <a:xfrm>
+            <a:off x="8233754" y="4677292"/>
+            <a:ext cx="390698" cy="390698"/>
+          </a:xfrm>
+          <a:prstGeom prst="rect">
+            <a:avLst/>
+          </a:prstGeom>
+        </p:spPr>
+        <p:style>
+          <a:lnRef idx="2">
+            <a:schemeClr val="accent1">
+              <a:shade val="50000"/>
+            </a:schemeClr>
+          </a:lnRef>
+          <a:fillRef idx="1">
+            <a:schemeClr val="accent1"/>
+          </a:fillRef>
+          <a:effectRef idx="0">
+            <a:schemeClr val="accent1"/>
+          </a:effectRef>
+          <a:fontRef idx="minor">
+            <a:schemeClr val="lt1"/>
+          </a:fontRef>
+        </p:style>
+        <p:txBody>
+          <a:bodyPr rtlCol="0" anchor="ctr"/>
+          <a:lstStyle/>
+          <a:p>
+            <a:pPr algn="ctr"/>
+            <a:endParaRPr lang="de-AT"/>
+          </a:p>
+        </p:txBody>
+      </p:sp>
+      <p:sp>
+        <p:nvSpPr>
+          <p:cNvPr id="152" name="Rechteck 151">
+            <a:extLst>
+              <a:ext uri="{FF2B5EF4-FFF2-40B4-BE49-F238E27FC236}">
+                <a16:creationId xmlns:a16="http://schemas.microsoft.com/office/drawing/2014/main" id="{D4C7231E-A6F9-4F66-BC2C-090432248D55}"/>
+              </a:ext>
+            </a:extLst>
+          </p:cNvPr>
+          <p:cNvSpPr/>
+          <p:nvPr/>
+        </p:nvSpPr>
+        <p:spPr>
+          <a:xfrm>
+            <a:off x="8624452" y="4677292"/>
+            <a:ext cx="390698" cy="390698"/>
+          </a:xfrm>
+          <a:prstGeom prst="rect">
+            <a:avLst/>
+          </a:prstGeom>
+          <a:solidFill>
+            <a:schemeClr val="bg1"/>
+          </a:solidFill>
+        </p:spPr>
+        <p:style>
+          <a:lnRef idx="2">
+            <a:schemeClr val="accent1">
+              <a:shade val="50000"/>
+            </a:schemeClr>
+          </a:lnRef>
+          <a:fillRef idx="1">
+            <a:schemeClr val="accent1"/>
+          </a:fillRef>
+          <a:effectRef idx="0">
+            <a:schemeClr val="accent1"/>
+          </a:effectRef>
+          <a:fontRef idx="minor">
+            <a:schemeClr val="lt1"/>
+          </a:fontRef>
+        </p:style>
+        <p:txBody>
+          <a:bodyPr rtlCol="0" anchor="ctr"/>
+          <a:lstStyle/>
+          <a:p>
+            <a:pPr algn="ctr"/>
+            <a:endParaRPr lang="de-AT"/>
+          </a:p>
+        </p:txBody>
+      </p:sp>
+      <p:sp>
+        <p:nvSpPr>
+          <p:cNvPr id="153" name="Rechteck 152">
+            <a:extLst>
+              <a:ext uri="{FF2B5EF4-FFF2-40B4-BE49-F238E27FC236}">
+                <a16:creationId xmlns:a16="http://schemas.microsoft.com/office/drawing/2014/main" id="{98487DC1-A8A0-491D-8B9F-D1BF70308716}"/>
+              </a:ext>
+            </a:extLst>
+          </p:cNvPr>
+          <p:cNvSpPr/>
+          <p:nvPr/>
+        </p:nvSpPr>
+        <p:spPr>
+          <a:xfrm>
+            <a:off x="9015150" y="4677292"/>
+            <a:ext cx="390698" cy="390698"/>
+          </a:xfrm>
+          <a:prstGeom prst="rect">
+            <a:avLst/>
+          </a:prstGeom>
+        </p:spPr>
+        <p:style>
+          <a:lnRef idx="2">
+            <a:schemeClr val="accent1">
+              <a:shade val="50000"/>
+            </a:schemeClr>
+          </a:lnRef>
+          <a:fillRef idx="1">
+            <a:schemeClr val="accent1"/>
+          </a:fillRef>
+          <a:effectRef idx="0">
+            <a:schemeClr val="accent1"/>
+          </a:effectRef>
+          <a:fontRef idx="minor">
+            <a:schemeClr val="lt1"/>
+          </a:fontRef>
+        </p:style>
+        <p:txBody>
+          <a:bodyPr rtlCol="0" anchor="ctr"/>
+          <a:lstStyle/>
+          <a:p>
+            <a:pPr algn="ctr"/>
+            <a:endParaRPr lang="de-AT"/>
+          </a:p>
+        </p:txBody>
+      </p:sp>
+      <p:sp>
+        <p:nvSpPr>
+          <p:cNvPr id="154" name="Rechteck 153">
+            <a:extLst>
+              <a:ext uri="{FF2B5EF4-FFF2-40B4-BE49-F238E27FC236}">
+                <a16:creationId xmlns:a16="http://schemas.microsoft.com/office/drawing/2014/main" id="{AF695516-CF53-4CEF-AB19-58B943F392A3}"/>
+              </a:ext>
+            </a:extLst>
+          </p:cNvPr>
+          <p:cNvSpPr/>
+          <p:nvPr/>
+        </p:nvSpPr>
+        <p:spPr>
+          <a:xfrm>
+            <a:off x="9405848" y="4677292"/>
+            <a:ext cx="390698" cy="390698"/>
+          </a:xfrm>
+          <a:prstGeom prst="rect">
+            <a:avLst/>
+          </a:prstGeom>
+          <a:solidFill>
+            <a:schemeClr val="bg1"/>
+          </a:solidFill>
+        </p:spPr>
+        <p:style>
+          <a:lnRef idx="2">
+            <a:schemeClr val="accent1">
+              <a:shade val="50000"/>
+            </a:schemeClr>
+          </a:lnRef>
+          <a:fillRef idx="1">
+            <a:schemeClr val="accent1"/>
+          </a:fillRef>
+          <a:effectRef idx="0">
+            <a:schemeClr val="accent1"/>
+          </a:effectRef>
+          <a:fontRef idx="minor">
+            <a:schemeClr val="lt1"/>
+          </a:fontRef>
+        </p:style>
+        <p:txBody>
+          <a:bodyPr rtlCol="0" anchor="ctr"/>
+          <a:lstStyle/>
+          <a:p>
+            <a:pPr algn="ctr"/>
+            <a:endParaRPr lang="de-AT"/>
+          </a:p>
+        </p:txBody>
+      </p:sp>
+      <p:sp>
+        <p:nvSpPr>
+          <p:cNvPr id="155" name="Rechteck 154">
+            <a:extLst>
+              <a:ext uri="{FF2B5EF4-FFF2-40B4-BE49-F238E27FC236}">
+                <a16:creationId xmlns:a16="http://schemas.microsoft.com/office/drawing/2014/main" id="{5E31DC66-F6CC-4B92-9FD5-184389025E8B}"/>
+              </a:ext>
+            </a:extLst>
+          </p:cNvPr>
+          <p:cNvSpPr/>
+          <p:nvPr/>
+        </p:nvSpPr>
+        <p:spPr>
+          <a:xfrm>
+            <a:off x="9796546" y="4677292"/>
+            <a:ext cx="390698" cy="390698"/>
+          </a:xfrm>
+          <a:prstGeom prst="rect">
+            <a:avLst/>
+          </a:prstGeom>
+        </p:spPr>
+        <p:style>
+          <a:lnRef idx="2">
+            <a:schemeClr val="accent1">
+              <a:shade val="50000"/>
+            </a:schemeClr>
+          </a:lnRef>
+          <a:fillRef idx="1">
+            <a:schemeClr val="accent1"/>
+          </a:fillRef>
+          <a:effectRef idx="0">
+            <a:schemeClr val="accent1"/>
+          </a:effectRef>
+          <a:fontRef idx="minor">
+            <a:schemeClr val="lt1"/>
+          </a:fontRef>
+        </p:style>
+        <p:txBody>
+          <a:bodyPr rtlCol="0" anchor="ctr"/>
+          <a:lstStyle/>
+          <a:p>
+            <a:pPr algn="ctr"/>
+            <a:endParaRPr lang="de-AT"/>
+          </a:p>
+        </p:txBody>
+      </p:sp>
+      <p:sp>
+        <p:nvSpPr>
+          <p:cNvPr id="156" name="Rechteck 155">
+            <a:extLst>
+              <a:ext uri="{FF2B5EF4-FFF2-40B4-BE49-F238E27FC236}">
+                <a16:creationId xmlns:a16="http://schemas.microsoft.com/office/drawing/2014/main" id="{6E2996F1-BB90-44E8-8209-FDE2CEA3A675}"/>
+              </a:ext>
+            </a:extLst>
+          </p:cNvPr>
+          <p:cNvSpPr/>
+          <p:nvPr/>
+        </p:nvSpPr>
+        <p:spPr>
+          <a:xfrm>
+            <a:off x="10187244" y="4677292"/>
+            <a:ext cx="390698" cy="390698"/>
+          </a:xfrm>
+          <a:prstGeom prst="rect">
+            <a:avLst/>
+          </a:prstGeom>
+          <a:solidFill>
+            <a:schemeClr val="bg1"/>
+          </a:solidFill>
+        </p:spPr>
+        <p:style>
+          <a:lnRef idx="2">
+            <a:schemeClr val="accent1">
+              <a:shade val="50000"/>
+            </a:schemeClr>
+          </a:lnRef>
+          <a:fillRef idx="1">
+            <a:schemeClr val="accent1"/>
+          </a:fillRef>
+          <a:effectRef idx="0">
+            <a:schemeClr val="accent1"/>
+          </a:effectRef>
+          <a:fontRef idx="minor">
+            <a:schemeClr val="lt1"/>
+          </a:fontRef>
+        </p:style>
+        <p:txBody>
+          <a:bodyPr rtlCol="0" anchor="ctr"/>
+          <a:lstStyle/>
+          <a:p>
+            <a:pPr algn="ctr"/>
+            <a:endParaRPr lang="de-AT"/>
+          </a:p>
+        </p:txBody>
+      </p:sp>
+      <p:sp>
+        <p:nvSpPr>
+          <p:cNvPr id="157" name="Rechteck 156">
+            <a:extLst>
+              <a:ext uri="{FF2B5EF4-FFF2-40B4-BE49-F238E27FC236}">
+                <a16:creationId xmlns:a16="http://schemas.microsoft.com/office/drawing/2014/main" id="{3C21A09E-51CE-4EB8-A4F8-F55CF48310A2}"/>
+              </a:ext>
+            </a:extLst>
+          </p:cNvPr>
+          <p:cNvSpPr/>
+          <p:nvPr/>
+        </p:nvSpPr>
+        <p:spPr>
+          <a:xfrm>
+            <a:off x="10187244" y="5067990"/>
+            <a:ext cx="390698" cy="390698"/>
+          </a:xfrm>
+          <a:prstGeom prst="rect">
+            <a:avLst/>
+          </a:prstGeom>
+        </p:spPr>
+        <p:style>
+          <a:lnRef idx="2">
+            <a:schemeClr val="accent1">
+              <a:shade val="50000"/>
+            </a:schemeClr>
+          </a:lnRef>
+          <a:fillRef idx="1">
+            <a:schemeClr val="accent1"/>
+          </a:fillRef>
+          <a:effectRef idx="0">
+            <a:schemeClr val="accent1"/>
+          </a:effectRef>
+          <a:fontRef idx="minor">
+            <a:schemeClr val="lt1"/>
+          </a:fontRef>
+        </p:style>
+        <p:txBody>
+          <a:bodyPr rtlCol="0" anchor="ctr"/>
+          <a:lstStyle/>
+          <a:p>
+            <a:pPr algn="ctr"/>
+            <a:endParaRPr lang="de-AT"/>
+          </a:p>
+        </p:txBody>
+      </p:sp>
+      <p:sp>
+        <p:nvSpPr>
+          <p:cNvPr id="158" name="Rechteck 157">
+            <a:extLst>
+              <a:ext uri="{FF2B5EF4-FFF2-40B4-BE49-F238E27FC236}">
+                <a16:creationId xmlns:a16="http://schemas.microsoft.com/office/drawing/2014/main" id="{F9178DC0-923D-4D14-B798-3DF87F6EA817}"/>
+              </a:ext>
+            </a:extLst>
+          </p:cNvPr>
+          <p:cNvSpPr/>
+          <p:nvPr/>
+        </p:nvSpPr>
+        <p:spPr>
+          <a:xfrm>
+            <a:off x="7452358" y="5067990"/>
+            <a:ext cx="390698" cy="390698"/>
+          </a:xfrm>
+          <a:prstGeom prst="rect">
+            <a:avLst/>
+          </a:prstGeom>
+          <a:solidFill>
+            <a:schemeClr val="bg1"/>
+          </a:solidFill>
+        </p:spPr>
+        <p:style>
+          <a:lnRef idx="2">
+            <a:schemeClr val="accent1">
+              <a:shade val="50000"/>
+            </a:schemeClr>
+          </a:lnRef>
+          <a:fillRef idx="1">
+            <a:schemeClr val="accent1"/>
+          </a:fillRef>
+          <a:effectRef idx="0">
+            <a:schemeClr val="accent1"/>
+          </a:effectRef>
+          <a:fontRef idx="minor">
+            <a:schemeClr val="lt1"/>
+          </a:fontRef>
+        </p:style>
+        <p:txBody>
+          <a:bodyPr rtlCol="0" anchor="ctr"/>
+          <a:lstStyle/>
+          <a:p>
+            <a:pPr algn="ctr"/>
+            <a:endParaRPr lang="de-AT"/>
+          </a:p>
+        </p:txBody>
+      </p:sp>
+      <p:sp>
+        <p:nvSpPr>
+          <p:cNvPr id="159" name="Rechteck 158">
+            <a:extLst>
+              <a:ext uri="{FF2B5EF4-FFF2-40B4-BE49-F238E27FC236}">
+                <a16:creationId xmlns:a16="http://schemas.microsoft.com/office/drawing/2014/main" id="{CC417319-0BB4-4124-B75A-1CBDE893B04F}"/>
+              </a:ext>
+            </a:extLst>
+          </p:cNvPr>
+          <p:cNvSpPr/>
+          <p:nvPr/>
+        </p:nvSpPr>
+        <p:spPr>
+          <a:xfrm>
+            <a:off x="7843056" y="5067990"/>
+            <a:ext cx="390698" cy="390698"/>
+          </a:xfrm>
+          <a:prstGeom prst="rect">
+            <a:avLst/>
+          </a:prstGeom>
+        </p:spPr>
+        <p:style>
+          <a:lnRef idx="2">
+            <a:schemeClr val="accent1">
+              <a:shade val="50000"/>
+            </a:schemeClr>
+          </a:lnRef>
+          <a:fillRef idx="1">
+            <a:schemeClr val="accent1"/>
+          </a:fillRef>
+          <a:effectRef idx="0">
+            <a:schemeClr val="accent1"/>
+          </a:effectRef>
+          <a:fontRef idx="minor">
+            <a:schemeClr val="lt1"/>
+          </a:fontRef>
+        </p:style>
+        <p:txBody>
+          <a:bodyPr rtlCol="0" anchor="ctr"/>
+          <a:lstStyle/>
+          <a:p>
+            <a:pPr algn="ctr"/>
+            <a:endParaRPr lang="de-AT"/>
+          </a:p>
+        </p:txBody>
+      </p:sp>
+      <p:sp>
+        <p:nvSpPr>
+          <p:cNvPr id="160" name="Rechteck 159">
+            <a:extLst>
+              <a:ext uri="{FF2B5EF4-FFF2-40B4-BE49-F238E27FC236}">
+                <a16:creationId xmlns:a16="http://schemas.microsoft.com/office/drawing/2014/main" id="{01E402EE-2475-44E5-8AE9-9AECDCE53455}"/>
+              </a:ext>
+            </a:extLst>
+          </p:cNvPr>
+          <p:cNvSpPr/>
+          <p:nvPr/>
+        </p:nvSpPr>
+        <p:spPr>
+          <a:xfrm>
+            <a:off x="8233754" y="5067990"/>
+            <a:ext cx="390698" cy="390698"/>
+          </a:xfrm>
+          <a:prstGeom prst="rect">
+            <a:avLst/>
+          </a:prstGeom>
+          <a:solidFill>
+            <a:schemeClr val="bg1"/>
+          </a:solidFill>
+        </p:spPr>
+        <p:style>
+          <a:lnRef idx="2">
+            <a:schemeClr val="accent1">
+              <a:shade val="50000"/>
+            </a:schemeClr>
+          </a:lnRef>
+          <a:fillRef idx="1">
+            <a:schemeClr val="accent1"/>
+          </a:fillRef>
+          <a:effectRef idx="0">
+            <a:schemeClr val="accent1"/>
+          </a:effectRef>
+          <a:fontRef idx="minor">
+            <a:schemeClr val="lt1"/>
+          </a:fontRef>
+        </p:style>
+        <p:txBody>
+          <a:bodyPr rtlCol="0" anchor="ctr"/>
+          <a:lstStyle/>
+          <a:p>
+            <a:pPr algn="ctr"/>
+            <a:endParaRPr lang="de-AT"/>
+          </a:p>
+        </p:txBody>
+      </p:sp>
+      <p:sp>
+        <p:nvSpPr>
+          <p:cNvPr id="161" name="Rechteck 160">
+            <a:extLst>
+              <a:ext uri="{FF2B5EF4-FFF2-40B4-BE49-F238E27FC236}">
+                <a16:creationId xmlns:a16="http://schemas.microsoft.com/office/drawing/2014/main" id="{6022B8E6-A944-45FE-B0F7-85C953FF3F1D}"/>
+              </a:ext>
+            </a:extLst>
+          </p:cNvPr>
+          <p:cNvSpPr/>
+          <p:nvPr/>
+        </p:nvSpPr>
+        <p:spPr>
+          <a:xfrm>
+            <a:off x="8624452" y="5067990"/>
+            <a:ext cx="390698" cy="390698"/>
+          </a:xfrm>
+          <a:prstGeom prst="rect">
+            <a:avLst/>
+          </a:prstGeom>
+        </p:spPr>
+        <p:style>
+          <a:lnRef idx="2">
+            <a:schemeClr val="accent1">
+              <a:shade val="50000"/>
+            </a:schemeClr>
+          </a:lnRef>
+          <a:fillRef idx="1">
+            <a:schemeClr val="accent1"/>
+          </a:fillRef>
+          <a:effectRef idx="0">
+            <a:schemeClr val="accent1"/>
+          </a:effectRef>
+          <a:fontRef idx="minor">
+            <a:schemeClr val="lt1"/>
+          </a:fontRef>
+        </p:style>
+        <p:txBody>
+          <a:bodyPr rtlCol="0" anchor="ctr"/>
+          <a:lstStyle/>
+          <a:p>
+            <a:pPr algn="ctr"/>
+            <a:endParaRPr lang="de-AT"/>
+          </a:p>
+        </p:txBody>
+      </p:sp>
+      <p:sp>
+        <p:nvSpPr>
+          <p:cNvPr id="162" name="Rechteck 161">
+            <a:extLst>
+              <a:ext uri="{FF2B5EF4-FFF2-40B4-BE49-F238E27FC236}">
+                <a16:creationId xmlns:a16="http://schemas.microsoft.com/office/drawing/2014/main" id="{F7B9D7E3-4A6C-43EB-952C-2E52DC77FAB4}"/>
+              </a:ext>
+            </a:extLst>
+          </p:cNvPr>
+          <p:cNvSpPr/>
+          <p:nvPr/>
+        </p:nvSpPr>
+        <p:spPr>
+          <a:xfrm>
+            <a:off x="9015150" y="5067990"/>
+            <a:ext cx="390698" cy="390698"/>
+          </a:xfrm>
+          <a:prstGeom prst="rect">
+            <a:avLst/>
+          </a:prstGeom>
+          <a:solidFill>
+            <a:schemeClr val="bg1"/>
+          </a:solidFill>
+        </p:spPr>
+        <p:style>
+          <a:lnRef idx="2">
+            <a:schemeClr val="accent1">
+              <a:shade val="50000"/>
+            </a:schemeClr>
+          </a:lnRef>
+          <a:fillRef idx="1">
+            <a:schemeClr val="accent1"/>
+          </a:fillRef>
+          <a:effectRef idx="0">
+            <a:schemeClr val="accent1"/>
+          </a:effectRef>
+          <a:fontRef idx="minor">
+            <a:schemeClr val="lt1"/>
+          </a:fontRef>
+        </p:style>
+        <p:txBody>
+          <a:bodyPr rtlCol="0" anchor="ctr"/>
+          <a:lstStyle/>
+          <a:p>
+            <a:pPr algn="ctr"/>
+            <a:endParaRPr lang="de-AT"/>
+          </a:p>
+        </p:txBody>
+      </p:sp>
+      <p:sp>
+        <p:nvSpPr>
+          <p:cNvPr id="163" name="Rechteck 162">
+            <a:extLst>
+              <a:ext uri="{FF2B5EF4-FFF2-40B4-BE49-F238E27FC236}">
+                <a16:creationId xmlns:a16="http://schemas.microsoft.com/office/drawing/2014/main" id="{CFBCA102-DF47-496E-B6F0-ACB2179DDA86}"/>
+              </a:ext>
+            </a:extLst>
+          </p:cNvPr>
+          <p:cNvSpPr/>
+          <p:nvPr/>
+        </p:nvSpPr>
+        <p:spPr>
+          <a:xfrm>
+            <a:off x="9405848" y="5067990"/>
+            <a:ext cx="390698" cy="390698"/>
+          </a:xfrm>
+          <a:prstGeom prst="rect">
+            <a:avLst/>
+          </a:prstGeom>
+        </p:spPr>
+        <p:style>
+          <a:lnRef idx="2">
+            <a:schemeClr val="accent1">
+              <a:shade val="50000"/>
+            </a:schemeClr>
+          </a:lnRef>
+          <a:fillRef idx="1">
+            <a:schemeClr val="accent1"/>
+          </a:fillRef>
+          <a:effectRef idx="0">
+            <a:schemeClr val="accent1"/>
+          </a:effectRef>
+          <a:fontRef idx="minor">
+            <a:schemeClr val="lt1"/>
+          </a:fontRef>
+        </p:style>
+        <p:txBody>
+          <a:bodyPr rtlCol="0" anchor="ctr"/>
+          <a:lstStyle/>
+          <a:p>
+            <a:pPr algn="ctr"/>
+            <a:endParaRPr lang="de-AT"/>
+          </a:p>
+        </p:txBody>
+      </p:sp>
+      <p:sp>
+        <p:nvSpPr>
+          <p:cNvPr id="164" name="Rechteck 163">
+            <a:extLst>
+              <a:ext uri="{FF2B5EF4-FFF2-40B4-BE49-F238E27FC236}">
+                <a16:creationId xmlns:a16="http://schemas.microsoft.com/office/drawing/2014/main" id="{9D32253B-9A65-4852-86F5-216B821BCF8D}"/>
+              </a:ext>
+            </a:extLst>
+          </p:cNvPr>
+          <p:cNvSpPr/>
+          <p:nvPr/>
+        </p:nvSpPr>
+        <p:spPr>
+          <a:xfrm>
+            <a:off x="9796546" y="5067990"/>
+            <a:ext cx="390698" cy="390698"/>
+          </a:xfrm>
+          <a:prstGeom prst="rect">
+            <a:avLst/>
+          </a:prstGeom>
+          <a:solidFill>
+            <a:schemeClr val="bg1"/>
+          </a:solidFill>
+        </p:spPr>
+        <p:style>
+          <a:lnRef idx="2">
+            <a:schemeClr val="accent1">
+              <a:shade val="50000"/>
+            </a:schemeClr>
+          </a:lnRef>
+          <a:fillRef idx="1">
+            <a:schemeClr val="accent1"/>
+          </a:fillRef>
+          <a:effectRef idx="0">
+            <a:schemeClr val="accent1"/>
+          </a:effectRef>
+          <a:fontRef idx="minor">
+            <a:schemeClr val="lt1"/>
+          </a:fontRef>
+        </p:style>
+        <p:txBody>
+          <a:bodyPr rtlCol="0" anchor="ctr"/>
+          <a:lstStyle/>
+          <a:p>
+            <a:pPr algn="ctr"/>
+            <a:endParaRPr lang="de-AT"/>
+          </a:p>
+        </p:txBody>
+      </p:sp>
+      <p:sp>
+        <p:nvSpPr>
+          <p:cNvPr id="165" name="Rechteck 164">
+            <a:extLst>
+              <a:ext uri="{FF2B5EF4-FFF2-40B4-BE49-F238E27FC236}">
+                <a16:creationId xmlns:a16="http://schemas.microsoft.com/office/drawing/2014/main" id="{C145C5D7-5AF0-4D84-B39D-ED06A2B8B838}"/>
+              </a:ext>
+            </a:extLst>
+          </p:cNvPr>
+          <p:cNvSpPr/>
+          <p:nvPr/>
+        </p:nvSpPr>
+        <p:spPr>
+          <a:xfrm>
+            <a:off x="7061660" y="4677292"/>
+            <a:ext cx="390698" cy="390698"/>
+          </a:xfrm>
+          <a:prstGeom prst="rect">
+            <a:avLst/>
+          </a:prstGeom>
+          <a:solidFill>
+            <a:schemeClr val="bg1"/>
+          </a:solidFill>
+        </p:spPr>
+        <p:style>
+          <a:lnRef idx="2">
+            <a:schemeClr val="accent1">
+              <a:shade val="50000"/>
+            </a:schemeClr>
+          </a:lnRef>
+          <a:fillRef idx="1">
+            <a:schemeClr val="accent1"/>
+          </a:fillRef>
+          <a:effectRef idx="0">
+            <a:schemeClr val="accent1"/>
+          </a:effectRef>
+          <a:fontRef idx="minor">
+            <a:schemeClr val="lt1"/>
+          </a:fontRef>
+        </p:style>
+        <p:txBody>
+          <a:bodyPr rtlCol="0" anchor="ctr"/>
+          <a:lstStyle/>
+          <a:p>
+            <a:pPr algn="ctr"/>
+            <a:endParaRPr lang="de-AT"/>
+          </a:p>
+        </p:txBody>
+      </p:sp>
+      <p:sp>
+        <p:nvSpPr>
+          <p:cNvPr id="166" name="Rechteck 165">
+            <a:extLst>
+              <a:ext uri="{FF2B5EF4-FFF2-40B4-BE49-F238E27FC236}">
+                <a16:creationId xmlns:a16="http://schemas.microsoft.com/office/drawing/2014/main" id="{A6A0925C-6834-48FF-82BA-1DE601CA2203}"/>
+              </a:ext>
+            </a:extLst>
+          </p:cNvPr>
+          <p:cNvSpPr/>
+          <p:nvPr/>
+        </p:nvSpPr>
+        <p:spPr>
+          <a:xfrm>
+            <a:off x="7061660" y="3890352"/>
+            <a:ext cx="390698" cy="390698"/>
+          </a:xfrm>
+          <a:prstGeom prst="rect">
+            <a:avLst/>
+          </a:prstGeom>
+          <a:solidFill>
+            <a:schemeClr val="bg1"/>
+          </a:solidFill>
+        </p:spPr>
+        <p:style>
+          <a:lnRef idx="2">
+            <a:schemeClr val="accent1">
+              <a:shade val="50000"/>
+            </a:schemeClr>
+          </a:lnRef>
+          <a:fillRef idx="1">
+            <a:schemeClr val="accent1"/>
+          </a:fillRef>
+          <a:effectRef idx="0">
+            <a:schemeClr val="accent1"/>
+          </a:effectRef>
+          <a:fontRef idx="minor">
+            <a:schemeClr val="lt1"/>
+          </a:fontRef>
+        </p:style>
+        <p:txBody>
+          <a:bodyPr rtlCol="0" anchor="ctr"/>
+          <a:lstStyle/>
+          <a:p>
+            <a:pPr algn="ctr"/>
+            <a:endParaRPr lang="de-AT"/>
+          </a:p>
+        </p:txBody>
+      </p:sp>
+      <p:sp>
+        <p:nvSpPr>
+          <p:cNvPr id="167" name="Rechteck 166">
+            <a:extLst>
+              <a:ext uri="{FF2B5EF4-FFF2-40B4-BE49-F238E27FC236}">
+                <a16:creationId xmlns:a16="http://schemas.microsoft.com/office/drawing/2014/main" id="{452009FF-4FA5-4F6A-983E-273D8B3F5A35}"/>
+              </a:ext>
+            </a:extLst>
+          </p:cNvPr>
+          <p:cNvSpPr/>
+          <p:nvPr/>
+        </p:nvSpPr>
+        <p:spPr>
+          <a:xfrm>
+            <a:off x="7061660" y="3117269"/>
+            <a:ext cx="390698" cy="390698"/>
+          </a:xfrm>
+          <a:prstGeom prst="rect">
+            <a:avLst/>
+          </a:prstGeom>
+          <a:solidFill>
+            <a:schemeClr val="bg1"/>
+          </a:solidFill>
+        </p:spPr>
+        <p:style>
+          <a:lnRef idx="2">
+            <a:schemeClr val="accent1">
+              <a:shade val="50000"/>
+            </a:schemeClr>
+          </a:lnRef>
+          <a:fillRef idx="1">
+            <a:schemeClr val="accent1"/>
+          </a:fillRef>
+          <a:effectRef idx="0">
+            <a:schemeClr val="accent1"/>
+          </a:effectRef>
+          <a:fontRef idx="minor">
+            <a:schemeClr val="lt1"/>
+          </a:fontRef>
+        </p:style>
+        <p:txBody>
+          <a:bodyPr rtlCol="0" anchor="ctr"/>
+          <a:lstStyle/>
+          <a:p>
+            <a:pPr algn="ctr"/>
+            <a:endParaRPr lang="de-AT"/>
+          </a:p>
+        </p:txBody>
+      </p:sp>
+      <p:sp>
+        <p:nvSpPr>
+          <p:cNvPr id="168" name="Rechteck 167">
+            <a:extLst>
+              <a:ext uri="{FF2B5EF4-FFF2-40B4-BE49-F238E27FC236}">
+                <a16:creationId xmlns:a16="http://schemas.microsoft.com/office/drawing/2014/main" id="{0D31EB24-E34C-4A01-98CE-3476B2518067}"/>
+              </a:ext>
+            </a:extLst>
+          </p:cNvPr>
+          <p:cNvSpPr/>
+          <p:nvPr/>
+        </p:nvSpPr>
+        <p:spPr>
+          <a:xfrm>
+            <a:off x="10187244" y="1945175"/>
+            <a:ext cx="390698" cy="390698"/>
+          </a:xfrm>
+          <a:prstGeom prst="rect">
+            <a:avLst/>
+          </a:prstGeom>
+        </p:spPr>
+        <p:style>
+          <a:lnRef idx="2">
+            <a:schemeClr val="accent1">
+              <a:shade val="50000"/>
+            </a:schemeClr>
+          </a:lnRef>
+          <a:fillRef idx="1">
+            <a:schemeClr val="accent1"/>
+          </a:fillRef>
+          <a:effectRef idx="0">
+            <a:schemeClr val="accent1"/>
+          </a:effectRef>
+          <a:fontRef idx="minor">
+            <a:schemeClr val="lt1"/>
+          </a:fontRef>
+        </p:style>
+        <p:txBody>
+          <a:bodyPr rtlCol="0" anchor="ctr"/>
+          <a:lstStyle/>
+          <a:p>
+            <a:pPr algn="ctr"/>
+            <a:endParaRPr lang="de-AT"/>
+          </a:p>
+        </p:txBody>
+      </p:sp>
+      <p:sp>
+        <p:nvSpPr>
+          <p:cNvPr id="169" name="Rechteck 168">
+            <a:extLst>
+              <a:ext uri="{FF2B5EF4-FFF2-40B4-BE49-F238E27FC236}">
+                <a16:creationId xmlns:a16="http://schemas.microsoft.com/office/drawing/2014/main" id="{B11D7DCA-2ACC-4F9D-B9E1-700D4D808711}"/>
+              </a:ext>
+            </a:extLst>
+          </p:cNvPr>
+          <p:cNvSpPr/>
+          <p:nvPr/>
+        </p:nvSpPr>
+        <p:spPr>
+          <a:xfrm>
+            <a:off x="7452358" y="1945175"/>
+            <a:ext cx="390698" cy="390698"/>
+          </a:xfrm>
+          <a:prstGeom prst="rect">
+            <a:avLst/>
+          </a:prstGeom>
+          <a:solidFill>
+            <a:schemeClr val="bg1"/>
+          </a:solidFill>
+        </p:spPr>
+        <p:style>
+          <a:lnRef idx="2">
+            <a:schemeClr val="accent1">
+              <a:shade val="50000"/>
+            </a:schemeClr>
+          </a:lnRef>
+          <a:fillRef idx="1">
+            <a:schemeClr val="accent1"/>
+          </a:fillRef>
+          <a:effectRef idx="0">
+            <a:schemeClr val="accent1"/>
+          </a:effectRef>
+          <a:fontRef idx="minor">
+            <a:schemeClr val="lt1"/>
+          </a:fontRef>
+        </p:style>
+        <p:txBody>
+          <a:bodyPr rtlCol="0" anchor="ctr"/>
+          <a:lstStyle/>
+          <a:p>
+            <a:pPr algn="ctr"/>
+            <a:endParaRPr lang="de-AT"/>
+          </a:p>
+        </p:txBody>
+      </p:sp>
+      <p:sp>
+        <p:nvSpPr>
+          <p:cNvPr id="170" name="Rechteck 169">
+            <a:extLst>
+              <a:ext uri="{FF2B5EF4-FFF2-40B4-BE49-F238E27FC236}">
+                <a16:creationId xmlns:a16="http://schemas.microsoft.com/office/drawing/2014/main" id="{1AF1D08F-C6CB-4598-847E-23003A033332}"/>
+              </a:ext>
+            </a:extLst>
+          </p:cNvPr>
+          <p:cNvSpPr/>
+          <p:nvPr/>
+        </p:nvSpPr>
+        <p:spPr>
+          <a:xfrm>
+            <a:off x="7843056" y="1945175"/>
+            <a:ext cx="390698" cy="390698"/>
+          </a:xfrm>
+          <a:prstGeom prst="rect">
+            <a:avLst/>
+          </a:prstGeom>
+        </p:spPr>
+        <p:style>
+          <a:lnRef idx="2">
+            <a:schemeClr val="accent1">
+              <a:shade val="50000"/>
+            </a:schemeClr>
+          </a:lnRef>
+          <a:fillRef idx="1">
+            <a:schemeClr val="accent1"/>
+          </a:fillRef>
+          <a:effectRef idx="0">
+            <a:schemeClr val="accent1"/>
+          </a:effectRef>
+          <a:fontRef idx="minor">
+            <a:schemeClr val="lt1"/>
+          </a:fontRef>
+        </p:style>
+        <p:txBody>
+          <a:bodyPr rtlCol="0" anchor="ctr"/>
+          <a:lstStyle/>
+          <a:p>
+            <a:pPr algn="ctr"/>
+            <a:endParaRPr lang="de-AT"/>
+          </a:p>
+        </p:txBody>
+      </p:sp>
+      <p:sp>
+        <p:nvSpPr>
+          <p:cNvPr id="171" name="Rechteck 170">
+            <a:extLst>
+              <a:ext uri="{FF2B5EF4-FFF2-40B4-BE49-F238E27FC236}">
+                <a16:creationId xmlns:a16="http://schemas.microsoft.com/office/drawing/2014/main" id="{4CC7068B-A2BA-4895-939B-AD2B9814D8F4}"/>
+              </a:ext>
+            </a:extLst>
+          </p:cNvPr>
+          <p:cNvSpPr/>
+          <p:nvPr/>
+        </p:nvSpPr>
+        <p:spPr>
+          <a:xfrm>
+            <a:off x="8233754" y="1945175"/>
+            <a:ext cx="390698" cy="390698"/>
+          </a:xfrm>
+          <a:prstGeom prst="rect">
+            <a:avLst/>
+          </a:prstGeom>
+          <a:solidFill>
+            <a:schemeClr val="bg1"/>
+          </a:solidFill>
+        </p:spPr>
+        <p:style>
+          <a:lnRef idx="2">
+            <a:schemeClr val="accent1">
+              <a:shade val="50000"/>
+            </a:schemeClr>
+          </a:lnRef>
+          <a:fillRef idx="1">
+            <a:schemeClr val="accent1"/>
+          </a:fillRef>
+          <a:effectRef idx="0">
+            <a:schemeClr val="accent1"/>
+          </a:effectRef>
+          <a:fontRef idx="minor">
+            <a:schemeClr val="lt1"/>
+          </a:fontRef>
+        </p:style>
+        <p:txBody>
+          <a:bodyPr rtlCol="0" anchor="ctr"/>
+          <a:lstStyle/>
+          <a:p>
+            <a:pPr algn="ctr"/>
+            <a:endParaRPr lang="de-AT"/>
+          </a:p>
+        </p:txBody>
+      </p:sp>
+      <p:sp>
+        <p:nvSpPr>
+          <p:cNvPr id="172" name="Rechteck 171">
+            <a:extLst>
+              <a:ext uri="{FF2B5EF4-FFF2-40B4-BE49-F238E27FC236}">
+                <a16:creationId xmlns:a16="http://schemas.microsoft.com/office/drawing/2014/main" id="{881358DD-6218-4EC7-9709-07B227DC0AFE}"/>
+              </a:ext>
+            </a:extLst>
+          </p:cNvPr>
+          <p:cNvSpPr/>
+          <p:nvPr/>
+        </p:nvSpPr>
+        <p:spPr>
+          <a:xfrm>
+            <a:off x="8624452" y="1945175"/>
+            <a:ext cx="390698" cy="390698"/>
+          </a:xfrm>
+          <a:prstGeom prst="rect">
+            <a:avLst/>
+          </a:prstGeom>
+        </p:spPr>
+        <p:style>
+          <a:lnRef idx="2">
+            <a:schemeClr val="accent1">
+              <a:shade val="50000"/>
+            </a:schemeClr>
+          </a:lnRef>
+          <a:fillRef idx="1">
+            <a:schemeClr val="accent1"/>
+          </a:fillRef>
+          <a:effectRef idx="0">
+            <a:schemeClr val="accent1"/>
+          </a:effectRef>
+          <a:fontRef idx="minor">
+            <a:schemeClr val="lt1"/>
+          </a:fontRef>
+        </p:style>
+        <p:txBody>
+          <a:bodyPr rtlCol="0" anchor="ctr"/>
+          <a:lstStyle/>
+          <a:p>
+            <a:pPr algn="ctr"/>
+            <a:endParaRPr lang="de-AT"/>
+          </a:p>
+        </p:txBody>
+      </p:sp>
+      <p:sp>
+        <p:nvSpPr>
+          <p:cNvPr id="173" name="Rechteck 172">
+            <a:extLst>
+              <a:ext uri="{FF2B5EF4-FFF2-40B4-BE49-F238E27FC236}">
+                <a16:creationId xmlns:a16="http://schemas.microsoft.com/office/drawing/2014/main" id="{724532DD-59C4-48DB-B81D-AB97D1DC6582}"/>
+              </a:ext>
+            </a:extLst>
+          </p:cNvPr>
+          <p:cNvSpPr/>
+          <p:nvPr/>
+        </p:nvSpPr>
+        <p:spPr>
+          <a:xfrm>
+            <a:off x="9015150" y="1945175"/>
+            <a:ext cx="390698" cy="390698"/>
+          </a:xfrm>
+          <a:prstGeom prst="rect">
+            <a:avLst/>
+          </a:prstGeom>
+          <a:solidFill>
+            <a:schemeClr val="bg1"/>
+          </a:solidFill>
+        </p:spPr>
+        <p:style>
+          <a:lnRef idx="2">
+            <a:schemeClr val="accent1">
+              <a:shade val="50000"/>
+            </a:schemeClr>
+          </a:lnRef>
+          <a:fillRef idx="1">
+            <a:schemeClr val="accent1"/>
+          </a:fillRef>
+          <a:effectRef idx="0">
+            <a:schemeClr val="accent1"/>
+          </a:effectRef>
+          <a:fontRef idx="minor">
+            <a:schemeClr val="lt1"/>
+          </a:fontRef>
+        </p:style>
+        <p:txBody>
+          <a:bodyPr rtlCol="0" anchor="ctr"/>
+          <a:lstStyle/>
+          <a:p>
+            <a:pPr algn="ctr"/>
+            <a:endParaRPr lang="de-AT"/>
+          </a:p>
+        </p:txBody>
+      </p:sp>
+      <p:sp>
+        <p:nvSpPr>
+          <p:cNvPr id="174" name="Rechteck 173">
+            <a:extLst>
+              <a:ext uri="{FF2B5EF4-FFF2-40B4-BE49-F238E27FC236}">
+                <a16:creationId xmlns:a16="http://schemas.microsoft.com/office/drawing/2014/main" id="{8C84FE20-46BC-4CAB-BF23-19752B40DBEB}"/>
+              </a:ext>
+            </a:extLst>
+          </p:cNvPr>
+          <p:cNvSpPr/>
+          <p:nvPr/>
+        </p:nvSpPr>
+        <p:spPr>
+          <a:xfrm>
+            <a:off x="9405848" y="1945175"/>
+            <a:ext cx="390698" cy="390698"/>
+          </a:xfrm>
+          <a:prstGeom prst="rect">
+            <a:avLst/>
+          </a:prstGeom>
+        </p:spPr>
+        <p:style>
+          <a:lnRef idx="2">
+            <a:schemeClr val="accent1">
+              <a:shade val="50000"/>
+            </a:schemeClr>
+          </a:lnRef>
+          <a:fillRef idx="1">
+            <a:schemeClr val="accent1"/>
+          </a:fillRef>
+          <a:effectRef idx="0">
+            <a:schemeClr val="accent1"/>
+          </a:effectRef>
+          <a:fontRef idx="minor">
+            <a:schemeClr val="lt1"/>
+          </a:fontRef>
+        </p:style>
+        <p:txBody>
+          <a:bodyPr rtlCol="0" anchor="ctr"/>
+          <a:lstStyle/>
+          <a:p>
+            <a:pPr algn="ctr"/>
+            <a:endParaRPr lang="de-AT"/>
+          </a:p>
+        </p:txBody>
+      </p:sp>
+      <p:sp>
+        <p:nvSpPr>
+          <p:cNvPr id="175" name="Rechteck 174">
+            <a:extLst>
+              <a:ext uri="{FF2B5EF4-FFF2-40B4-BE49-F238E27FC236}">
+                <a16:creationId xmlns:a16="http://schemas.microsoft.com/office/drawing/2014/main" id="{9415B142-C8FB-4BE8-BC2E-D37EAB6674D7}"/>
+              </a:ext>
+            </a:extLst>
+          </p:cNvPr>
+          <p:cNvSpPr/>
+          <p:nvPr/>
+        </p:nvSpPr>
+        <p:spPr>
+          <a:xfrm>
+            <a:off x="9796546" y="1945175"/>
+            <a:ext cx="390698" cy="390698"/>
+          </a:xfrm>
+          <a:prstGeom prst="rect">
+            <a:avLst/>
+          </a:prstGeom>
+          <a:solidFill>
+            <a:schemeClr val="bg1"/>
+          </a:solidFill>
+        </p:spPr>
+        <p:style>
+          <a:lnRef idx="2">
+            <a:schemeClr val="accent1">
+              <a:shade val="50000"/>
+            </a:schemeClr>
+          </a:lnRef>
+          <a:fillRef idx="1">
+            <a:schemeClr val="accent1"/>
+          </a:fillRef>
+          <a:effectRef idx="0">
+            <a:schemeClr val="accent1"/>
+          </a:effectRef>
+          <a:fontRef idx="minor">
+            <a:schemeClr val="lt1"/>
+          </a:fontRef>
+        </p:style>
+        <p:txBody>
+          <a:bodyPr rtlCol="0" anchor="ctr"/>
+          <a:lstStyle/>
+          <a:p>
+            <a:pPr algn="ctr"/>
+            <a:endParaRPr lang="de-AT"/>
+          </a:p>
+        </p:txBody>
+      </p:sp>
+      <p:sp>
+        <p:nvSpPr>
+          <p:cNvPr id="176" name="Rechteck 175">
+            <a:extLst>
+              <a:ext uri="{FF2B5EF4-FFF2-40B4-BE49-F238E27FC236}">
+                <a16:creationId xmlns:a16="http://schemas.microsoft.com/office/drawing/2014/main" id="{D9D09851-77FD-44B8-92F6-9C7CEC0BF56D}"/>
+              </a:ext>
+            </a:extLst>
+          </p:cNvPr>
+          <p:cNvSpPr/>
+          <p:nvPr/>
+        </p:nvSpPr>
+        <p:spPr>
+          <a:xfrm>
+            <a:off x="7061660" y="2337259"/>
+            <a:ext cx="390698" cy="390698"/>
+          </a:xfrm>
+          <a:prstGeom prst="rect">
+            <a:avLst/>
+          </a:prstGeom>
+          <a:solidFill>
+            <a:schemeClr val="bg1"/>
+          </a:solidFill>
+        </p:spPr>
+        <p:style>
+          <a:lnRef idx="2">
+            <a:schemeClr val="accent1">
+              <a:shade val="50000"/>
+            </a:schemeClr>
+          </a:lnRef>
+          <a:fillRef idx="1">
+            <a:schemeClr val="accent1"/>
+          </a:fillRef>
+          <a:effectRef idx="0">
+            <a:schemeClr val="accent1"/>
+          </a:effectRef>
+          <a:fontRef idx="minor">
+            <a:schemeClr val="lt1"/>
+          </a:fontRef>
+        </p:style>
+        <p:txBody>
+          <a:bodyPr rtlCol="0" anchor="ctr"/>
+          <a:lstStyle/>
+          <a:p>
+            <a:pPr algn="ctr"/>
+            <a:endParaRPr lang="de-AT"/>
+          </a:p>
+        </p:txBody>
+      </p:sp>
+      <p:sp>
+        <p:nvSpPr>
+          <p:cNvPr id="177" name="Rechteck 176">
+            <a:extLst>
+              <a:ext uri="{FF2B5EF4-FFF2-40B4-BE49-F238E27FC236}">
+                <a16:creationId xmlns:a16="http://schemas.microsoft.com/office/drawing/2014/main" id="{502C5733-B36B-4E51-8565-10AEB97D311B}"/>
+              </a:ext>
+            </a:extLst>
+          </p:cNvPr>
+          <p:cNvSpPr/>
+          <p:nvPr/>
+        </p:nvSpPr>
+        <p:spPr>
+          <a:xfrm>
+            <a:off x="7842364" y="1555865"/>
+            <a:ext cx="390698" cy="390698"/>
+          </a:xfrm>
+          <a:prstGeom prst="rect">
+            <a:avLst/>
+          </a:prstGeom>
+          <a:solidFill>
+            <a:schemeClr val="bg1"/>
+          </a:solidFill>
+        </p:spPr>
+        <p:style>
+          <a:lnRef idx="2">
+            <a:schemeClr val="accent1">
+              <a:shade val="50000"/>
+            </a:schemeClr>
+          </a:lnRef>
+          <a:fillRef idx="1">
+            <a:schemeClr val="accent1"/>
+          </a:fillRef>
+          <a:effectRef idx="0">
+            <a:schemeClr val="accent1"/>
+          </a:effectRef>
+          <a:fontRef idx="minor">
+            <a:schemeClr val="lt1"/>
+          </a:fontRef>
+        </p:style>
+        <p:txBody>
+          <a:bodyPr rtlCol="0" anchor="ctr"/>
+          <a:lstStyle/>
+          <a:p>
+            <a:pPr algn="ctr"/>
+            <a:endParaRPr lang="de-AT"/>
+          </a:p>
+        </p:txBody>
+      </p:sp>
+      <p:sp>
+        <p:nvSpPr>
+          <p:cNvPr id="178" name="Rechteck 177">
+            <a:extLst>
+              <a:ext uri="{FF2B5EF4-FFF2-40B4-BE49-F238E27FC236}">
+                <a16:creationId xmlns:a16="http://schemas.microsoft.com/office/drawing/2014/main" id="{4E20DD6A-A772-45BC-9A6B-0BF5159C8E4C}"/>
+              </a:ext>
+            </a:extLst>
+          </p:cNvPr>
+          <p:cNvSpPr/>
+          <p:nvPr/>
+        </p:nvSpPr>
+        <p:spPr>
+          <a:xfrm>
+            <a:off x="8623068" y="1554477"/>
+            <a:ext cx="390698" cy="390698"/>
+          </a:xfrm>
+          <a:prstGeom prst="rect">
+            <a:avLst/>
+          </a:prstGeom>
+          <a:solidFill>
+            <a:schemeClr val="bg1"/>
+          </a:solidFill>
+        </p:spPr>
+        <p:style>
+          <a:lnRef idx="2">
+            <a:schemeClr val="accent1">
+              <a:shade val="50000"/>
+            </a:schemeClr>
+          </a:lnRef>
+          <a:fillRef idx="1">
+            <a:schemeClr val="accent1"/>
+          </a:fillRef>
+          <a:effectRef idx="0">
+            <a:schemeClr val="accent1"/>
+          </a:effectRef>
+          <a:fontRef idx="minor">
+            <a:schemeClr val="lt1"/>
+          </a:fontRef>
+        </p:style>
+        <p:txBody>
+          <a:bodyPr rtlCol="0" anchor="ctr"/>
+          <a:lstStyle/>
+          <a:p>
+            <a:pPr algn="ctr"/>
+            <a:endParaRPr lang="de-AT"/>
+          </a:p>
+        </p:txBody>
+      </p:sp>
+      <p:sp>
+        <p:nvSpPr>
+          <p:cNvPr id="179" name="Rechteck 178">
+            <a:extLst>
+              <a:ext uri="{FF2B5EF4-FFF2-40B4-BE49-F238E27FC236}">
+                <a16:creationId xmlns:a16="http://schemas.microsoft.com/office/drawing/2014/main" id="{AAA7E05F-E538-4C65-B1CA-384AF5B6F137}"/>
+              </a:ext>
+            </a:extLst>
+          </p:cNvPr>
+          <p:cNvSpPr/>
+          <p:nvPr/>
+        </p:nvSpPr>
+        <p:spPr>
+          <a:xfrm>
+            <a:off x="9405156" y="1560018"/>
+            <a:ext cx="390698" cy="390698"/>
+          </a:xfrm>
+          <a:prstGeom prst="rect">
+            <a:avLst/>
+          </a:prstGeom>
+          <a:solidFill>
+            <a:schemeClr val="bg1"/>
+          </a:solidFill>
+        </p:spPr>
+        <p:style>
+          <a:lnRef idx="2">
+            <a:schemeClr val="accent1">
+              <a:shade val="50000"/>
+            </a:schemeClr>
+          </a:lnRef>
+          <a:fillRef idx="1">
+            <a:schemeClr val="accent1"/>
+          </a:fillRef>
+          <a:effectRef idx="0">
+            <a:schemeClr val="accent1"/>
+          </a:effectRef>
+          <a:fontRef idx="minor">
+            <a:schemeClr val="lt1"/>
+          </a:fontRef>
+        </p:style>
+        <p:txBody>
+          <a:bodyPr rtlCol="0" anchor="ctr"/>
+          <a:lstStyle/>
+          <a:p>
+            <a:pPr algn="ctr"/>
+            <a:endParaRPr lang="de-AT"/>
+          </a:p>
+        </p:txBody>
+      </p:sp>
+      <p:sp>
+        <p:nvSpPr>
+          <p:cNvPr id="180" name="Rechteck 179">
+            <a:extLst>
+              <a:ext uri="{FF2B5EF4-FFF2-40B4-BE49-F238E27FC236}">
+                <a16:creationId xmlns:a16="http://schemas.microsoft.com/office/drawing/2014/main" id="{84516BD5-11F9-4F3E-8AB0-19230BA7399F}"/>
+              </a:ext>
+            </a:extLst>
+          </p:cNvPr>
+          <p:cNvSpPr/>
+          <p:nvPr/>
+        </p:nvSpPr>
+        <p:spPr>
+          <a:xfrm>
+            <a:off x="10185860" y="1555860"/>
+            <a:ext cx="390698" cy="390698"/>
+          </a:xfrm>
+          <a:prstGeom prst="rect">
+            <a:avLst/>
+          </a:prstGeom>
+          <a:solidFill>
+            <a:schemeClr val="bg1"/>
+          </a:solidFill>
+        </p:spPr>
+        <p:style>
+          <a:lnRef idx="2">
+            <a:schemeClr val="accent1">
+              <a:shade val="50000"/>
+            </a:schemeClr>
+          </a:lnRef>
+          <a:fillRef idx="1">
+            <a:schemeClr val="accent1"/>
+          </a:fillRef>
+          <a:effectRef idx="0">
+            <a:schemeClr val="accent1"/>
+          </a:effectRef>
+          <a:fontRef idx="minor">
+            <a:schemeClr val="lt1"/>
+          </a:fontRef>
+        </p:style>
+        <p:txBody>
+          <a:bodyPr rtlCol="0" anchor="ctr"/>
+          <a:lstStyle/>
+          <a:p>
+            <a:pPr algn="ctr"/>
+            <a:endParaRPr lang="de-AT"/>
+          </a:p>
+        </p:txBody>
+      </p:sp>
+      <p:sp>
+        <p:nvSpPr>
+          <p:cNvPr id="181" name="Rechteck 180">
+            <a:extLst>
+              <a:ext uri="{FF2B5EF4-FFF2-40B4-BE49-F238E27FC236}">
+                <a16:creationId xmlns:a16="http://schemas.microsoft.com/office/drawing/2014/main" id="{C3675EF3-5CA9-4484-9565-C3738F69E392}"/>
+              </a:ext>
+            </a:extLst>
+          </p:cNvPr>
+          <p:cNvSpPr/>
+          <p:nvPr/>
+        </p:nvSpPr>
+        <p:spPr>
+          <a:xfrm>
+            <a:off x="10577942" y="2337259"/>
+            <a:ext cx="390698" cy="390698"/>
+          </a:xfrm>
+          <a:prstGeom prst="rect">
+            <a:avLst/>
+          </a:prstGeom>
+        </p:spPr>
+        <p:style>
+          <a:lnRef idx="2">
+            <a:schemeClr val="accent1">
+              <a:shade val="50000"/>
+            </a:schemeClr>
+          </a:lnRef>
+          <a:fillRef idx="1">
+            <a:schemeClr val="accent1"/>
+          </a:fillRef>
+          <a:effectRef idx="0">
+            <a:schemeClr val="accent1"/>
+          </a:effectRef>
+          <a:fontRef idx="minor">
+            <a:schemeClr val="lt1"/>
+          </a:fontRef>
+        </p:style>
+        <p:txBody>
+          <a:bodyPr rtlCol="0" anchor="ctr"/>
+          <a:lstStyle/>
+          <a:p>
+            <a:pPr algn="ctr"/>
+            <a:endParaRPr lang="de-AT"/>
+          </a:p>
+        </p:txBody>
+      </p:sp>
+      <p:sp>
+        <p:nvSpPr>
+          <p:cNvPr id="182" name="Rechteck 181">
+            <a:extLst>
+              <a:ext uri="{FF2B5EF4-FFF2-40B4-BE49-F238E27FC236}">
+                <a16:creationId xmlns:a16="http://schemas.microsoft.com/office/drawing/2014/main" id="{DAE68FA7-E684-44A5-9C5C-7AAC90448019}"/>
+              </a:ext>
+            </a:extLst>
+          </p:cNvPr>
+          <p:cNvSpPr/>
+          <p:nvPr/>
+        </p:nvSpPr>
+        <p:spPr>
+          <a:xfrm>
+            <a:off x="10577942" y="2727957"/>
+            <a:ext cx="390698" cy="390698"/>
+          </a:xfrm>
+          <a:prstGeom prst="rect">
+            <a:avLst/>
+          </a:prstGeom>
+          <a:solidFill>
+            <a:schemeClr val="bg1"/>
+          </a:solidFill>
+        </p:spPr>
+        <p:style>
+          <a:lnRef idx="2">
+            <a:schemeClr val="accent1">
+              <a:shade val="50000"/>
+            </a:schemeClr>
+          </a:lnRef>
+          <a:fillRef idx="1">
+            <a:schemeClr val="accent1"/>
+          </a:fillRef>
+          <a:effectRef idx="0">
+            <a:schemeClr val="accent1"/>
+          </a:effectRef>
+          <a:fontRef idx="minor">
+            <a:schemeClr val="lt1"/>
+          </a:fontRef>
+        </p:style>
+        <p:txBody>
+          <a:bodyPr rtlCol="0" anchor="ctr"/>
+          <a:lstStyle/>
+          <a:p>
+            <a:pPr algn="ctr"/>
+            <a:endParaRPr lang="de-AT"/>
+          </a:p>
+        </p:txBody>
+      </p:sp>
+      <p:sp>
+        <p:nvSpPr>
+          <p:cNvPr id="183" name="Rechteck 182">
+            <a:extLst>
+              <a:ext uri="{FF2B5EF4-FFF2-40B4-BE49-F238E27FC236}">
+                <a16:creationId xmlns:a16="http://schemas.microsoft.com/office/drawing/2014/main" id="{BAA82AA6-AE51-42E7-8A50-0767D339C215}"/>
+              </a:ext>
+            </a:extLst>
+          </p:cNvPr>
+          <p:cNvSpPr/>
+          <p:nvPr/>
+        </p:nvSpPr>
+        <p:spPr>
+          <a:xfrm>
+            <a:off x="10577942" y="3118655"/>
+            <a:ext cx="390698" cy="390698"/>
+          </a:xfrm>
+          <a:prstGeom prst="rect">
+            <a:avLst/>
+          </a:prstGeom>
+        </p:spPr>
+        <p:style>
+          <a:lnRef idx="2">
+            <a:schemeClr val="accent1">
+              <a:shade val="50000"/>
+            </a:schemeClr>
+          </a:lnRef>
+          <a:fillRef idx="1">
+            <a:schemeClr val="accent1"/>
+          </a:fillRef>
+          <a:effectRef idx="0">
+            <a:schemeClr val="accent1"/>
+          </a:effectRef>
+          <a:fontRef idx="minor">
+            <a:schemeClr val="lt1"/>
+          </a:fontRef>
+        </p:style>
+        <p:txBody>
+          <a:bodyPr rtlCol="0" anchor="ctr"/>
+          <a:lstStyle/>
+          <a:p>
+            <a:pPr algn="ctr"/>
+            <a:endParaRPr lang="de-AT"/>
+          </a:p>
+        </p:txBody>
+      </p:sp>
+      <p:sp>
+        <p:nvSpPr>
+          <p:cNvPr id="184" name="Rechteck 183">
+            <a:extLst>
+              <a:ext uri="{FF2B5EF4-FFF2-40B4-BE49-F238E27FC236}">
+                <a16:creationId xmlns:a16="http://schemas.microsoft.com/office/drawing/2014/main" id="{1D46A653-A324-4248-A977-60411CBC75CC}"/>
+              </a:ext>
+            </a:extLst>
+          </p:cNvPr>
+          <p:cNvSpPr/>
+          <p:nvPr/>
+        </p:nvSpPr>
+        <p:spPr>
+          <a:xfrm>
+            <a:off x="10577942" y="3509353"/>
+            <a:ext cx="390698" cy="390698"/>
+          </a:xfrm>
+          <a:prstGeom prst="rect">
+            <a:avLst/>
+          </a:prstGeom>
+          <a:solidFill>
+            <a:schemeClr val="bg1"/>
+          </a:solidFill>
+        </p:spPr>
+        <p:style>
+          <a:lnRef idx="2">
+            <a:schemeClr val="accent1">
+              <a:shade val="50000"/>
+            </a:schemeClr>
+          </a:lnRef>
+          <a:fillRef idx="1">
+            <a:schemeClr val="accent1"/>
+          </a:fillRef>
+          <a:effectRef idx="0">
+            <a:schemeClr val="accent1"/>
+          </a:effectRef>
+          <a:fontRef idx="minor">
+            <a:schemeClr val="lt1"/>
+          </a:fontRef>
+        </p:style>
+        <p:txBody>
+          <a:bodyPr rtlCol="0" anchor="ctr"/>
+          <a:lstStyle/>
+          <a:p>
+            <a:pPr algn="ctr"/>
+            <a:endParaRPr lang="de-AT"/>
+          </a:p>
+        </p:txBody>
+      </p:sp>
+      <p:sp>
+        <p:nvSpPr>
+          <p:cNvPr id="185" name="Rechteck 184">
+            <a:extLst>
+              <a:ext uri="{FF2B5EF4-FFF2-40B4-BE49-F238E27FC236}">
+                <a16:creationId xmlns:a16="http://schemas.microsoft.com/office/drawing/2014/main" id="{E1E4B6E3-3BBE-4F37-AB2C-59C0CBEC255F}"/>
+              </a:ext>
+            </a:extLst>
+          </p:cNvPr>
+          <p:cNvSpPr/>
+          <p:nvPr/>
+        </p:nvSpPr>
+        <p:spPr>
+          <a:xfrm>
+            <a:off x="10577942" y="3894510"/>
+            <a:ext cx="390698" cy="390698"/>
+          </a:xfrm>
+          <a:prstGeom prst="rect">
+            <a:avLst/>
+          </a:prstGeom>
+        </p:spPr>
+        <p:style>
+          <a:lnRef idx="2">
+            <a:schemeClr val="accent1">
+              <a:shade val="50000"/>
+            </a:schemeClr>
+          </a:lnRef>
+          <a:fillRef idx="1">
+            <a:schemeClr val="accent1"/>
+          </a:fillRef>
+          <a:effectRef idx="0">
+            <a:schemeClr val="accent1"/>
+          </a:effectRef>
+          <a:fontRef idx="minor">
+            <a:schemeClr val="lt1"/>
+          </a:fontRef>
+        </p:style>
+        <p:txBody>
+          <a:bodyPr rtlCol="0" anchor="ctr"/>
+          <a:lstStyle/>
+          <a:p>
+            <a:pPr algn="ctr"/>
+            <a:endParaRPr lang="de-AT"/>
+          </a:p>
+        </p:txBody>
+      </p:sp>
+      <p:sp>
+        <p:nvSpPr>
+          <p:cNvPr id="186" name="Rechteck 185">
+            <a:extLst>
+              <a:ext uri="{FF2B5EF4-FFF2-40B4-BE49-F238E27FC236}">
+                <a16:creationId xmlns:a16="http://schemas.microsoft.com/office/drawing/2014/main" id="{68B8A1DB-241F-4EA8-96C4-5EA9EC172EFD}"/>
+              </a:ext>
+            </a:extLst>
+          </p:cNvPr>
+          <p:cNvSpPr/>
+          <p:nvPr/>
+        </p:nvSpPr>
+        <p:spPr>
+          <a:xfrm>
+            <a:off x="10577942" y="4285208"/>
+            <a:ext cx="390698" cy="390698"/>
+          </a:xfrm>
+          <a:prstGeom prst="rect">
+            <a:avLst/>
+          </a:prstGeom>
+          <a:solidFill>
+            <a:schemeClr val="bg1"/>
+          </a:solidFill>
+        </p:spPr>
+        <p:style>
+          <a:lnRef idx="2">
+            <a:schemeClr val="accent1">
+              <a:shade val="50000"/>
+            </a:schemeClr>
+          </a:lnRef>
+          <a:fillRef idx="1">
+            <a:schemeClr val="accent1"/>
+          </a:fillRef>
+          <a:effectRef idx="0">
+            <a:schemeClr val="accent1"/>
+          </a:effectRef>
+          <a:fontRef idx="minor">
+            <a:schemeClr val="lt1"/>
+          </a:fontRef>
+        </p:style>
+        <p:txBody>
+          <a:bodyPr rtlCol="0" anchor="ctr"/>
+          <a:lstStyle/>
+          <a:p>
+            <a:pPr algn="ctr"/>
+            <a:endParaRPr lang="de-AT"/>
+          </a:p>
+        </p:txBody>
+      </p:sp>
+      <p:sp>
+        <p:nvSpPr>
+          <p:cNvPr id="187" name="Rechteck 186">
+            <a:extLst>
+              <a:ext uri="{FF2B5EF4-FFF2-40B4-BE49-F238E27FC236}">
+                <a16:creationId xmlns:a16="http://schemas.microsoft.com/office/drawing/2014/main" id="{3B27CBF0-FC6F-484D-B451-4F546F0C39D4}"/>
+              </a:ext>
+            </a:extLst>
+          </p:cNvPr>
+          <p:cNvSpPr/>
+          <p:nvPr/>
+        </p:nvSpPr>
+        <p:spPr>
+          <a:xfrm>
+            <a:off x="10577942" y="4675906"/>
+            <a:ext cx="390698" cy="390698"/>
+          </a:xfrm>
+          <a:prstGeom prst="rect">
+            <a:avLst/>
+          </a:prstGeom>
+        </p:spPr>
+        <p:style>
+          <a:lnRef idx="2">
+            <a:schemeClr val="accent1">
+              <a:shade val="50000"/>
+            </a:schemeClr>
+          </a:lnRef>
+          <a:fillRef idx="1">
+            <a:schemeClr val="accent1"/>
+          </a:fillRef>
+          <a:effectRef idx="0">
+            <a:schemeClr val="accent1"/>
+          </a:effectRef>
+          <a:fontRef idx="minor">
+            <a:schemeClr val="lt1"/>
+          </a:fontRef>
+        </p:style>
+        <p:txBody>
+          <a:bodyPr rtlCol="0" anchor="ctr"/>
+          <a:lstStyle/>
+          <a:p>
+            <a:pPr algn="ctr"/>
+            <a:endParaRPr lang="de-AT"/>
+          </a:p>
+        </p:txBody>
+      </p:sp>
+      <p:sp>
+        <p:nvSpPr>
+          <p:cNvPr id="188" name="Rechteck 187">
+            <a:extLst>
+              <a:ext uri="{FF2B5EF4-FFF2-40B4-BE49-F238E27FC236}">
+                <a16:creationId xmlns:a16="http://schemas.microsoft.com/office/drawing/2014/main" id="{8FAC993D-8857-49CF-84E3-7F232DBF5C14}"/>
+              </a:ext>
+            </a:extLst>
+          </p:cNvPr>
+          <p:cNvSpPr/>
+          <p:nvPr/>
+        </p:nvSpPr>
+        <p:spPr>
+          <a:xfrm>
+            <a:off x="10577942" y="1943789"/>
+            <a:ext cx="390698" cy="390698"/>
+          </a:xfrm>
+          <a:prstGeom prst="rect">
+            <a:avLst/>
+          </a:prstGeom>
+          <a:solidFill>
+            <a:schemeClr val="bg1"/>
+          </a:solidFill>
+        </p:spPr>
+        <p:style>
+          <a:lnRef idx="2">
+            <a:schemeClr val="accent1">
+              <a:shade val="50000"/>
+            </a:schemeClr>
+          </a:lnRef>
+          <a:fillRef idx="1">
+            <a:schemeClr val="accent1"/>
+          </a:fillRef>
+          <a:effectRef idx="0">
+            <a:schemeClr val="accent1"/>
+          </a:effectRef>
+          <a:fontRef idx="minor">
+            <a:schemeClr val="lt1"/>
+          </a:fontRef>
+        </p:style>
+        <p:txBody>
+          <a:bodyPr rtlCol="0" anchor="ctr"/>
+          <a:lstStyle/>
+          <a:p>
+            <a:pPr algn="ctr"/>
+            <a:endParaRPr lang="de-AT"/>
+          </a:p>
+        </p:txBody>
+      </p:sp>
+      <p:sp>
+        <p:nvSpPr>
+          <p:cNvPr id="189" name="Rechteck 188">
+            <a:extLst>
+              <a:ext uri="{FF2B5EF4-FFF2-40B4-BE49-F238E27FC236}">
+                <a16:creationId xmlns:a16="http://schemas.microsoft.com/office/drawing/2014/main" id="{01FB6ED6-1CB7-4F88-8EE7-6C8A18A30D69}"/>
+              </a:ext>
+            </a:extLst>
+          </p:cNvPr>
+          <p:cNvSpPr/>
+          <p:nvPr/>
+        </p:nvSpPr>
+        <p:spPr>
+          <a:xfrm>
+            <a:off x="10971413" y="4677292"/>
+            <a:ext cx="390698" cy="390698"/>
+          </a:xfrm>
+          <a:prstGeom prst="rect">
+            <a:avLst/>
+          </a:prstGeom>
+          <a:solidFill>
+            <a:schemeClr val="bg1"/>
+          </a:solidFill>
+        </p:spPr>
+        <p:style>
+          <a:lnRef idx="2">
+            <a:schemeClr val="accent1">
+              <a:shade val="50000"/>
+            </a:schemeClr>
+          </a:lnRef>
+          <a:fillRef idx="1">
+            <a:schemeClr val="accent1"/>
+          </a:fillRef>
+          <a:effectRef idx="0">
+            <a:schemeClr val="accent1"/>
+          </a:effectRef>
+          <a:fontRef idx="minor">
+            <a:schemeClr val="lt1"/>
+          </a:fontRef>
+        </p:style>
+        <p:txBody>
+          <a:bodyPr rtlCol="0" anchor="ctr"/>
+          <a:lstStyle/>
+          <a:p>
+            <a:pPr algn="ctr"/>
+            <a:endParaRPr lang="de-AT"/>
+          </a:p>
+        </p:txBody>
+      </p:sp>
+      <p:sp>
+        <p:nvSpPr>
+          <p:cNvPr id="190" name="Rechteck 189">
+            <a:extLst>
+              <a:ext uri="{FF2B5EF4-FFF2-40B4-BE49-F238E27FC236}">
+                <a16:creationId xmlns:a16="http://schemas.microsoft.com/office/drawing/2014/main" id="{41F6B30C-C157-4B96-93EC-10F3C0D1AAEA}"/>
+              </a:ext>
+            </a:extLst>
+          </p:cNvPr>
+          <p:cNvSpPr/>
+          <p:nvPr/>
+        </p:nvSpPr>
+        <p:spPr>
+          <a:xfrm>
+            <a:off x="10971413" y="3890352"/>
+            <a:ext cx="390698" cy="390698"/>
+          </a:xfrm>
+          <a:prstGeom prst="rect">
+            <a:avLst/>
+          </a:prstGeom>
+          <a:solidFill>
+            <a:schemeClr val="bg1"/>
+          </a:solidFill>
+        </p:spPr>
+        <p:style>
+          <a:lnRef idx="2">
+            <a:schemeClr val="accent1">
+              <a:shade val="50000"/>
+            </a:schemeClr>
+          </a:lnRef>
+          <a:fillRef idx="1">
+            <a:schemeClr val="accent1"/>
+          </a:fillRef>
+          <a:effectRef idx="0">
+            <a:schemeClr val="accent1"/>
+          </a:effectRef>
+          <a:fontRef idx="minor">
+            <a:schemeClr val="lt1"/>
+          </a:fontRef>
+        </p:style>
+        <p:txBody>
+          <a:bodyPr rtlCol="0" anchor="ctr"/>
+          <a:lstStyle/>
+          <a:p>
+            <a:pPr algn="ctr"/>
+            <a:endParaRPr lang="de-AT"/>
+          </a:p>
+        </p:txBody>
+      </p:sp>
+      <p:sp>
+        <p:nvSpPr>
+          <p:cNvPr id="191" name="Rechteck 190">
+            <a:extLst>
+              <a:ext uri="{FF2B5EF4-FFF2-40B4-BE49-F238E27FC236}">
+                <a16:creationId xmlns:a16="http://schemas.microsoft.com/office/drawing/2014/main" id="{D34A67AB-8F69-45E1-B668-7D674BF25258}"/>
+              </a:ext>
+            </a:extLst>
+          </p:cNvPr>
+          <p:cNvSpPr/>
+          <p:nvPr/>
+        </p:nvSpPr>
+        <p:spPr>
+          <a:xfrm>
+            <a:off x="10971413" y="3117269"/>
+            <a:ext cx="390698" cy="390698"/>
+          </a:xfrm>
+          <a:prstGeom prst="rect">
+            <a:avLst/>
+          </a:prstGeom>
+          <a:solidFill>
+            <a:schemeClr val="bg1"/>
+          </a:solidFill>
+        </p:spPr>
+        <p:style>
+          <a:lnRef idx="2">
+            <a:schemeClr val="accent1">
+              <a:shade val="50000"/>
+            </a:schemeClr>
+          </a:lnRef>
+          <a:fillRef idx="1">
+            <a:schemeClr val="accent1"/>
+          </a:fillRef>
+          <a:effectRef idx="0">
+            <a:schemeClr val="accent1"/>
+          </a:effectRef>
+          <a:fontRef idx="minor">
+            <a:schemeClr val="lt1"/>
+          </a:fontRef>
+        </p:style>
+        <p:txBody>
+          <a:bodyPr rtlCol="0" anchor="ctr"/>
+          <a:lstStyle/>
+          <a:p>
+            <a:pPr algn="ctr"/>
+            <a:endParaRPr lang="de-AT"/>
+          </a:p>
+        </p:txBody>
+      </p:sp>
+      <p:sp>
+        <p:nvSpPr>
+          <p:cNvPr id="192" name="Rechteck 191">
+            <a:extLst>
+              <a:ext uri="{FF2B5EF4-FFF2-40B4-BE49-F238E27FC236}">
+                <a16:creationId xmlns:a16="http://schemas.microsoft.com/office/drawing/2014/main" id="{DA980A0A-EF98-4DD6-93CB-B2C7AB2278AA}"/>
+              </a:ext>
+            </a:extLst>
+          </p:cNvPr>
+          <p:cNvSpPr/>
+          <p:nvPr/>
+        </p:nvSpPr>
+        <p:spPr>
+          <a:xfrm>
+            <a:off x="10971413" y="2337259"/>
+            <a:ext cx="390698" cy="390698"/>
+          </a:xfrm>
+          <a:prstGeom prst="rect">
+            <a:avLst/>
+          </a:prstGeom>
+          <a:solidFill>
+            <a:schemeClr val="bg1"/>
+          </a:solidFill>
+        </p:spPr>
+        <p:style>
+          <a:lnRef idx="2">
+            <a:schemeClr val="accent1">
+              <a:shade val="50000"/>
+            </a:schemeClr>
+          </a:lnRef>
+          <a:fillRef idx="1">
+            <a:schemeClr val="accent1"/>
+          </a:fillRef>
+          <a:effectRef idx="0">
+            <a:schemeClr val="accent1"/>
+          </a:effectRef>
+          <a:fontRef idx="minor">
+            <a:schemeClr val="lt1"/>
+          </a:fontRef>
+        </p:style>
+        <p:txBody>
+          <a:bodyPr rtlCol="0" anchor="ctr"/>
+          <a:lstStyle/>
+          <a:p>
+            <a:pPr algn="ctr"/>
+            <a:endParaRPr lang="de-AT"/>
+          </a:p>
+        </p:txBody>
+      </p:sp>
+      <p:sp>
+        <p:nvSpPr>
+          <p:cNvPr id="193" name="Rechteck 192">
+            <a:extLst>
+              <a:ext uri="{FF2B5EF4-FFF2-40B4-BE49-F238E27FC236}">
+                <a16:creationId xmlns:a16="http://schemas.microsoft.com/office/drawing/2014/main" id="{53D83F07-8FB7-49C0-94C6-BCD0363426A5}"/>
+              </a:ext>
+            </a:extLst>
+          </p:cNvPr>
+          <p:cNvSpPr/>
+          <p:nvPr/>
+        </p:nvSpPr>
+        <p:spPr>
+          <a:xfrm>
+            <a:off x="10579325" y="5062446"/>
+            <a:ext cx="390698" cy="390698"/>
+          </a:xfrm>
+          <a:prstGeom prst="rect">
+            <a:avLst/>
+          </a:prstGeom>
+          <a:solidFill>
+            <a:schemeClr val="bg1"/>
+          </a:solidFill>
+        </p:spPr>
+        <p:style>
+          <a:lnRef idx="2">
+            <a:schemeClr val="accent1">
+              <a:shade val="50000"/>
+            </a:schemeClr>
+          </a:lnRef>
+          <a:fillRef idx="1">
+            <a:schemeClr val="accent1"/>
+          </a:fillRef>
+          <a:effectRef idx="0">
+            <a:schemeClr val="accent1"/>
+          </a:effectRef>
+          <a:fontRef idx="minor">
+            <a:schemeClr val="lt1"/>
+          </a:fontRef>
+        </p:style>
+        <p:txBody>
+          <a:bodyPr rtlCol="0" anchor="ctr"/>
+          <a:lstStyle/>
+          <a:p>
+            <a:pPr algn="ctr"/>
+            <a:endParaRPr lang="de-AT"/>
+          </a:p>
+        </p:txBody>
+      </p:sp>
+      <p:sp>
+        <p:nvSpPr>
+          <p:cNvPr id="194" name="Rechteck 193">
+            <a:extLst>
+              <a:ext uri="{FF2B5EF4-FFF2-40B4-BE49-F238E27FC236}">
+                <a16:creationId xmlns:a16="http://schemas.microsoft.com/office/drawing/2014/main" id="{2A12AC08-EB0A-4329-980E-BE5AE6089605}"/>
+              </a:ext>
+            </a:extLst>
+          </p:cNvPr>
+          <p:cNvSpPr/>
+          <p:nvPr/>
+        </p:nvSpPr>
+        <p:spPr>
+          <a:xfrm>
+            <a:off x="7842364" y="5454535"/>
+            <a:ext cx="390698" cy="390698"/>
+          </a:xfrm>
+          <a:prstGeom prst="rect">
+            <a:avLst/>
+          </a:prstGeom>
+          <a:solidFill>
+            <a:schemeClr val="bg1"/>
+          </a:solidFill>
+        </p:spPr>
+        <p:style>
+          <a:lnRef idx="2">
+            <a:schemeClr val="accent1">
+              <a:shade val="50000"/>
+            </a:schemeClr>
+          </a:lnRef>
+          <a:fillRef idx="1">
+            <a:schemeClr val="accent1"/>
+          </a:fillRef>
+          <a:effectRef idx="0">
+            <a:schemeClr val="accent1"/>
+          </a:effectRef>
+          <a:fontRef idx="minor">
+            <a:schemeClr val="lt1"/>
+          </a:fontRef>
+        </p:style>
+        <p:txBody>
+          <a:bodyPr rtlCol="0" anchor="ctr"/>
+          <a:lstStyle/>
+          <a:p>
+            <a:pPr algn="ctr"/>
+            <a:endParaRPr lang="de-AT"/>
+          </a:p>
+        </p:txBody>
+      </p:sp>
+      <p:sp>
+        <p:nvSpPr>
+          <p:cNvPr id="195" name="Rechteck 194">
+            <a:extLst>
+              <a:ext uri="{FF2B5EF4-FFF2-40B4-BE49-F238E27FC236}">
+                <a16:creationId xmlns:a16="http://schemas.microsoft.com/office/drawing/2014/main" id="{9ABCCF8F-59C2-4C84-8AD6-3FDE3700EBD2}"/>
+              </a:ext>
+            </a:extLst>
+          </p:cNvPr>
+          <p:cNvSpPr/>
+          <p:nvPr/>
+        </p:nvSpPr>
+        <p:spPr>
+          <a:xfrm>
+            <a:off x="8623068" y="5453147"/>
+            <a:ext cx="390698" cy="390698"/>
+          </a:xfrm>
+          <a:prstGeom prst="rect">
+            <a:avLst/>
+          </a:prstGeom>
+          <a:solidFill>
+            <a:schemeClr val="bg1"/>
+          </a:solidFill>
+        </p:spPr>
+        <p:style>
+          <a:lnRef idx="2">
+            <a:schemeClr val="accent1">
+              <a:shade val="50000"/>
+            </a:schemeClr>
+          </a:lnRef>
+          <a:fillRef idx="1">
+            <a:schemeClr val="accent1"/>
+          </a:fillRef>
+          <a:effectRef idx="0">
+            <a:schemeClr val="accent1"/>
+          </a:effectRef>
+          <a:fontRef idx="minor">
+            <a:schemeClr val="lt1"/>
+          </a:fontRef>
+        </p:style>
+        <p:txBody>
+          <a:bodyPr rtlCol="0" anchor="ctr"/>
+          <a:lstStyle/>
+          <a:p>
+            <a:pPr algn="ctr"/>
+            <a:endParaRPr lang="de-AT"/>
+          </a:p>
+        </p:txBody>
+      </p:sp>
+      <p:sp>
+        <p:nvSpPr>
+          <p:cNvPr id="196" name="Rechteck 195">
+            <a:extLst>
+              <a:ext uri="{FF2B5EF4-FFF2-40B4-BE49-F238E27FC236}">
+                <a16:creationId xmlns:a16="http://schemas.microsoft.com/office/drawing/2014/main" id="{B76C17D4-A2CC-4047-973B-9434662A8B72}"/>
+              </a:ext>
+            </a:extLst>
+          </p:cNvPr>
+          <p:cNvSpPr/>
+          <p:nvPr/>
+        </p:nvSpPr>
+        <p:spPr>
+          <a:xfrm>
+            <a:off x="9405156" y="5458688"/>
+            <a:ext cx="390698" cy="390698"/>
+          </a:xfrm>
+          <a:prstGeom prst="rect">
+            <a:avLst/>
+          </a:prstGeom>
+          <a:solidFill>
+            <a:schemeClr val="bg1"/>
+          </a:solidFill>
+        </p:spPr>
+        <p:style>
+          <a:lnRef idx="2">
+            <a:schemeClr val="accent1">
+              <a:shade val="50000"/>
+            </a:schemeClr>
+          </a:lnRef>
+          <a:fillRef idx="1">
+            <a:schemeClr val="accent1"/>
+          </a:fillRef>
+          <a:effectRef idx="0">
+            <a:schemeClr val="accent1"/>
+          </a:effectRef>
+          <a:fontRef idx="minor">
+            <a:schemeClr val="lt1"/>
+          </a:fontRef>
+        </p:style>
+        <p:txBody>
+          <a:bodyPr rtlCol="0" anchor="ctr"/>
+          <a:lstStyle/>
+          <a:p>
+            <a:pPr algn="ctr"/>
+            <a:endParaRPr lang="de-AT"/>
+          </a:p>
+        </p:txBody>
+      </p:sp>
+      <p:sp>
+        <p:nvSpPr>
+          <p:cNvPr id="197" name="Rechteck 196">
+            <a:extLst>
+              <a:ext uri="{FF2B5EF4-FFF2-40B4-BE49-F238E27FC236}">
+                <a16:creationId xmlns:a16="http://schemas.microsoft.com/office/drawing/2014/main" id="{B717203E-DAAF-4978-8845-EB7113A242DD}"/>
+              </a:ext>
+            </a:extLst>
+          </p:cNvPr>
+          <p:cNvSpPr/>
+          <p:nvPr/>
+        </p:nvSpPr>
+        <p:spPr>
+          <a:xfrm>
+            <a:off x="10185860" y="5454530"/>
+            <a:ext cx="390698" cy="390698"/>
+          </a:xfrm>
+          <a:prstGeom prst="rect">
+            <a:avLst/>
+          </a:prstGeom>
+          <a:solidFill>
+            <a:schemeClr val="bg1"/>
+          </a:solidFill>
+        </p:spPr>
+        <p:style>
+          <a:lnRef idx="2">
+            <a:schemeClr val="accent1">
+              <a:shade val="50000"/>
+            </a:schemeClr>
+          </a:lnRef>
+          <a:fillRef idx="1">
+            <a:schemeClr val="accent1"/>
+          </a:fillRef>
+          <a:effectRef idx="0">
+            <a:schemeClr val="accent1"/>
+          </a:effectRef>
+          <a:fontRef idx="minor">
+            <a:schemeClr val="lt1"/>
+          </a:fontRef>
+        </p:style>
+        <p:txBody>
+          <a:bodyPr rtlCol="0" anchor="ctr"/>
+          <a:lstStyle/>
+          <a:p>
+            <a:pPr algn="ctr"/>
+            <a:endParaRPr lang="de-AT"/>
+          </a:p>
+        </p:txBody>
+      </p:sp>
+      <p:sp>
+        <p:nvSpPr>
+          <p:cNvPr id="198" name="Textfeld 197">
+            <a:extLst>
+              <a:ext uri="{FF2B5EF4-FFF2-40B4-BE49-F238E27FC236}">
+                <a16:creationId xmlns:a16="http://schemas.microsoft.com/office/drawing/2014/main" id="{650CB42D-9E91-45DF-B302-559AFCBB6699}"/>
+              </a:ext>
+            </a:extLst>
+          </p:cNvPr>
+          <p:cNvSpPr txBox="1"/>
+          <p:nvPr/>
+        </p:nvSpPr>
+        <p:spPr>
+          <a:xfrm>
+            <a:off x="5244613" y="577737"/>
+            <a:ext cx="1702774" cy="369332"/>
+          </a:xfrm>
+          <a:prstGeom prst="rect">
+            <a:avLst/>
+          </a:prstGeom>
+          <a:noFill/>
+        </p:spPr>
+        <p:txBody>
+          <a:bodyPr wrap="none" rtlCol="0">
+            <a:spAutoFit/>
+          </a:bodyPr>
+          <a:lstStyle/>
+          <a:p>
+            <a:r>
+              <a:rPr lang="de-AT" dirty="0" err="1"/>
+              <a:t>Punched</a:t>
+            </a:r>
+            <a:r>
+              <a:rPr lang="de-AT" dirty="0"/>
+              <a:t> Boards</a:t>
+            </a:r>
+          </a:p>
+        </p:txBody>
+      </p:sp>
+      <p:sp>
+        <p:nvSpPr>
+          <p:cNvPr id="199" name="Rechteck 198">
+            <a:extLst>
+              <a:ext uri="{FF2B5EF4-FFF2-40B4-BE49-F238E27FC236}">
+                <a16:creationId xmlns:a16="http://schemas.microsoft.com/office/drawing/2014/main" id="{037D2BF1-EACD-4118-AC2B-0FB0DF02630B}"/>
+              </a:ext>
+            </a:extLst>
+          </p:cNvPr>
+          <p:cNvSpPr/>
+          <p:nvPr/>
+        </p:nvSpPr>
+        <p:spPr>
+          <a:xfrm>
+            <a:off x="1223356" y="3714401"/>
+            <a:ext cx="390698" cy="390698"/>
+          </a:xfrm>
+          <a:prstGeom prst="rect">
+            <a:avLst/>
+          </a:prstGeom>
+          <a:solidFill>
+            <a:schemeClr val="bg1"/>
+          </a:solidFill>
+        </p:spPr>
+        <p:style>
+          <a:lnRef idx="2">
+            <a:schemeClr val="accent1">
+              <a:shade val="50000"/>
+            </a:schemeClr>
+          </a:lnRef>
+          <a:fillRef idx="1">
+            <a:schemeClr val="accent1"/>
+          </a:fillRef>
+          <a:effectRef idx="0">
+            <a:schemeClr val="accent1"/>
+          </a:effectRef>
+          <a:fontRef idx="minor">
+            <a:schemeClr val="lt1"/>
+          </a:fontRef>
+        </p:style>
+        <p:txBody>
+          <a:bodyPr rtlCol="0" anchor="ctr"/>
+          <a:lstStyle/>
+          <a:p>
+            <a:pPr algn="ctr"/>
+            <a:endParaRPr lang="de-AT"/>
+          </a:p>
+        </p:txBody>
+      </p:sp>
+      <p:sp>
+        <p:nvSpPr>
+          <p:cNvPr id="200" name="Rechteck 199">
+            <a:extLst>
+              <a:ext uri="{FF2B5EF4-FFF2-40B4-BE49-F238E27FC236}">
+                <a16:creationId xmlns:a16="http://schemas.microsoft.com/office/drawing/2014/main" id="{F52723C4-4538-452D-BC5E-34E867D79C27}"/>
+              </a:ext>
+            </a:extLst>
+          </p:cNvPr>
+          <p:cNvSpPr/>
+          <p:nvPr/>
+        </p:nvSpPr>
+        <p:spPr>
+          <a:xfrm>
+            <a:off x="1614054" y="3714401"/>
+            <a:ext cx="390698" cy="390698"/>
+          </a:xfrm>
+          <a:prstGeom prst="rect">
+            <a:avLst/>
+          </a:prstGeom>
+        </p:spPr>
+        <p:style>
+          <a:lnRef idx="2">
+            <a:schemeClr val="accent1">
+              <a:shade val="50000"/>
+            </a:schemeClr>
+          </a:lnRef>
+          <a:fillRef idx="1">
+            <a:schemeClr val="accent1"/>
+          </a:fillRef>
+          <a:effectRef idx="0">
+            <a:schemeClr val="accent1"/>
+          </a:effectRef>
+          <a:fontRef idx="minor">
+            <a:schemeClr val="lt1"/>
+          </a:fontRef>
+        </p:style>
+        <p:txBody>
+          <a:bodyPr rtlCol="0" anchor="ctr"/>
+          <a:lstStyle/>
+          <a:p>
+            <a:pPr algn="ctr"/>
+            <a:endParaRPr lang="de-AT"/>
+          </a:p>
+        </p:txBody>
+      </p:sp>
+      <p:sp>
+        <p:nvSpPr>
+          <p:cNvPr id="201" name="Rechteck 200">
+            <a:extLst>
+              <a:ext uri="{FF2B5EF4-FFF2-40B4-BE49-F238E27FC236}">
+                <a16:creationId xmlns:a16="http://schemas.microsoft.com/office/drawing/2014/main" id="{EEEAE245-CFA0-467C-9081-81E486FB6C21}"/>
+              </a:ext>
+            </a:extLst>
+          </p:cNvPr>
+          <p:cNvSpPr/>
+          <p:nvPr/>
+        </p:nvSpPr>
+        <p:spPr>
+          <a:xfrm>
+            <a:off x="2004752" y="3714401"/>
+            <a:ext cx="390698" cy="390698"/>
+          </a:xfrm>
+          <a:prstGeom prst="rect">
+            <a:avLst/>
+          </a:prstGeom>
+          <a:solidFill>
+            <a:schemeClr val="bg1"/>
+          </a:solidFill>
+        </p:spPr>
+        <p:style>
+          <a:lnRef idx="2">
+            <a:schemeClr val="accent1">
+              <a:shade val="50000"/>
+            </a:schemeClr>
+          </a:lnRef>
+          <a:fillRef idx="1">
+            <a:schemeClr val="accent1"/>
+          </a:fillRef>
+          <a:effectRef idx="0">
+            <a:schemeClr val="accent1"/>
+          </a:effectRef>
+          <a:fontRef idx="minor">
+            <a:schemeClr val="lt1"/>
+          </a:fontRef>
+        </p:style>
+        <p:txBody>
+          <a:bodyPr rtlCol="0" anchor="ctr"/>
+          <a:lstStyle/>
+          <a:p>
+            <a:pPr algn="ctr"/>
+            <a:endParaRPr lang="de-AT"/>
+          </a:p>
+        </p:txBody>
+      </p:sp>
+      <p:sp>
+        <p:nvSpPr>
+          <p:cNvPr id="202" name="Rechteck 201">
+            <a:extLst>
+              <a:ext uri="{FF2B5EF4-FFF2-40B4-BE49-F238E27FC236}">
+                <a16:creationId xmlns:a16="http://schemas.microsoft.com/office/drawing/2014/main" id="{22F25EB4-EE8D-49C2-8F3F-D1CB1D361DC1}"/>
+              </a:ext>
+            </a:extLst>
+          </p:cNvPr>
+          <p:cNvSpPr/>
+          <p:nvPr/>
+        </p:nvSpPr>
+        <p:spPr>
+          <a:xfrm>
+            <a:off x="2395450" y="3714401"/>
+            <a:ext cx="390698" cy="390698"/>
+          </a:xfrm>
+          <a:prstGeom prst="rect">
+            <a:avLst/>
+          </a:prstGeom>
+        </p:spPr>
+        <p:style>
+          <a:lnRef idx="2">
+            <a:schemeClr val="accent1">
+              <a:shade val="50000"/>
+            </a:schemeClr>
+          </a:lnRef>
+          <a:fillRef idx="1">
+            <a:schemeClr val="accent1"/>
+          </a:fillRef>
+          <a:effectRef idx="0">
+            <a:schemeClr val="accent1"/>
+          </a:effectRef>
+          <a:fontRef idx="minor">
+            <a:schemeClr val="lt1"/>
+          </a:fontRef>
+        </p:style>
+        <p:txBody>
+          <a:bodyPr rtlCol="0" anchor="ctr"/>
+          <a:lstStyle/>
+          <a:p>
+            <a:pPr algn="ctr"/>
+            <a:endParaRPr lang="de-AT"/>
+          </a:p>
+        </p:txBody>
+      </p:sp>
+      <p:sp>
+        <p:nvSpPr>
+          <p:cNvPr id="203" name="Rechteck 202">
+            <a:extLst>
+              <a:ext uri="{FF2B5EF4-FFF2-40B4-BE49-F238E27FC236}">
+                <a16:creationId xmlns:a16="http://schemas.microsoft.com/office/drawing/2014/main" id="{E9B4B0E5-18C4-4E44-A52B-AC26F96FD976}"/>
+              </a:ext>
+            </a:extLst>
+          </p:cNvPr>
+          <p:cNvSpPr/>
+          <p:nvPr/>
+        </p:nvSpPr>
+        <p:spPr>
+          <a:xfrm>
+            <a:off x="2786148" y="3714401"/>
+            <a:ext cx="390698" cy="390698"/>
+          </a:xfrm>
+          <a:prstGeom prst="rect">
+            <a:avLst/>
+          </a:prstGeom>
+          <a:solidFill>
+            <a:schemeClr val="bg1"/>
+          </a:solidFill>
+        </p:spPr>
+        <p:style>
+          <a:lnRef idx="2">
+            <a:schemeClr val="accent1">
+              <a:shade val="50000"/>
+            </a:schemeClr>
+          </a:lnRef>
+          <a:fillRef idx="1">
+            <a:schemeClr val="accent1"/>
+          </a:fillRef>
+          <a:effectRef idx="0">
+            <a:schemeClr val="accent1"/>
+          </a:effectRef>
+          <a:fontRef idx="minor">
+            <a:schemeClr val="lt1"/>
+          </a:fontRef>
+        </p:style>
+        <p:txBody>
+          <a:bodyPr rtlCol="0" anchor="ctr"/>
+          <a:lstStyle/>
+          <a:p>
+            <a:pPr algn="ctr"/>
+            <a:endParaRPr lang="de-AT"/>
+          </a:p>
+        </p:txBody>
+      </p:sp>
+      <p:sp>
+        <p:nvSpPr>
+          <p:cNvPr id="204" name="Rechteck 203">
+            <a:extLst>
+              <a:ext uri="{FF2B5EF4-FFF2-40B4-BE49-F238E27FC236}">
+                <a16:creationId xmlns:a16="http://schemas.microsoft.com/office/drawing/2014/main" id="{DA135F25-DE9F-4C0D-BD37-1FBFD4325901}"/>
+              </a:ext>
+            </a:extLst>
+          </p:cNvPr>
+          <p:cNvSpPr/>
+          <p:nvPr/>
+        </p:nvSpPr>
+        <p:spPr>
+          <a:xfrm>
+            <a:off x="1613014" y="4105099"/>
+            <a:ext cx="390698" cy="390698"/>
+          </a:xfrm>
+          <a:prstGeom prst="rect">
+            <a:avLst/>
+          </a:prstGeom>
+          <a:solidFill>
+            <a:schemeClr val="bg1"/>
+          </a:solidFill>
+        </p:spPr>
+        <p:style>
+          <a:lnRef idx="2">
+            <a:schemeClr val="accent1">
+              <a:shade val="50000"/>
+            </a:schemeClr>
+          </a:lnRef>
+          <a:fillRef idx="1">
+            <a:schemeClr val="accent1"/>
+          </a:fillRef>
+          <a:effectRef idx="0">
+            <a:schemeClr val="accent1"/>
+          </a:effectRef>
+          <a:fontRef idx="minor">
+            <a:schemeClr val="lt1"/>
+          </a:fontRef>
+        </p:style>
+        <p:txBody>
+          <a:bodyPr rtlCol="0" anchor="ctr"/>
+          <a:lstStyle/>
+          <a:p>
+            <a:pPr algn="ctr"/>
+            <a:endParaRPr lang="de-AT"/>
+          </a:p>
+        </p:txBody>
+      </p:sp>
+      <p:sp>
+        <p:nvSpPr>
+          <p:cNvPr id="205" name="Rechteck 204">
+            <a:extLst>
+              <a:ext uri="{FF2B5EF4-FFF2-40B4-BE49-F238E27FC236}">
+                <a16:creationId xmlns:a16="http://schemas.microsoft.com/office/drawing/2014/main" id="{F34A9F2B-7DE1-4AD8-9CC3-38ADA3EDB3F0}"/>
+              </a:ext>
+            </a:extLst>
+          </p:cNvPr>
+          <p:cNvSpPr/>
+          <p:nvPr/>
+        </p:nvSpPr>
+        <p:spPr>
+          <a:xfrm>
+            <a:off x="2393718" y="4103711"/>
+            <a:ext cx="390698" cy="390698"/>
+          </a:xfrm>
+          <a:prstGeom prst="rect">
+            <a:avLst/>
+          </a:prstGeom>
+          <a:solidFill>
+            <a:schemeClr val="bg1"/>
+          </a:solidFill>
+        </p:spPr>
+        <p:style>
+          <a:lnRef idx="2">
+            <a:schemeClr val="accent1">
+              <a:shade val="50000"/>
+            </a:schemeClr>
+          </a:lnRef>
+          <a:fillRef idx="1">
+            <a:schemeClr val="accent1"/>
+          </a:fillRef>
+          <a:effectRef idx="0">
+            <a:schemeClr val="accent1"/>
+          </a:effectRef>
+          <a:fontRef idx="minor">
+            <a:schemeClr val="lt1"/>
+          </a:fontRef>
+        </p:style>
+        <p:txBody>
+          <a:bodyPr rtlCol="0" anchor="ctr"/>
+          <a:lstStyle/>
+          <a:p>
+            <a:pPr algn="ctr"/>
+            <a:endParaRPr lang="de-AT"/>
+          </a:p>
+        </p:txBody>
+      </p:sp>
+    </p:spTree>
+    <p:extLst>
+      <p:ext uri="{BB962C8B-B14F-4D97-AF65-F5344CB8AC3E}">
+        <p14:creationId xmlns:p14="http://schemas.microsoft.com/office/powerpoint/2010/main" val="2414162586"/>
+      </p:ext>
+    </p:extLst>
+  </p:cSld>
+  <p:clrMapOvr>
+    <a:masterClrMapping/>
+  </p:clrMapOvr>
+</p:sld>
+</file>
+
+<file path=ppt/slides/slide5.xml><?xml version="1.0" encoding="utf-8"?>
+<p:sld xmlns:a="http://schemas.openxmlformats.org/drawingml/2006/main" xmlns:r="http://schemas.openxmlformats.org/officeDocument/2006/relationships" xmlns:p="http://schemas.openxmlformats.org/presentationml/2006/main">
+  <p:cSld>
+    <p:bg>
+      <p:bgPr>
+        <a:solidFill>
+          <a:schemeClr val="accent2"/>
+        </a:solidFill>
+        <a:effectLst/>
+      </p:bgPr>
+    </p:bg>
+    <p:spTree>
+      <p:nvGrpSpPr>
+        <p:cNvPr id="1" name=""/>
+        <p:cNvGrpSpPr/>
+        <p:nvPr/>
+      </p:nvGrpSpPr>
+      <p:grpSpPr>
+        <a:xfrm>
+          <a:off x="0" y="0"/>
+          <a:ext cx="0" cy="0"/>
+          <a:chOff x="0" y="0"/>
+          <a:chExt cx="0" cy="0"/>
+        </a:xfrm>
+      </p:grpSpPr>
       <p:grpSp>
         <p:nvGrpSpPr>
           <p:cNvPr id="66" name="Gruppieren 65">
